--- a/Analysis of Sales Dataset.pptx
+++ b/Analysis of Sales Dataset.pptx
@@ -4,21 +4,38 @@
   <p:sldMasterIdLst>
     <p:sldMasterId id="2147483648" r:id="rId1"/>
   </p:sldMasterIdLst>
+  <p:notesMasterIdLst>
+    <p:notesMasterId r:id="rId30"/>
+  </p:notesMasterIdLst>
   <p:sldIdLst>
     <p:sldId id="256" r:id="rId2"/>
     <p:sldId id="257" r:id="rId3"/>
-    <p:sldId id="258" r:id="rId4"/>
-    <p:sldId id="261" r:id="rId5"/>
-    <p:sldId id="259" r:id="rId6"/>
-    <p:sldId id="262" r:id="rId7"/>
-    <p:sldId id="263" r:id="rId8"/>
-    <p:sldId id="264" r:id="rId9"/>
-    <p:sldId id="265" r:id="rId10"/>
-    <p:sldId id="268" r:id="rId11"/>
-    <p:sldId id="266" r:id="rId12"/>
-    <p:sldId id="267" r:id="rId13"/>
-    <p:sldId id="269" r:id="rId14"/>
-    <p:sldId id="260" r:id="rId15"/>
+    <p:sldId id="284" r:id="rId4"/>
+    <p:sldId id="258" r:id="rId5"/>
+    <p:sldId id="261" r:id="rId6"/>
+    <p:sldId id="259" r:id="rId7"/>
+    <p:sldId id="262" r:id="rId8"/>
+    <p:sldId id="263" r:id="rId9"/>
+    <p:sldId id="264" r:id="rId10"/>
+    <p:sldId id="265" r:id="rId11"/>
+    <p:sldId id="268" r:id="rId12"/>
+    <p:sldId id="266" r:id="rId13"/>
+    <p:sldId id="267" r:id="rId14"/>
+    <p:sldId id="269" r:id="rId15"/>
+    <p:sldId id="270" r:id="rId16"/>
+    <p:sldId id="271" r:id="rId17"/>
+    <p:sldId id="273" r:id="rId18"/>
+    <p:sldId id="274" r:id="rId19"/>
+    <p:sldId id="275" r:id="rId20"/>
+    <p:sldId id="276" r:id="rId21"/>
+    <p:sldId id="277" r:id="rId22"/>
+    <p:sldId id="278" r:id="rId23"/>
+    <p:sldId id="279" r:id="rId24"/>
+    <p:sldId id="283" r:id="rId25"/>
+    <p:sldId id="281" r:id="rId26"/>
+    <p:sldId id="282" r:id="rId27"/>
+    <p:sldId id="260" r:id="rId28"/>
+    <p:sldId id="280" r:id="rId29"/>
   </p:sldIdLst>
   <p:sldSz cx="12192000" cy="6858000"/>
   <p:notesSz cx="6858000" cy="9144000"/>
@@ -130,10 +147,640 @@
             <a:srgbClr val="A4A3A4"/>
           </p15:clr>
         </p15:guide>
+        <p15:guide id="3" orient="horz" pos="2160">
+          <p15:clr>
+            <a:srgbClr val="A4A3A4"/>
+          </p15:clr>
+        </p15:guide>
       </p15:sldGuideLst>
     </p:ext>
   </p:extLst>
 </p:presentation>
+</file>
+
+<file path=ppt/notesMasters/notesMaster1.xml><?xml version="1.0" encoding="utf-8"?>
+<p:notesMaster xmlns:a="http://schemas.openxmlformats.org/drawingml/2006/main" xmlns:r="http://schemas.openxmlformats.org/officeDocument/2006/relationships" xmlns:p="http://schemas.openxmlformats.org/presentationml/2006/main">
+  <p:cSld>
+    <p:bg>
+      <p:bgRef idx="1001">
+        <a:schemeClr val="bg1"/>
+      </p:bgRef>
+    </p:bg>
+    <p:spTree>
+      <p:nvGrpSpPr>
+        <p:cNvPr id="1" name=""/>
+        <p:cNvGrpSpPr/>
+        <p:nvPr/>
+      </p:nvGrpSpPr>
+      <p:grpSpPr>
+        <a:xfrm>
+          <a:off x="0" y="0"/>
+          <a:ext cx="0" cy="0"/>
+          <a:chOff x="0" y="0"/>
+          <a:chExt cx="0" cy="0"/>
+        </a:xfrm>
+      </p:grpSpPr>
+      <p:sp>
+        <p:nvSpPr>
+          <p:cNvPr id="2" name="Header Placeholder 1"/>
+          <p:cNvSpPr>
+            <a:spLocks noGrp="1"/>
+          </p:cNvSpPr>
+          <p:nvPr>
+            <p:ph type="hdr" sz="quarter"/>
+          </p:nvPr>
+        </p:nvSpPr>
+        <p:spPr>
+          <a:xfrm>
+            <a:off x="0" y="0"/>
+            <a:ext cx="2971800" cy="458788"/>
+          </a:xfrm>
+          <a:prstGeom prst="rect">
+            <a:avLst/>
+          </a:prstGeom>
+        </p:spPr>
+        <p:txBody>
+          <a:bodyPr vert="horz" lIns="91440" tIns="45720" rIns="91440" bIns="45720" rtlCol="0"/>
+          <a:lstStyle>
+            <a:lvl1pPr algn="l">
+              <a:defRPr sz="1200"/>
+            </a:lvl1pPr>
+          </a:lstStyle>
+          <a:p>
+            <a:endParaRPr lang="en-US"/>
+          </a:p>
+        </p:txBody>
+      </p:sp>
+      <p:sp>
+        <p:nvSpPr>
+          <p:cNvPr id="3" name="Date Placeholder 2"/>
+          <p:cNvSpPr>
+            <a:spLocks noGrp="1"/>
+          </p:cNvSpPr>
+          <p:nvPr>
+            <p:ph type="dt" idx="1"/>
+          </p:nvPr>
+        </p:nvSpPr>
+        <p:spPr>
+          <a:xfrm>
+            <a:off x="3884613" y="0"/>
+            <a:ext cx="2971800" cy="458788"/>
+          </a:xfrm>
+          <a:prstGeom prst="rect">
+            <a:avLst/>
+          </a:prstGeom>
+        </p:spPr>
+        <p:txBody>
+          <a:bodyPr vert="horz" lIns="91440" tIns="45720" rIns="91440" bIns="45720" rtlCol="0"/>
+          <a:lstStyle>
+            <a:lvl1pPr algn="r">
+              <a:defRPr sz="1200"/>
+            </a:lvl1pPr>
+          </a:lstStyle>
+          <a:p>
+            <a:fld id="{9C59977A-70B1-482A-8D3E-839FF85FC42B}" type="datetimeFigureOut">
+              <a:rPr lang="en-US" smtClean="0"/>
+              <a:t>2/2/2026</a:t>
+            </a:fld>
+            <a:endParaRPr lang="en-US"/>
+          </a:p>
+        </p:txBody>
+      </p:sp>
+      <p:sp>
+        <p:nvSpPr>
+          <p:cNvPr id="4" name="Slide Image Placeholder 3"/>
+          <p:cNvSpPr>
+            <a:spLocks noGrp="1" noRot="1" noChangeAspect="1"/>
+          </p:cNvSpPr>
+          <p:nvPr>
+            <p:ph type="sldImg" idx="2"/>
+          </p:nvPr>
+        </p:nvSpPr>
+        <p:spPr>
+          <a:xfrm>
+            <a:off x="685800" y="1143000"/>
+            <a:ext cx="5486400" cy="3086100"/>
+          </a:xfrm>
+          <a:prstGeom prst="rect">
+            <a:avLst/>
+          </a:prstGeom>
+          <a:noFill/>
+          <a:ln w="12700">
+            <a:solidFill>
+              <a:prstClr val="black"/>
+            </a:solidFill>
+          </a:ln>
+        </p:spPr>
+        <p:txBody>
+          <a:bodyPr vert="horz" lIns="91440" tIns="45720" rIns="91440" bIns="45720" rtlCol="0" anchor="ctr"/>
+          <a:lstStyle/>
+          <a:p>
+            <a:endParaRPr lang="en-US"/>
+          </a:p>
+        </p:txBody>
+      </p:sp>
+      <p:sp>
+        <p:nvSpPr>
+          <p:cNvPr id="5" name="Notes Placeholder 4"/>
+          <p:cNvSpPr>
+            <a:spLocks noGrp="1"/>
+          </p:cNvSpPr>
+          <p:nvPr>
+            <p:ph type="body" sz="quarter" idx="3"/>
+          </p:nvPr>
+        </p:nvSpPr>
+        <p:spPr>
+          <a:xfrm>
+            <a:off x="685800" y="4400550"/>
+            <a:ext cx="5486400" cy="3600450"/>
+          </a:xfrm>
+          <a:prstGeom prst="rect">
+            <a:avLst/>
+          </a:prstGeom>
+        </p:spPr>
+        <p:txBody>
+          <a:bodyPr vert="horz" lIns="91440" tIns="45720" rIns="91440" bIns="45720" rtlCol="0"/>
+          <a:lstStyle/>
+          <a:p>
+            <a:pPr lvl="0"/>
+            <a:r>
+              <a:rPr lang="en-US"/>
+              <a:t>Click to edit Master text styles</a:t>
+            </a:r>
+          </a:p>
+          <a:p>
+            <a:pPr lvl="1"/>
+            <a:r>
+              <a:rPr lang="en-US"/>
+              <a:t>Second level</a:t>
+            </a:r>
+          </a:p>
+          <a:p>
+            <a:pPr lvl="2"/>
+            <a:r>
+              <a:rPr lang="en-US"/>
+              <a:t>Third level</a:t>
+            </a:r>
+          </a:p>
+          <a:p>
+            <a:pPr lvl="3"/>
+            <a:r>
+              <a:rPr lang="en-US"/>
+              <a:t>Fourth level</a:t>
+            </a:r>
+          </a:p>
+          <a:p>
+            <a:pPr lvl="4"/>
+            <a:r>
+              <a:rPr lang="en-US"/>
+              <a:t>Fifth level</a:t>
+            </a:r>
+          </a:p>
+        </p:txBody>
+      </p:sp>
+      <p:sp>
+        <p:nvSpPr>
+          <p:cNvPr id="6" name="Footer Placeholder 5"/>
+          <p:cNvSpPr>
+            <a:spLocks noGrp="1"/>
+          </p:cNvSpPr>
+          <p:nvPr>
+            <p:ph type="ftr" sz="quarter" idx="4"/>
+          </p:nvPr>
+        </p:nvSpPr>
+        <p:spPr>
+          <a:xfrm>
+            <a:off x="0" y="8685213"/>
+            <a:ext cx="2971800" cy="458787"/>
+          </a:xfrm>
+          <a:prstGeom prst="rect">
+            <a:avLst/>
+          </a:prstGeom>
+        </p:spPr>
+        <p:txBody>
+          <a:bodyPr vert="horz" lIns="91440" tIns="45720" rIns="91440" bIns="45720" rtlCol="0" anchor="b"/>
+          <a:lstStyle>
+            <a:lvl1pPr algn="l">
+              <a:defRPr sz="1200"/>
+            </a:lvl1pPr>
+          </a:lstStyle>
+          <a:p>
+            <a:endParaRPr lang="en-US"/>
+          </a:p>
+        </p:txBody>
+      </p:sp>
+      <p:sp>
+        <p:nvSpPr>
+          <p:cNvPr id="7" name="Slide Number Placeholder 6"/>
+          <p:cNvSpPr>
+            <a:spLocks noGrp="1"/>
+          </p:cNvSpPr>
+          <p:nvPr>
+            <p:ph type="sldNum" sz="quarter" idx="5"/>
+          </p:nvPr>
+        </p:nvSpPr>
+        <p:spPr>
+          <a:xfrm>
+            <a:off x="3884613" y="8685213"/>
+            <a:ext cx="2971800" cy="458787"/>
+          </a:xfrm>
+          <a:prstGeom prst="rect">
+            <a:avLst/>
+          </a:prstGeom>
+        </p:spPr>
+        <p:txBody>
+          <a:bodyPr vert="horz" lIns="91440" tIns="45720" rIns="91440" bIns="45720" rtlCol="0" anchor="b"/>
+          <a:lstStyle>
+            <a:lvl1pPr algn="r">
+              <a:defRPr sz="1200"/>
+            </a:lvl1pPr>
+          </a:lstStyle>
+          <a:p>
+            <a:fld id="{82242DBC-27D1-4F4C-BFFF-4040201DD863}" type="slidenum">
+              <a:rPr lang="en-US" smtClean="0"/>
+              <a:t>‹#›</a:t>
+            </a:fld>
+            <a:endParaRPr lang="en-US"/>
+          </a:p>
+        </p:txBody>
+      </p:sp>
+    </p:spTree>
+    <p:extLst>
+      <p:ext uri="{BB962C8B-B14F-4D97-AF65-F5344CB8AC3E}">
+        <p14:creationId xmlns:p14="http://schemas.microsoft.com/office/powerpoint/2010/main" val="1836956665"/>
+      </p:ext>
+    </p:extLst>
+  </p:cSld>
+  <p:clrMap bg1="lt1" tx1="dk1" bg2="lt2" tx2="dk2" accent1="accent1" accent2="accent2" accent3="accent3" accent4="accent4" accent5="accent5" accent6="accent6" hlink="hlink" folHlink="folHlink"/>
+  <p:notesStyle>
+    <a:lvl1pPr marL="0" algn="l" defTabSz="914400" rtl="0" eaLnBrk="1" latinLnBrk="0" hangingPunct="1">
+      <a:defRPr sz="1200" kern="1200">
+        <a:solidFill>
+          <a:schemeClr val="tx1"/>
+        </a:solidFill>
+        <a:latin typeface="+mn-lt"/>
+        <a:ea typeface="+mn-ea"/>
+        <a:cs typeface="+mn-cs"/>
+      </a:defRPr>
+    </a:lvl1pPr>
+    <a:lvl2pPr marL="457200" algn="l" defTabSz="914400" rtl="0" eaLnBrk="1" latinLnBrk="0" hangingPunct="1">
+      <a:defRPr sz="1200" kern="1200">
+        <a:solidFill>
+          <a:schemeClr val="tx1"/>
+        </a:solidFill>
+        <a:latin typeface="+mn-lt"/>
+        <a:ea typeface="+mn-ea"/>
+        <a:cs typeface="+mn-cs"/>
+      </a:defRPr>
+    </a:lvl2pPr>
+    <a:lvl3pPr marL="914400" algn="l" defTabSz="914400" rtl="0" eaLnBrk="1" latinLnBrk="0" hangingPunct="1">
+      <a:defRPr sz="1200" kern="1200">
+        <a:solidFill>
+          <a:schemeClr val="tx1"/>
+        </a:solidFill>
+        <a:latin typeface="+mn-lt"/>
+        <a:ea typeface="+mn-ea"/>
+        <a:cs typeface="+mn-cs"/>
+      </a:defRPr>
+    </a:lvl3pPr>
+    <a:lvl4pPr marL="1371600" algn="l" defTabSz="914400" rtl="0" eaLnBrk="1" latinLnBrk="0" hangingPunct="1">
+      <a:defRPr sz="1200" kern="1200">
+        <a:solidFill>
+          <a:schemeClr val="tx1"/>
+        </a:solidFill>
+        <a:latin typeface="+mn-lt"/>
+        <a:ea typeface="+mn-ea"/>
+        <a:cs typeface="+mn-cs"/>
+      </a:defRPr>
+    </a:lvl4pPr>
+    <a:lvl5pPr marL="1828800" algn="l" defTabSz="914400" rtl="0" eaLnBrk="1" latinLnBrk="0" hangingPunct="1">
+      <a:defRPr sz="1200" kern="1200">
+        <a:solidFill>
+          <a:schemeClr val="tx1"/>
+        </a:solidFill>
+        <a:latin typeface="+mn-lt"/>
+        <a:ea typeface="+mn-ea"/>
+        <a:cs typeface="+mn-cs"/>
+      </a:defRPr>
+    </a:lvl5pPr>
+    <a:lvl6pPr marL="2286000" algn="l" defTabSz="914400" rtl="0" eaLnBrk="1" latinLnBrk="0" hangingPunct="1">
+      <a:defRPr sz="1200" kern="1200">
+        <a:solidFill>
+          <a:schemeClr val="tx1"/>
+        </a:solidFill>
+        <a:latin typeface="+mn-lt"/>
+        <a:ea typeface="+mn-ea"/>
+        <a:cs typeface="+mn-cs"/>
+      </a:defRPr>
+    </a:lvl6pPr>
+    <a:lvl7pPr marL="2743200" algn="l" defTabSz="914400" rtl="0" eaLnBrk="1" latinLnBrk="0" hangingPunct="1">
+      <a:defRPr sz="1200" kern="1200">
+        <a:solidFill>
+          <a:schemeClr val="tx1"/>
+        </a:solidFill>
+        <a:latin typeface="+mn-lt"/>
+        <a:ea typeface="+mn-ea"/>
+        <a:cs typeface="+mn-cs"/>
+      </a:defRPr>
+    </a:lvl7pPr>
+    <a:lvl8pPr marL="3200400" algn="l" defTabSz="914400" rtl="0" eaLnBrk="1" latinLnBrk="0" hangingPunct="1">
+      <a:defRPr sz="1200" kern="1200">
+        <a:solidFill>
+          <a:schemeClr val="tx1"/>
+        </a:solidFill>
+        <a:latin typeface="+mn-lt"/>
+        <a:ea typeface="+mn-ea"/>
+        <a:cs typeface="+mn-cs"/>
+      </a:defRPr>
+    </a:lvl8pPr>
+    <a:lvl9pPr marL="3657600" algn="l" defTabSz="914400" rtl="0" eaLnBrk="1" latinLnBrk="0" hangingPunct="1">
+      <a:defRPr sz="1200" kern="1200">
+        <a:solidFill>
+          <a:schemeClr val="tx1"/>
+        </a:solidFill>
+        <a:latin typeface="+mn-lt"/>
+        <a:ea typeface="+mn-ea"/>
+        <a:cs typeface="+mn-cs"/>
+      </a:defRPr>
+    </a:lvl9pPr>
+  </p:notesStyle>
+</p:notesMaster>
+</file>
+
+<file path=ppt/notesSlides/notesSlide1.xml><?xml version="1.0" encoding="utf-8"?>
+<p:notes xmlns:a="http://schemas.openxmlformats.org/drawingml/2006/main" xmlns:r="http://schemas.openxmlformats.org/officeDocument/2006/relationships" xmlns:p="http://schemas.openxmlformats.org/presentationml/2006/main">
+  <p:cSld>
+    <p:spTree>
+      <p:nvGrpSpPr>
+        <p:cNvPr id="1" name=""/>
+        <p:cNvGrpSpPr/>
+        <p:nvPr/>
+      </p:nvGrpSpPr>
+      <p:grpSpPr>
+        <a:xfrm>
+          <a:off x="0" y="0"/>
+          <a:ext cx="0" cy="0"/>
+          <a:chOff x="0" y="0"/>
+          <a:chExt cx="0" cy="0"/>
+        </a:xfrm>
+      </p:grpSpPr>
+      <p:sp>
+        <p:nvSpPr>
+          <p:cNvPr id="2" name="Slide Image Placeholder 1"/>
+          <p:cNvSpPr>
+            <a:spLocks noGrp="1" noRot="1" noChangeAspect="1"/>
+          </p:cNvSpPr>
+          <p:nvPr>
+            <p:ph type="sldImg"/>
+          </p:nvPr>
+        </p:nvSpPr>
+        <p:spPr/>
+      </p:sp>
+      <p:sp>
+        <p:nvSpPr>
+          <p:cNvPr id="3" name="Notes Placeholder 2"/>
+          <p:cNvSpPr>
+            <a:spLocks noGrp="1"/>
+          </p:cNvSpPr>
+          <p:nvPr>
+            <p:ph type="body" idx="1"/>
+          </p:nvPr>
+        </p:nvSpPr>
+        <p:spPr/>
+        <p:txBody>
+          <a:bodyPr/>
+          <a:lstStyle/>
+          <a:p>
+            <a:endParaRPr lang="en-US" dirty="0"/>
+          </a:p>
+        </p:txBody>
+      </p:sp>
+      <p:sp>
+        <p:nvSpPr>
+          <p:cNvPr id="4" name="Slide Number Placeholder 3"/>
+          <p:cNvSpPr>
+            <a:spLocks noGrp="1"/>
+          </p:cNvSpPr>
+          <p:nvPr>
+            <p:ph type="sldNum" sz="quarter" idx="5"/>
+          </p:nvPr>
+        </p:nvSpPr>
+        <p:spPr/>
+        <p:txBody>
+          <a:bodyPr/>
+          <a:lstStyle/>
+          <a:p>
+            <a:fld id="{82242DBC-27D1-4F4C-BFFF-4040201DD863}" type="slidenum">
+              <a:rPr lang="en-US" smtClean="0"/>
+              <a:t>22</a:t>
+            </a:fld>
+            <a:endParaRPr lang="en-US"/>
+          </a:p>
+        </p:txBody>
+      </p:sp>
+    </p:spTree>
+    <p:extLst>
+      <p:ext uri="{BB962C8B-B14F-4D97-AF65-F5344CB8AC3E}">
+        <p14:creationId xmlns:p14="http://schemas.microsoft.com/office/powerpoint/2010/main" val="2664850794"/>
+      </p:ext>
+    </p:extLst>
+  </p:cSld>
+  <p:clrMapOvr>
+    <a:masterClrMapping/>
+  </p:clrMapOvr>
+</p:notes>
+</file>
+
+<file path=ppt/notesSlides/notesSlide2.xml><?xml version="1.0" encoding="utf-8"?>
+<p:notes xmlns:a="http://schemas.openxmlformats.org/drawingml/2006/main" xmlns:r="http://schemas.openxmlformats.org/officeDocument/2006/relationships" xmlns:p="http://schemas.openxmlformats.org/presentationml/2006/main">
+  <p:cSld>
+    <p:spTree>
+      <p:nvGrpSpPr>
+        <p:cNvPr id="1" name=""/>
+        <p:cNvGrpSpPr/>
+        <p:nvPr/>
+      </p:nvGrpSpPr>
+      <p:grpSpPr>
+        <a:xfrm>
+          <a:off x="0" y="0"/>
+          <a:ext cx="0" cy="0"/>
+          <a:chOff x="0" y="0"/>
+          <a:chExt cx="0" cy="0"/>
+        </a:xfrm>
+      </p:grpSpPr>
+      <p:sp>
+        <p:nvSpPr>
+          <p:cNvPr id="2" name="Slide Image Placeholder 1"/>
+          <p:cNvSpPr>
+            <a:spLocks noGrp="1" noRot="1" noChangeAspect="1"/>
+          </p:cNvSpPr>
+          <p:nvPr>
+            <p:ph type="sldImg"/>
+          </p:nvPr>
+        </p:nvSpPr>
+        <p:spPr/>
+      </p:sp>
+      <p:sp>
+        <p:nvSpPr>
+          <p:cNvPr id="3" name="Notes Placeholder 2"/>
+          <p:cNvSpPr>
+            <a:spLocks noGrp="1"/>
+          </p:cNvSpPr>
+          <p:nvPr>
+            <p:ph type="body" idx="1"/>
+          </p:nvPr>
+        </p:nvSpPr>
+        <p:spPr/>
+        <p:txBody>
+          <a:bodyPr/>
+          <a:lstStyle/>
+          <a:p>
+            <a:endParaRPr lang="en-US" dirty="0"/>
+          </a:p>
+        </p:txBody>
+      </p:sp>
+      <p:sp>
+        <p:nvSpPr>
+          <p:cNvPr id="4" name="Slide Number Placeholder 3"/>
+          <p:cNvSpPr>
+            <a:spLocks noGrp="1"/>
+          </p:cNvSpPr>
+          <p:nvPr>
+            <p:ph type="sldNum" sz="quarter" idx="5"/>
+          </p:nvPr>
+        </p:nvSpPr>
+        <p:spPr/>
+        <p:txBody>
+          <a:bodyPr/>
+          <a:lstStyle/>
+          <a:p>
+            <a:fld id="{82242DBC-27D1-4F4C-BFFF-4040201DD863}" type="slidenum">
+              <a:rPr lang="en-US" smtClean="0"/>
+              <a:t>23</a:t>
+            </a:fld>
+            <a:endParaRPr lang="en-US"/>
+          </a:p>
+        </p:txBody>
+      </p:sp>
+    </p:spTree>
+    <p:extLst>
+      <p:ext uri="{BB962C8B-B14F-4D97-AF65-F5344CB8AC3E}">
+        <p14:creationId xmlns:p14="http://schemas.microsoft.com/office/powerpoint/2010/main" val="3348247026"/>
+      </p:ext>
+    </p:extLst>
+  </p:cSld>
+  <p:clrMapOvr>
+    <a:masterClrMapping/>
+  </p:clrMapOvr>
+</p:notes>
+</file>
+
+<file path=ppt/notesSlides/notesSlide3.xml><?xml version="1.0" encoding="utf-8"?>
+<p:notes xmlns:a="http://schemas.openxmlformats.org/drawingml/2006/main" xmlns:r="http://schemas.openxmlformats.org/officeDocument/2006/relationships" xmlns:p="http://schemas.openxmlformats.org/presentationml/2006/main">
+  <p:cSld>
+    <p:spTree>
+      <p:nvGrpSpPr>
+        <p:cNvPr id="1" name="">
+          <a:extLst>
+            <a:ext uri="{FF2B5EF4-FFF2-40B4-BE49-F238E27FC236}">
+              <a16:creationId xmlns:a16="http://schemas.microsoft.com/office/drawing/2014/main" id="{5EECFC85-4C88-8BA3-82E8-DA64B4587D47}"/>
+            </a:ext>
+          </a:extLst>
+        </p:cNvPr>
+        <p:cNvGrpSpPr/>
+        <p:nvPr/>
+      </p:nvGrpSpPr>
+      <p:grpSpPr>
+        <a:xfrm>
+          <a:off x="0" y="0"/>
+          <a:ext cx="0" cy="0"/>
+          <a:chOff x="0" y="0"/>
+          <a:chExt cx="0" cy="0"/>
+        </a:xfrm>
+      </p:grpSpPr>
+      <p:sp>
+        <p:nvSpPr>
+          <p:cNvPr id="2" name="Slide Image Placeholder 1">
+            <a:extLst>
+              <a:ext uri="{FF2B5EF4-FFF2-40B4-BE49-F238E27FC236}">
+                <a16:creationId xmlns:a16="http://schemas.microsoft.com/office/drawing/2014/main" id="{DF4689D5-8854-E5BD-8E5B-924C0D9784F3}"/>
+              </a:ext>
+            </a:extLst>
+          </p:cNvPr>
+          <p:cNvSpPr>
+            <a:spLocks noGrp="1" noRot="1" noChangeAspect="1"/>
+          </p:cNvSpPr>
+          <p:nvPr>
+            <p:ph type="sldImg"/>
+          </p:nvPr>
+        </p:nvSpPr>
+        <p:spPr/>
+      </p:sp>
+      <p:sp>
+        <p:nvSpPr>
+          <p:cNvPr id="3" name="Notes Placeholder 2">
+            <a:extLst>
+              <a:ext uri="{FF2B5EF4-FFF2-40B4-BE49-F238E27FC236}">
+                <a16:creationId xmlns:a16="http://schemas.microsoft.com/office/drawing/2014/main" id="{9C979120-381B-20C0-94F3-136571434E08}"/>
+              </a:ext>
+            </a:extLst>
+          </p:cNvPr>
+          <p:cNvSpPr>
+            <a:spLocks noGrp="1"/>
+          </p:cNvSpPr>
+          <p:nvPr>
+            <p:ph type="body" idx="1"/>
+          </p:nvPr>
+        </p:nvSpPr>
+        <p:spPr/>
+        <p:txBody>
+          <a:bodyPr/>
+          <a:lstStyle/>
+          <a:p>
+            <a:endParaRPr lang="en-US" dirty="0"/>
+          </a:p>
+        </p:txBody>
+      </p:sp>
+      <p:sp>
+        <p:nvSpPr>
+          <p:cNvPr id="4" name="Slide Number Placeholder 3">
+            <a:extLst>
+              <a:ext uri="{FF2B5EF4-FFF2-40B4-BE49-F238E27FC236}">
+                <a16:creationId xmlns:a16="http://schemas.microsoft.com/office/drawing/2014/main" id="{2EA4D32C-B294-4A3B-4CA8-769C2BA5AF22}"/>
+              </a:ext>
+            </a:extLst>
+          </p:cNvPr>
+          <p:cNvSpPr>
+            <a:spLocks noGrp="1"/>
+          </p:cNvSpPr>
+          <p:nvPr>
+            <p:ph type="sldNum" sz="quarter" idx="5"/>
+          </p:nvPr>
+        </p:nvSpPr>
+        <p:spPr/>
+        <p:txBody>
+          <a:bodyPr/>
+          <a:lstStyle/>
+          <a:p>
+            <a:fld id="{82242DBC-27D1-4F4C-BFFF-4040201DD863}" type="slidenum">
+              <a:rPr lang="en-US" smtClean="0"/>
+              <a:t>24</a:t>
+            </a:fld>
+            <a:endParaRPr lang="en-US"/>
+          </a:p>
+        </p:txBody>
+      </p:sp>
+    </p:spTree>
+    <p:extLst>
+      <p:ext uri="{BB962C8B-B14F-4D97-AF65-F5344CB8AC3E}">
+        <p14:creationId xmlns:p14="http://schemas.microsoft.com/office/powerpoint/2010/main" val="266400001"/>
+      </p:ext>
+    </p:extLst>
+  </p:cSld>
+  <p:clrMapOvr>
+    <a:masterClrMapping/>
+  </p:clrMapOvr>
+</p:notes>
 </file>
 
 <file path=ppt/slideLayouts/slideLayout1.xml><?xml version="1.0" encoding="utf-8"?>
@@ -283,7 +930,7 @@
           <a:p>
             <a:fld id="{6A097516-497A-426B-BEB6-ECFE4345A932}" type="datetimeFigureOut">
               <a:rPr lang="en-US" smtClean="0"/>
-              <a:t>1/12/2026</a:t>
+              <a:t>2/2/2026</a:t>
             </a:fld>
             <a:endParaRPr lang="en-US"/>
           </a:p>
@@ -481,7 +1128,7 @@
           <a:p>
             <a:fld id="{6A097516-497A-426B-BEB6-ECFE4345A932}" type="datetimeFigureOut">
               <a:rPr lang="en-US" smtClean="0"/>
-              <a:t>1/12/2026</a:t>
+              <a:t>2/2/2026</a:t>
             </a:fld>
             <a:endParaRPr lang="en-US"/>
           </a:p>
@@ -689,7 +1336,7 @@
           <a:p>
             <a:fld id="{6A097516-497A-426B-BEB6-ECFE4345A932}" type="datetimeFigureOut">
               <a:rPr lang="en-US" smtClean="0"/>
-              <a:t>1/12/2026</a:t>
+              <a:t>2/2/2026</a:t>
             </a:fld>
             <a:endParaRPr lang="en-US"/>
           </a:p>
@@ -887,7 +1534,7 @@
           <a:p>
             <a:fld id="{6A097516-497A-426B-BEB6-ECFE4345A932}" type="datetimeFigureOut">
               <a:rPr lang="en-US" smtClean="0"/>
-              <a:t>1/12/2026</a:t>
+              <a:t>2/2/2026</a:t>
             </a:fld>
             <a:endParaRPr lang="en-US"/>
           </a:p>
@@ -1162,7 +1809,7 @@
           <a:p>
             <a:fld id="{6A097516-497A-426B-BEB6-ECFE4345A932}" type="datetimeFigureOut">
               <a:rPr lang="en-US" smtClean="0"/>
-              <a:t>1/12/2026</a:t>
+              <a:t>2/2/2026</a:t>
             </a:fld>
             <a:endParaRPr lang="en-US"/>
           </a:p>
@@ -1427,7 +2074,7 @@
           <a:p>
             <a:fld id="{6A097516-497A-426B-BEB6-ECFE4345A932}" type="datetimeFigureOut">
               <a:rPr lang="en-US" smtClean="0"/>
-              <a:t>1/12/2026</a:t>
+              <a:t>2/2/2026</a:t>
             </a:fld>
             <a:endParaRPr lang="en-US"/>
           </a:p>
@@ -1839,7 +2486,7 @@
           <a:p>
             <a:fld id="{6A097516-497A-426B-BEB6-ECFE4345A932}" type="datetimeFigureOut">
               <a:rPr lang="en-US" smtClean="0"/>
-              <a:t>1/12/2026</a:t>
+              <a:t>2/2/2026</a:t>
             </a:fld>
             <a:endParaRPr lang="en-US"/>
           </a:p>
@@ -1980,7 +2627,7 @@
           <a:p>
             <a:fld id="{6A097516-497A-426B-BEB6-ECFE4345A932}" type="datetimeFigureOut">
               <a:rPr lang="en-US" smtClean="0"/>
-              <a:t>1/12/2026</a:t>
+              <a:t>2/2/2026</a:t>
             </a:fld>
             <a:endParaRPr lang="en-US"/>
           </a:p>
@@ -2093,7 +2740,7 @@
           <a:p>
             <a:fld id="{6A097516-497A-426B-BEB6-ECFE4345A932}" type="datetimeFigureOut">
               <a:rPr lang="en-US" smtClean="0"/>
-              <a:t>1/12/2026</a:t>
+              <a:t>2/2/2026</a:t>
             </a:fld>
             <a:endParaRPr lang="en-US"/>
           </a:p>
@@ -2404,7 +3051,7 @@
           <a:p>
             <a:fld id="{6A097516-497A-426B-BEB6-ECFE4345A932}" type="datetimeFigureOut">
               <a:rPr lang="en-US" smtClean="0"/>
-              <a:t>1/12/2026</a:t>
+              <a:t>2/2/2026</a:t>
             </a:fld>
             <a:endParaRPr lang="en-US"/>
           </a:p>
@@ -2692,7 +3339,7 @@
           <a:p>
             <a:fld id="{6A097516-497A-426B-BEB6-ECFE4345A932}" type="datetimeFigureOut">
               <a:rPr lang="en-US" smtClean="0"/>
-              <a:t>1/12/2026</a:t>
+              <a:t>2/2/2026</a:t>
             </a:fld>
             <a:endParaRPr lang="en-US"/>
           </a:p>
@@ -2938,7 +3585,7 @@
           <a:p>
             <a:fld id="{6A097516-497A-426B-BEB6-ECFE4345A932}" type="datetimeFigureOut">
               <a:rPr lang="en-US" smtClean="0"/>
-              <a:t>1/12/2026</a:t>
+              <a:t>2/2/2026</a:t>
             </a:fld>
             <a:endParaRPr lang="en-US"/>
           </a:p>
@@ -3468,7 +4115,10 @@
           </a:prstGeom>
           <a:ln w="76200">
             <a:solidFill>
-              <a:srgbClr val="5EABD6"/>
+              <a:schemeClr val="tx1">
+                <a:lumMod val="50000"/>
+                <a:lumOff val="50000"/>
+              </a:schemeClr>
             </a:solidFill>
           </a:ln>
         </p:spPr>
@@ -3511,7 +4161,10 @@
           </a:prstGeom>
           <a:ln w="76200">
             <a:solidFill>
-              <a:srgbClr val="5EABD6"/>
+              <a:schemeClr val="tx1">
+                <a:lumMod val="50000"/>
+                <a:lumOff val="50000"/>
+              </a:schemeClr>
             </a:solidFill>
           </a:ln>
         </p:spPr>
@@ -3551,6 +4204,417 @@
         <p:cNvPr id="1" name="">
           <a:extLst>
             <a:ext uri="{FF2B5EF4-FFF2-40B4-BE49-F238E27FC236}">
+              <a16:creationId xmlns:a16="http://schemas.microsoft.com/office/drawing/2014/main" id="{67C53B55-788F-E8C2-71F8-CDB0412A558F}"/>
+            </a:ext>
+          </a:extLst>
+        </p:cNvPr>
+        <p:cNvGrpSpPr/>
+        <p:nvPr/>
+      </p:nvGrpSpPr>
+      <p:grpSpPr>
+        <a:xfrm>
+          <a:off x="0" y="0"/>
+          <a:ext cx="0" cy="0"/>
+          <a:chOff x="0" y="0"/>
+          <a:chExt cx="0" cy="0"/>
+        </a:xfrm>
+      </p:grpSpPr>
+      <p:sp>
+        <p:nvSpPr>
+          <p:cNvPr id="2" name="Title 1">
+            <a:extLst>
+              <a:ext uri="{FF2B5EF4-FFF2-40B4-BE49-F238E27FC236}">
+                <a16:creationId xmlns:a16="http://schemas.microsoft.com/office/drawing/2014/main" id="{032D11BF-DD5A-0FAC-CD59-8B9B6E6DC1D7}"/>
+              </a:ext>
+            </a:extLst>
+          </p:cNvPr>
+          <p:cNvSpPr>
+            <a:spLocks noGrp="1"/>
+          </p:cNvSpPr>
+          <p:nvPr>
+            <p:ph type="title"/>
+          </p:nvPr>
+        </p:nvSpPr>
+        <p:spPr/>
+        <p:txBody>
+          <a:bodyPr>
+            <a:normAutofit/>
+          </a:bodyPr>
+          <a:lstStyle/>
+          <a:p>
+            <a:r>
+              <a:rPr lang="en-US" sz="6000" b="1" dirty="0">
+                <a:solidFill>
+                  <a:srgbClr val="BF092F"/>
+                </a:solidFill>
+                <a:latin typeface="Arabic Typesetting" panose="03020402040406030203" pitchFamily="66" charset="-78"/>
+                <a:cs typeface="Arabic Typesetting" panose="03020402040406030203" pitchFamily="66" charset="-78"/>
+              </a:rPr>
+              <a:t>Column Values</a:t>
+            </a:r>
+          </a:p>
+        </p:txBody>
+      </p:sp>
+      <p:sp>
+        <p:nvSpPr>
+          <p:cNvPr id="3" name="Content Placeholder 2">
+            <a:extLst>
+              <a:ext uri="{FF2B5EF4-FFF2-40B4-BE49-F238E27FC236}">
+                <a16:creationId xmlns:a16="http://schemas.microsoft.com/office/drawing/2014/main" id="{7CF3EF5A-D7F1-C4A2-C484-5F2A7DFAEA15}"/>
+              </a:ext>
+            </a:extLst>
+          </p:cNvPr>
+          <p:cNvSpPr>
+            <a:spLocks noGrp="1"/>
+          </p:cNvSpPr>
+          <p:nvPr>
+            <p:ph idx="1"/>
+          </p:nvPr>
+        </p:nvSpPr>
+        <p:spPr>
+          <a:xfrm>
+            <a:off x="685801" y="1404257"/>
+            <a:ext cx="10798628" cy="1325563"/>
+          </a:xfrm>
+        </p:spPr>
+        <p:txBody>
+          <a:bodyPr>
+            <a:normAutofit/>
+          </a:bodyPr>
+          <a:lstStyle/>
+          <a:p>
+            <a:pPr marL="0" indent="0">
+              <a:buNone/>
+            </a:pPr>
+            <a:r>
+              <a:rPr lang="en-US" sz="3600" dirty="0">
+                <a:latin typeface="Arabic Typesetting" panose="03020402040406030203" pitchFamily="66" charset="-78"/>
+                <a:cs typeface="Arabic Typesetting" panose="03020402040406030203" pitchFamily="66" charset="-78"/>
+              </a:rPr>
+              <a:t>The </a:t>
+            </a:r>
+            <a:r>
+              <a:rPr lang="en-US" sz="3600" b="1" dirty="0">
+                <a:solidFill>
+                  <a:srgbClr val="BF092F"/>
+                </a:solidFill>
+                <a:latin typeface="Arabic Typesetting" panose="03020402040406030203" pitchFamily="66" charset="-78"/>
+                <a:cs typeface="Arabic Typesetting" panose="03020402040406030203" pitchFamily="66" charset="-78"/>
+              </a:rPr>
+              <a:t>Row Number </a:t>
+            </a:r>
+            <a:r>
+              <a:rPr lang="en-US" sz="3600" dirty="0">
+                <a:latin typeface="Arabic Typesetting" panose="03020402040406030203" pitchFamily="66" charset="-78"/>
+                <a:cs typeface="Arabic Typesetting" panose="03020402040406030203" pitchFamily="66" charset="-78"/>
+              </a:rPr>
+              <a:t>column values start with 0. Because there are 1000 rows, the last row number will be 999.</a:t>
+            </a:r>
+          </a:p>
+        </p:txBody>
+      </p:sp>
+      <p:sp>
+        <p:nvSpPr>
+          <p:cNvPr id="6" name="Content Placeholder 2">
+            <a:extLst>
+              <a:ext uri="{FF2B5EF4-FFF2-40B4-BE49-F238E27FC236}">
+                <a16:creationId xmlns:a16="http://schemas.microsoft.com/office/drawing/2014/main" id="{F753916D-3C50-6169-F7AD-D83F978010D8}"/>
+              </a:ext>
+            </a:extLst>
+          </p:cNvPr>
+          <p:cNvSpPr txBox="1">
+            <a:spLocks/>
+          </p:cNvSpPr>
+          <p:nvPr/>
+        </p:nvSpPr>
+        <p:spPr>
+          <a:xfrm>
+            <a:off x="685801" y="4539260"/>
+            <a:ext cx="10515600" cy="1098565"/>
+          </a:xfrm>
+          <a:prstGeom prst="rect">
+            <a:avLst/>
+          </a:prstGeom>
+        </p:spPr>
+        <p:txBody>
+          <a:bodyPr vert="horz" lIns="91440" tIns="45720" rIns="91440" bIns="45720" rtlCol="0">
+            <a:normAutofit/>
+          </a:bodyPr>
+          <a:lstStyle>
+            <a:lvl1pPr marL="228600" indent="-228600" algn="l" defTabSz="914400" rtl="0" eaLnBrk="1" latinLnBrk="0" hangingPunct="1">
+              <a:lnSpc>
+                <a:spcPct val="90000"/>
+              </a:lnSpc>
+              <a:spcBef>
+                <a:spcPts val="1000"/>
+              </a:spcBef>
+              <a:buFont typeface="Arial" panose="020B0604020202020204" pitchFamily="34" charset="0"/>
+              <a:buChar char="•"/>
+              <a:defRPr sz="2800" kern="1200">
+                <a:solidFill>
+                  <a:schemeClr val="tx1"/>
+                </a:solidFill>
+                <a:latin typeface="+mn-lt"/>
+                <a:ea typeface="+mn-ea"/>
+                <a:cs typeface="+mn-cs"/>
+              </a:defRPr>
+            </a:lvl1pPr>
+            <a:lvl2pPr marL="685800" indent="-228600" algn="l" defTabSz="914400" rtl="0" eaLnBrk="1" latinLnBrk="0" hangingPunct="1">
+              <a:lnSpc>
+                <a:spcPct val="90000"/>
+              </a:lnSpc>
+              <a:spcBef>
+                <a:spcPts val="500"/>
+              </a:spcBef>
+              <a:buFont typeface="Arial" panose="020B0604020202020204" pitchFamily="34" charset="0"/>
+              <a:buChar char="•"/>
+              <a:defRPr sz="2400" kern="1200">
+                <a:solidFill>
+                  <a:schemeClr val="tx1"/>
+                </a:solidFill>
+                <a:latin typeface="+mn-lt"/>
+                <a:ea typeface="+mn-ea"/>
+                <a:cs typeface="+mn-cs"/>
+              </a:defRPr>
+            </a:lvl2pPr>
+            <a:lvl3pPr marL="1143000" indent="-228600" algn="l" defTabSz="914400" rtl="0" eaLnBrk="1" latinLnBrk="0" hangingPunct="1">
+              <a:lnSpc>
+                <a:spcPct val="90000"/>
+              </a:lnSpc>
+              <a:spcBef>
+                <a:spcPts val="500"/>
+              </a:spcBef>
+              <a:buFont typeface="Arial" panose="020B0604020202020204" pitchFamily="34" charset="0"/>
+              <a:buChar char="•"/>
+              <a:defRPr sz="2000" kern="1200">
+                <a:solidFill>
+                  <a:schemeClr val="tx1"/>
+                </a:solidFill>
+                <a:latin typeface="+mn-lt"/>
+                <a:ea typeface="+mn-ea"/>
+                <a:cs typeface="+mn-cs"/>
+              </a:defRPr>
+            </a:lvl3pPr>
+            <a:lvl4pPr marL="1600200" indent="-228600" algn="l" defTabSz="914400" rtl="0" eaLnBrk="1" latinLnBrk="0" hangingPunct="1">
+              <a:lnSpc>
+                <a:spcPct val="90000"/>
+              </a:lnSpc>
+              <a:spcBef>
+                <a:spcPts val="500"/>
+              </a:spcBef>
+              <a:buFont typeface="Arial" panose="020B0604020202020204" pitchFamily="34" charset="0"/>
+              <a:buChar char="•"/>
+              <a:defRPr sz="1800" kern="1200">
+                <a:solidFill>
+                  <a:schemeClr val="tx1"/>
+                </a:solidFill>
+                <a:latin typeface="+mn-lt"/>
+                <a:ea typeface="+mn-ea"/>
+                <a:cs typeface="+mn-cs"/>
+              </a:defRPr>
+            </a:lvl4pPr>
+            <a:lvl5pPr marL="2057400" indent="-228600" algn="l" defTabSz="914400" rtl="0" eaLnBrk="1" latinLnBrk="0" hangingPunct="1">
+              <a:lnSpc>
+                <a:spcPct val="90000"/>
+              </a:lnSpc>
+              <a:spcBef>
+                <a:spcPts val="500"/>
+              </a:spcBef>
+              <a:buFont typeface="Arial" panose="020B0604020202020204" pitchFamily="34" charset="0"/>
+              <a:buChar char="•"/>
+              <a:defRPr sz="1800" kern="1200">
+                <a:solidFill>
+                  <a:schemeClr val="tx1"/>
+                </a:solidFill>
+                <a:latin typeface="+mn-lt"/>
+                <a:ea typeface="+mn-ea"/>
+                <a:cs typeface="+mn-cs"/>
+              </a:defRPr>
+            </a:lvl5pPr>
+            <a:lvl6pPr marL="2514600" indent="-228600" algn="l" defTabSz="914400" rtl="0" eaLnBrk="1" latinLnBrk="0" hangingPunct="1">
+              <a:lnSpc>
+                <a:spcPct val="90000"/>
+              </a:lnSpc>
+              <a:spcBef>
+                <a:spcPts val="500"/>
+              </a:spcBef>
+              <a:buFont typeface="Arial" panose="020B0604020202020204" pitchFamily="34" charset="0"/>
+              <a:buChar char="•"/>
+              <a:defRPr sz="1800" kern="1200">
+                <a:solidFill>
+                  <a:schemeClr val="tx1"/>
+                </a:solidFill>
+                <a:latin typeface="+mn-lt"/>
+                <a:ea typeface="+mn-ea"/>
+                <a:cs typeface="+mn-cs"/>
+              </a:defRPr>
+            </a:lvl6pPr>
+            <a:lvl7pPr marL="2971800" indent="-228600" algn="l" defTabSz="914400" rtl="0" eaLnBrk="1" latinLnBrk="0" hangingPunct="1">
+              <a:lnSpc>
+                <a:spcPct val="90000"/>
+              </a:lnSpc>
+              <a:spcBef>
+                <a:spcPts val="500"/>
+              </a:spcBef>
+              <a:buFont typeface="Arial" panose="020B0604020202020204" pitchFamily="34" charset="0"/>
+              <a:buChar char="•"/>
+              <a:defRPr sz="1800" kern="1200">
+                <a:solidFill>
+                  <a:schemeClr val="tx1"/>
+                </a:solidFill>
+                <a:latin typeface="+mn-lt"/>
+                <a:ea typeface="+mn-ea"/>
+                <a:cs typeface="+mn-cs"/>
+              </a:defRPr>
+            </a:lvl7pPr>
+            <a:lvl8pPr marL="3429000" indent="-228600" algn="l" defTabSz="914400" rtl="0" eaLnBrk="1" latinLnBrk="0" hangingPunct="1">
+              <a:lnSpc>
+                <a:spcPct val="90000"/>
+              </a:lnSpc>
+              <a:spcBef>
+                <a:spcPts val="500"/>
+              </a:spcBef>
+              <a:buFont typeface="Arial" panose="020B0604020202020204" pitchFamily="34" charset="0"/>
+              <a:buChar char="•"/>
+              <a:defRPr sz="1800" kern="1200">
+                <a:solidFill>
+                  <a:schemeClr val="tx1"/>
+                </a:solidFill>
+                <a:latin typeface="+mn-lt"/>
+                <a:ea typeface="+mn-ea"/>
+                <a:cs typeface="+mn-cs"/>
+              </a:defRPr>
+            </a:lvl8pPr>
+            <a:lvl9pPr marL="3886200" indent="-228600" algn="l" defTabSz="914400" rtl="0" eaLnBrk="1" latinLnBrk="0" hangingPunct="1">
+              <a:lnSpc>
+                <a:spcPct val="90000"/>
+              </a:lnSpc>
+              <a:spcBef>
+                <a:spcPts val="500"/>
+              </a:spcBef>
+              <a:buFont typeface="Arial" panose="020B0604020202020204" pitchFamily="34" charset="0"/>
+              <a:buChar char="•"/>
+              <a:defRPr sz="1800" kern="1200">
+                <a:solidFill>
+                  <a:schemeClr val="tx1"/>
+                </a:solidFill>
+                <a:latin typeface="+mn-lt"/>
+                <a:ea typeface="+mn-ea"/>
+                <a:cs typeface="+mn-cs"/>
+              </a:defRPr>
+            </a:lvl9pPr>
+          </a:lstStyle>
+          <a:p>
+            <a:pPr marL="0" indent="0">
+              <a:buFont typeface="Arial" panose="020B0604020202020204" pitchFamily="34" charset="0"/>
+              <a:buNone/>
+            </a:pPr>
+            <a:r>
+              <a:rPr lang="en-US" sz="3600" dirty="0">
+                <a:latin typeface="Arabic Typesetting" panose="03020402040406030203" pitchFamily="66" charset="-78"/>
+                <a:cs typeface="Arabic Typesetting" panose="03020402040406030203" pitchFamily="66" charset="-78"/>
+              </a:rPr>
+              <a:t>Instead of starting with 0 and ending with 999. It will be better if the row number starts with 1 and ends with 1000</a:t>
+            </a:r>
+          </a:p>
+        </p:txBody>
+      </p:sp>
+      <p:pic>
+        <p:nvPicPr>
+          <p:cNvPr id="9" name="Picture 8">
+            <a:extLst>
+              <a:ext uri="{FF2B5EF4-FFF2-40B4-BE49-F238E27FC236}">
+                <a16:creationId xmlns:a16="http://schemas.microsoft.com/office/drawing/2014/main" id="{9FEF24B9-2C6B-885A-24FF-40C07F60FB0B}"/>
+              </a:ext>
+            </a:extLst>
+          </p:cNvPr>
+          <p:cNvPicPr>
+            <a:picLocks noChangeAspect="1"/>
+          </p:cNvPicPr>
+          <p:nvPr/>
+        </p:nvPicPr>
+        <p:blipFill>
+          <a:blip r:embed="rId2"/>
+          <a:stretch>
+            <a:fillRect/>
+          </a:stretch>
+        </p:blipFill>
+        <p:spPr>
+          <a:xfrm>
+            <a:off x="707571" y="5453742"/>
+            <a:ext cx="7273678" cy="1201893"/>
+          </a:xfrm>
+          <a:prstGeom prst="rect">
+            <a:avLst/>
+          </a:prstGeom>
+          <a:effectLst>
+            <a:outerShdw blurRad="50800" dist="38100" dir="2700000" algn="tl" rotWithShape="0">
+              <a:prstClr val="black">
+                <a:alpha val="40000"/>
+              </a:prstClr>
+            </a:outerShdw>
+          </a:effectLst>
+        </p:spPr>
+      </p:pic>
+      <p:pic>
+        <p:nvPicPr>
+          <p:cNvPr id="12" name="Picture 11">
+            <a:extLst>
+              <a:ext uri="{FF2B5EF4-FFF2-40B4-BE49-F238E27FC236}">
+                <a16:creationId xmlns:a16="http://schemas.microsoft.com/office/drawing/2014/main" id="{2F19C5C2-35B7-8078-4C05-5E7B1333443D}"/>
+              </a:ext>
+            </a:extLst>
+          </p:cNvPr>
+          <p:cNvPicPr>
+            <a:picLocks noChangeAspect="1"/>
+          </p:cNvPicPr>
+          <p:nvPr/>
+        </p:nvPicPr>
+        <p:blipFill>
+          <a:blip r:embed="rId3"/>
+          <a:srcRect t="26242"/>
+          <a:stretch>
+            <a:fillRect/>
+          </a:stretch>
+        </p:blipFill>
+        <p:spPr>
+          <a:xfrm>
+            <a:off x="707571" y="2342960"/>
+            <a:ext cx="9080208" cy="2130986"/>
+          </a:xfrm>
+          <a:prstGeom prst="rect">
+            <a:avLst/>
+          </a:prstGeom>
+          <a:effectLst>
+            <a:outerShdw blurRad="50800" dist="38100" dir="2700000" algn="tl" rotWithShape="0">
+              <a:prstClr val="black">
+                <a:alpha val="40000"/>
+              </a:prstClr>
+            </a:outerShdw>
+          </a:effectLst>
+        </p:spPr>
+      </p:pic>
+    </p:spTree>
+    <p:extLst>
+      <p:ext uri="{BB962C8B-B14F-4D97-AF65-F5344CB8AC3E}">
+        <p14:creationId xmlns:p14="http://schemas.microsoft.com/office/powerpoint/2010/main" val="2541929972"/>
+      </p:ext>
+    </p:extLst>
+  </p:cSld>
+  <p:clrMapOvr>
+    <a:masterClrMapping/>
+  </p:clrMapOvr>
+</p:sld>
+</file>
+
+<file path=ppt/slides/slide11.xml><?xml version="1.0" encoding="utf-8"?>
+<p:sld xmlns:a="http://schemas.openxmlformats.org/drawingml/2006/main" xmlns:r="http://schemas.openxmlformats.org/officeDocument/2006/relationships" xmlns:p="http://schemas.openxmlformats.org/presentationml/2006/main">
+  <p:cSld>
+    <p:spTree>
+      <p:nvGrpSpPr>
+        <p:cNvPr id="1" name="">
+          <a:extLst>
+            <a:ext uri="{FF2B5EF4-FFF2-40B4-BE49-F238E27FC236}">
               <a16:creationId xmlns:a16="http://schemas.microsoft.com/office/drawing/2014/main" id="{362ACE22-1956-6C60-5367-564B93EE77C2}"/>
             </a:ext>
           </a:extLst>
@@ -3638,24 +4702,7 @@
                 <a:latin typeface="Arabic Typesetting" panose="03020402040406030203" pitchFamily="66" charset="-78"/>
                 <a:cs typeface="Arabic Typesetting" panose="03020402040406030203" pitchFamily="66" charset="-78"/>
               </a:rPr>
-              <a:t>The </a:t>
-            </a:r>
-            <a:r>
-              <a:rPr lang="en-US" sz="3600" b="1" dirty="0">
-                <a:solidFill>
-                  <a:srgbClr val="BF092F"/>
-                </a:solidFill>
-                <a:latin typeface="Arabic Typesetting" panose="03020402040406030203" pitchFamily="66" charset="-78"/>
-                <a:cs typeface="Arabic Typesetting" panose="03020402040406030203" pitchFamily="66" charset="-78"/>
-              </a:rPr>
-              <a:t>Row Number </a:t>
-            </a:r>
-            <a:r>
-              <a:rPr lang="en-US" sz="3600" dirty="0">
-                <a:latin typeface="Arabic Typesetting" panose="03020402040406030203" pitchFamily="66" charset="-78"/>
-                <a:cs typeface="Arabic Typesetting" panose="03020402040406030203" pitchFamily="66" charset="-78"/>
-              </a:rPr>
-              <a:t>column values start with 0. Because there are 1000 rows, the last row number will be 999.</a:t>
+              <a:t>Based on the data preview, there are no null values.</a:t>
             </a:r>
           </a:p>
         </p:txBody>
@@ -3682,12 +4729,56 @@
         </p:blipFill>
         <p:spPr>
           <a:xfrm>
-            <a:off x="5595257" y="2566646"/>
+            <a:off x="5976257" y="2474356"/>
             <a:ext cx="3296110" cy="4067743"/>
           </a:xfrm>
           <a:prstGeom prst="rect">
             <a:avLst/>
           </a:prstGeom>
+          <a:effectLst>
+            <a:outerShdw blurRad="50800" dist="38100" dir="2700000" algn="tl" rotWithShape="0">
+              <a:prstClr val="black">
+                <a:alpha val="40000"/>
+              </a:prstClr>
+            </a:outerShdw>
+          </a:effectLst>
+        </p:spPr>
+      </p:pic>
+      <p:pic>
+        <p:nvPicPr>
+          <p:cNvPr id="4" name="Picture 3">
+            <a:extLst>
+              <a:ext uri="{FF2B5EF4-FFF2-40B4-BE49-F238E27FC236}">
+                <a16:creationId xmlns:a16="http://schemas.microsoft.com/office/drawing/2014/main" id="{DE0A9064-D026-4ACB-4B6A-35F00C51E702}"/>
+              </a:ext>
+            </a:extLst>
+          </p:cNvPr>
+          <p:cNvPicPr>
+            <a:picLocks noChangeAspect="1"/>
+          </p:cNvPicPr>
+          <p:nvPr/>
+        </p:nvPicPr>
+        <p:blipFill>
+          <a:blip r:embed="rId3"/>
+          <a:stretch>
+            <a:fillRect/>
+          </a:stretch>
+        </p:blipFill>
+        <p:spPr>
+          <a:xfrm>
+            <a:off x="707571" y="2474356"/>
+            <a:ext cx="4495050" cy="3632530"/>
+          </a:xfrm>
+          <a:prstGeom prst="rect">
+            <a:avLst/>
+          </a:prstGeom>
+          <a:effectLst>
+            <a:outerShdw blurRad="50800" dist="38100" dir="2700000" algn="tl" rotWithShape="0">
+              <a:prstClr val="black">
+                <a:alpha val="40000"/>
+              </a:prstClr>
+            </a:outerShdw>
+          </a:effectLst>
         </p:spPr>
       </p:pic>
     </p:spTree>
@@ -3703,7 +4794,7 @@
 </p:sld>
 </file>
 
-<file path=ppt/slides/slide11.xml><?xml version="1.0" encoding="utf-8"?>
+<file path=ppt/slides/slide12.xml><?xml version="1.0" encoding="utf-8"?>
 <p:sld xmlns:a="http://schemas.openxmlformats.org/drawingml/2006/main" xmlns:r="http://schemas.openxmlformats.org/officeDocument/2006/relationships" xmlns:p="http://schemas.openxmlformats.org/presentationml/2006/main">
   <p:cSld>
     <p:spTree>
@@ -4133,7 +5224,7 @@
 </p:sld>
 </file>
 
-<file path=ppt/slides/slide12.xml><?xml version="1.0" encoding="utf-8"?>
+<file path=ppt/slides/slide13.xml><?xml version="1.0" encoding="utf-8"?>
 <p:sld xmlns:a="http://schemas.openxmlformats.org/drawingml/2006/main" xmlns:r="http://schemas.openxmlformats.org/officeDocument/2006/relationships" xmlns:p="http://schemas.openxmlformats.org/presentationml/2006/main">
   <p:cSld>
     <p:spTree>
@@ -4323,7 +5414,17 @@
                 <a:latin typeface="Arabic Typesetting" panose="03020402040406030203" pitchFamily="66" charset="-78"/>
                 <a:cs typeface="Arabic Typesetting" panose="03020402040406030203" pitchFamily="66" charset="-78"/>
               </a:rPr>
-              <a:t> ds</a:t>
+              <a:t> There are </a:t>
+            </a:r>
+            <a:r>
+              <a:rPr lang="en-US" sz="3600" b="1" dirty="0">
+                <a:solidFill>
+                  <a:srgbClr val="BF092F"/>
+                </a:solidFill>
+                <a:latin typeface="Arabic Typesetting" panose="03020402040406030203" pitchFamily="66" charset="-78"/>
+                <a:cs typeface="Arabic Typesetting" panose="03020402040406030203" pitchFamily="66" charset="-78"/>
+              </a:rPr>
+              <a:t>no data duplications</a:t>
             </a:r>
           </a:p>
         </p:txBody>
@@ -4341,7 +5442,7 @@
 </p:sld>
 </file>
 
-<file path=ppt/slides/slide13.xml><?xml version="1.0" encoding="utf-8"?>
+<file path=ppt/slides/slide14.xml><?xml version="1.0" encoding="utf-8"?>
 <p:sld xmlns:a="http://schemas.openxmlformats.org/drawingml/2006/main" xmlns:r="http://schemas.openxmlformats.org/officeDocument/2006/relationships" xmlns:p="http://schemas.openxmlformats.org/presentationml/2006/main">
   <p:cSld>
     <p:spTree>
@@ -4395,7 +5496,7 @@
                 <a:latin typeface="Arabic Typesetting" panose="03020402040406030203" pitchFamily="66" charset="-78"/>
                 <a:cs typeface="Arabic Typesetting" panose="03020402040406030203" pitchFamily="66" charset="-78"/>
               </a:rPr>
-              <a:t>Data Anomalies Conclusions</a:t>
+              <a:t>Data Before and After</a:t>
             </a:r>
           </a:p>
         </p:txBody>
@@ -4419,12 +5520,12 @@
         <p:spPr>
           <a:xfrm>
             <a:off x="685801" y="1404257"/>
-            <a:ext cx="10798628" cy="1325563"/>
+            <a:ext cx="10798628" cy="587829"/>
           </a:xfrm>
         </p:spPr>
         <p:txBody>
           <a:bodyPr>
-            <a:normAutofit/>
+            <a:normAutofit lnSpcReduction="10000"/>
           </a:bodyPr>
           <a:lstStyle/>
           <a:p>
@@ -4436,7 +5537,7 @@
                 <a:latin typeface="Arabic Typesetting" panose="03020402040406030203" pitchFamily="66" charset="-78"/>
                 <a:cs typeface="Arabic Typesetting" panose="03020402040406030203" pitchFamily="66" charset="-78"/>
               </a:rPr>
-              <a:t>The duplication can occur for many reasons, like human error, system integration issues, data entry variations, merging data from many sources, etc.</a:t>
+              <a:t>Before dealing with data anomalies</a:t>
             </a:r>
           </a:p>
         </p:txBody>
@@ -4463,14 +5564,315 @@
         </p:blipFill>
         <p:spPr>
           <a:xfrm>
-            <a:off x="291193" y="2598114"/>
-            <a:ext cx="7489273" cy="3060133"/>
+            <a:off x="685802" y="1992086"/>
+            <a:ext cx="7033318" cy="2873829"/>
+          </a:xfrm>
+          <a:prstGeom prst="rect">
+            <a:avLst/>
+          </a:prstGeom>
+          <a:effectLst>
+            <a:outerShdw blurRad="50800" dist="38100" dir="2700000" algn="tl" rotWithShape="0">
+              <a:prstClr val="black">
+                <a:alpha val="40000"/>
+              </a:prstClr>
+            </a:outerShdw>
+          </a:effectLst>
+        </p:spPr>
+      </p:pic>
+      <p:pic>
+        <p:nvPicPr>
+          <p:cNvPr id="5" name="Picture 4">
+            <a:extLst>
+              <a:ext uri="{FF2B5EF4-FFF2-40B4-BE49-F238E27FC236}">
+                <a16:creationId xmlns:a16="http://schemas.microsoft.com/office/drawing/2014/main" id="{6FC4F507-6F75-D16A-3091-620D99BC9061}"/>
+              </a:ext>
+            </a:extLst>
+          </p:cNvPr>
+          <p:cNvPicPr>
+            <a:picLocks noChangeAspect="1"/>
+          </p:cNvPicPr>
+          <p:nvPr/>
+        </p:nvPicPr>
+        <p:blipFill>
+          <a:blip r:embed="rId3"/>
+          <a:stretch>
+            <a:fillRect/>
+          </a:stretch>
+        </p:blipFill>
+        <p:spPr>
+          <a:xfrm>
+            <a:off x="7877628" y="1992086"/>
+            <a:ext cx="4071169" cy="3175512"/>
+          </a:xfrm>
+          <a:prstGeom prst="rect">
+            <a:avLst/>
+          </a:prstGeom>
+          <a:effectLst>
+            <a:outerShdw blurRad="50800" dist="38100" dir="2700000" algn="tl" rotWithShape="0">
+              <a:prstClr val="black">
+                <a:alpha val="40000"/>
+              </a:prstClr>
+            </a:outerShdw>
+          </a:effectLst>
+        </p:spPr>
+      </p:pic>
+      <p:sp>
+        <p:nvSpPr>
+          <p:cNvPr id="4" name="Content Placeholder 2">
+            <a:extLst>
+              <a:ext uri="{FF2B5EF4-FFF2-40B4-BE49-F238E27FC236}">
+                <a16:creationId xmlns:a16="http://schemas.microsoft.com/office/drawing/2014/main" id="{A4107225-7C13-E7C5-7121-8F5C12311E52}"/>
+              </a:ext>
+            </a:extLst>
+          </p:cNvPr>
+          <p:cNvSpPr txBox="1">
+            <a:spLocks/>
+          </p:cNvSpPr>
+          <p:nvPr/>
+        </p:nvSpPr>
+        <p:spPr>
+          <a:xfrm>
+            <a:off x="696686" y="5167312"/>
+            <a:ext cx="10798628" cy="1690687"/>
           </a:xfrm>
           <a:prstGeom prst="rect">
             <a:avLst/>
           </a:prstGeom>
         </p:spPr>
-      </p:pic>
+        <p:txBody>
+          <a:bodyPr vert="horz" lIns="91440" tIns="45720" rIns="91440" bIns="45720" rtlCol="0">
+            <a:normAutofit/>
+          </a:bodyPr>
+          <a:lstStyle>
+            <a:lvl1pPr marL="228600" indent="-228600" algn="l" defTabSz="914400" rtl="0" eaLnBrk="1" latinLnBrk="0" hangingPunct="1">
+              <a:lnSpc>
+                <a:spcPct val="90000"/>
+              </a:lnSpc>
+              <a:spcBef>
+                <a:spcPts val="1000"/>
+              </a:spcBef>
+              <a:buFont typeface="Arial" panose="020B0604020202020204" pitchFamily="34" charset="0"/>
+              <a:buChar char="•"/>
+              <a:defRPr sz="2800" kern="1200">
+                <a:solidFill>
+                  <a:schemeClr val="tx1"/>
+                </a:solidFill>
+                <a:latin typeface="+mn-lt"/>
+                <a:ea typeface="+mn-ea"/>
+                <a:cs typeface="+mn-cs"/>
+              </a:defRPr>
+            </a:lvl1pPr>
+            <a:lvl2pPr marL="685800" indent="-228600" algn="l" defTabSz="914400" rtl="0" eaLnBrk="1" latinLnBrk="0" hangingPunct="1">
+              <a:lnSpc>
+                <a:spcPct val="90000"/>
+              </a:lnSpc>
+              <a:spcBef>
+                <a:spcPts val="500"/>
+              </a:spcBef>
+              <a:buFont typeface="Arial" panose="020B0604020202020204" pitchFamily="34" charset="0"/>
+              <a:buChar char="•"/>
+              <a:defRPr sz="2400" kern="1200">
+                <a:solidFill>
+                  <a:schemeClr val="tx1"/>
+                </a:solidFill>
+                <a:latin typeface="+mn-lt"/>
+                <a:ea typeface="+mn-ea"/>
+                <a:cs typeface="+mn-cs"/>
+              </a:defRPr>
+            </a:lvl2pPr>
+            <a:lvl3pPr marL="1143000" indent="-228600" algn="l" defTabSz="914400" rtl="0" eaLnBrk="1" latinLnBrk="0" hangingPunct="1">
+              <a:lnSpc>
+                <a:spcPct val="90000"/>
+              </a:lnSpc>
+              <a:spcBef>
+                <a:spcPts val="500"/>
+              </a:spcBef>
+              <a:buFont typeface="Arial" panose="020B0604020202020204" pitchFamily="34" charset="0"/>
+              <a:buChar char="•"/>
+              <a:defRPr sz="2000" kern="1200">
+                <a:solidFill>
+                  <a:schemeClr val="tx1"/>
+                </a:solidFill>
+                <a:latin typeface="+mn-lt"/>
+                <a:ea typeface="+mn-ea"/>
+                <a:cs typeface="+mn-cs"/>
+              </a:defRPr>
+            </a:lvl3pPr>
+            <a:lvl4pPr marL="1600200" indent="-228600" algn="l" defTabSz="914400" rtl="0" eaLnBrk="1" latinLnBrk="0" hangingPunct="1">
+              <a:lnSpc>
+                <a:spcPct val="90000"/>
+              </a:lnSpc>
+              <a:spcBef>
+                <a:spcPts val="500"/>
+              </a:spcBef>
+              <a:buFont typeface="Arial" panose="020B0604020202020204" pitchFamily="34" charset="0"/>
+              <a:buChar char="•"/>
+              <a:defRPr sz="1800" kern="1200">
+                <a:solidFill>
+                  <a:schemeClr val="tx1"/>
+                </a:solidFill>
+                <a:latin typeface="+mn-lt"/>
+                <a:ea typeface="+mn-ea"/>
+                <a:cs typeface="+mn-cs"/>
+              </a:defRPr>
+            </a:lvl4pPr>
+            <a:lvl5pPr marL="2057400" indent="-228600" algn="l" defTabSz="914400" rtl="0" eaLnBrk="1" latinLnBrk="0" hangingPunct="1">
+              <a:lnSpc>
+                <a:spcPct val="90000"/>
+              </a:lnSpc>
+              <a:spcBef>
+                <a:spcPts val="500"/>
+              </a:spcBef>
+              <a:buFont typeface="Arial" panose="020B0604020202020204" pitchFamily="34" charset="0"/>
+              <a:buChar char="•"/>
+              <a:defRPr sz="1800" kern="1200">
+                <a:solidFill>
+                  <a:schemeClr val="tx1"/>
+                </a:solidFill>
+                <a:latin typeface="+mn-lt"/>
+                <a:ea typeface="+mn-ea"/>
+                <a:cs typeface="+mn-cs"/>
+              </a:defRPr>
+            </a:lvl5pPr>
+            <a:lvl6pPr marL="2514600" indent="-228600" algn="l" defTabSz="914400" rtl="0" eaLnBrk="1" latinLnBrk="0" hangingPunct="1">
+              <a:lnSpc>
+                <a:spcPct val="90000"/>
+              </a:lnSpc>
+              <a:spcBef>
+                <a:spcPts val="500"/>
+              </a:spcBef>
+              <a:buFont typeface="Arial" panose="020B0604020202020204" pitchFamily="34" charset="0"/>
+              <a:buChar char="•"/>
+              <a:defRPr sz="1800" kern="1200">
+                <a:solidFill>
+                  <a:schemeClr val="tx1"/>
+                </a:solidFill>
+                <a:latin typeface="+mn-lt"/>
+                <a:ea typeface="+mn-ea"/>
+                <a:cs typeface="+mn-cs"/>
+              </a:defRPr>
+            </a:lvl6pPr>
+            <a:lvl7pPr marL="2971800" indent="-228600" algn="l" defTabSz="914400" rtl="0" eaLnBrk="1" latinLnBrk="0" hangingPunct="1">
+              <a:lnSpc>
+                <a:spcPct val="90000"/>
+              </a:lnSpc>
+              <a:spcBef>
+                <a:spcPts val="500"/>
+              </a:spcBef>
+              <a:buFont typeface="Arial" panose="020B0604020202020204" pitchFamily="34" charset="0"/>
+              <a:buChar char="•"/>
+              <a:defRPr sz="1800" kern="1200">
+                <a:solidFill>
+                  <a:schemeClr val="tx1"/>
+                </a:solidFill>
+                <a:latin typeface="+mn-lt"/>
+                <a:ea typeface="+mn-ea"/>
+                <a:cs typeface="+mn-cs"/>
+              </a:defRPr>
+            </a:lvl7pPr>
+            <a:lvl8pPr marL="3429000" indent="-228600" algn="l" defTabSz="914400" rtl="0" eaLnBrk="1" latinLnBrk="0" hangingPunct="1">
+              <a:lnSpc>
+                <a:spcPct val="90000"/>
+              </a:lnSpc>
+              <a:spcBef>
+                <a:spcPts val="500"/>
+              </a:spcBef>
+              <a:buFont typeface="Arial" panose="020B0604020202020204" pitchFamily="34" charset="0"/>
+              <a:buChar char="•"/>
+              <a:defRPr sz="1800" kern="1200">
+                <a:solidFill>
+                  <a:schemeClr val="tx1"/>
+                </a:solidFill>
+                <a:latin typeface="+mn-lt"/>
+                <a:ea typeface="+mn-ea"/>
+                <a:cs typeface="+mn-cs"/>
+              </a:defRPr>
+            </a:lvl8pPr>
+            <a:lvl9pPr marL="3886200" indent="-228600" algn="l" defTabSz="914400" rtl="0" eaLnBrk="1" latinLnBrk="0" hangingPunct="1">
+              <a:lnSpc>
+                <a:spcPct val="90000"/>
+              </a:lnSpc>
+              <a:spcBef>
+                <a:spcPts val="500"/>
+              </a:spcBef>
+              <a:buFont typeface="Arial" panose="020B0604020202020204" pitchFamily="34" charset="0"/>
+              <a:buChar char="•"/>
+              <a:defRPr sz="1800" kern="1200">
+                <a:solidFill>
+                  <a:schemeClr val="tx1"/>
+                </a:solidFill>
+                <a:latin typeface="+mn-lt"/>
+                <a:ea typeface="+mn-ea"/>
+                <a:cs typeface="+mn-cs"/>
+              </a:defRPr>
+            </a:lvl9pPr>
+          </a:lstStyle>
+          <a:p>
+            <a:pPr>
+              <a:buClr>
+                <a:srgbClr val="BF092F"/>
+              </a:buClr>
+              <a:buSzPct val="100000"/>
+            </a:pPr>
+            <a:r>
+              <a:rPr lang="en-US" sz="3600" dirty="0">
+                <a:latin typeface="Arabic Typesetting" panose="03020402040406030203" pitchFamily="66" charset="-78"/>
+                <a:cs typeface="Arabic Typesetting" panose="03020402040406030203" pitchFamily="66" charset="-78"/>
+              </a:rPr>
+              <a:t> Unnamed column </a:t>
+            </a:r>
+            <a:r>
+              <a:rPr lang="en-US" sz="3600" b="1" dirty="0">
+                <a:solidFill>
+                  <a:srgbClr val="BF092F"/>
+                </a:solidFill>
+                <a:latin typeface="Arabic Typesetting" panose="03020402040406030203" pitchFamily="66" charset="-78"/>
+                <a:cs typeface="Arabic Typesetting" panose="03020402040406030203" pitchFamily="66" charset="-78"/>
+              </a:rPr>
+              <a:t>“Unnamed: 0”</a:t>
+            </a:r>
+          </a:p>
+          <a:p>
+            <a:pPr>
+              <a:buClr>
+                <a:srgbClr val="BF092F"/>
+              </a:buClr>
+              <a:buSzPct val="100000"/>
+            </a:pPr>
+            <a:r>
+              <a:rPr lang="en-US" sz="3600" b="1" dirty="0">
+                <a:solidFill>
+                  <a:srgbClr val="BF092F"/>
+                </a:solidFill>
+                <a:latin typeface="Arabic Typesetting" panose="03020402040406030203" pitchFamily="66" charset="-78"/>
+                <a:cs typeface="Arabic Typesetting" panose="03020402040406030203" pitchFamily="66" charset="-78"/>
+              </a:rPr>
+              <a:t> </a:t>
+            </a:r>
+            <a:r>
+              <a:rPr lang="en-US" sz="3600" dirty="0">
+                <a:latin typeface="Arabic Typesetting" panose="03020402040406030203" pitchFamily="66" charset="-78"/>
+                <a:cs typeface="Arabic Typesetting" panose="03020402040406030203" pitchFamily="66" charset="-78"/>
+              </a:rPr>
+              <a:t>Wrong datatype for Date column</a:t>
+            </a:r>
+            <a:r>
+              <a:rPr lang="en-US" sz="3600" b="1" dirty="0">
+                <a:solidFill>
+                  <a:srgbClr val="BF092F"/>
+                </a:solidFill>
+                <a:latin typeface="Arabic Typesetting" panose="03020402040406030203" pitchFamily="66" charset="-78"/>
+                <a:cs typeface="Arabic Typesetting" panose="03020402040406030203" pitchFamily="66" charset="-78"/>
+              </a:rPr>
+              <a:t> “Object”</a:t>
+            </a:r>
+            <a:endParaRPr lang="en-US" sz="3600" dirty="0">
+              <a:latin typeface="Arabic Typesetting" panose="03020402040406030203" pitchFamily="66" charset="-78"/>
+              <a:cs typeface="Arabic Typesetting" panose="03020402040406030203" pitchFamily="66" charset="-78"/>
+            </a:endParaRPr>
+          </a:p>
+        </p:txBody>
+      </p:sp>
     </p:spTree>
     <p:extLst>
       <p:ext uri="{BB962C8B-B14F-4D97-AF65-F5344CB8AC3E}">
@@ -4484,7 +5886,7 @@
 </p:sld>
 </file>
 
-<file path=ppt/slides/slide14.xml><?xml version="1.0" encoding="utf-8"?>
+<file path=ppt/slides/slide15.xml><?xml version="1.0" encoding="utf-8"?>
 <p:sld xmlns:a="http://schemas.openxmlformats.org/drawingml/2006/main" xmlns:r="http://schemas.openxmlformats.org/officeDocument/2006/relationships" xmlns:p="http://schemas.openxmlformats.org/presentationml/2006/main">
   <p:cSld>
     <p:spTree>
@@ -4492,7 +5894,7 @@
         <p:cNvPr id="1" name="">
           <a:extLst>
             <a:ext uri="{FF2B5EF4-FFF2-40B4-BE49-F238E27FC236}">
-              <a16:creationId xmlns:a16="http://schemas.microsoft.com/office/drawing/2014/main" id="{FE074B12-ED23-E77B-0F52-2D914056D561}"/>
+              <a16:creationId xmlns:a16="http://schemas.microsoft.com/office/drawing/2014/main" id="{21692EAB-705E-646E-CA10-335F9F4ECD25}"/>
             </a:ext>
           </a:extLst>
         </p:cNvPr>
@@ -4512,7 +5914,7 @@
           <p:cNvPr id="2" name="Title 1">
             <a:extLst>
               <a:ext uri="{FF2B5EF4-FFF2-40B4-BE49-F238E27FC236}">
-                <a16:creationId xmlns:a16="http://schemas.microsoft.com/office/drawing/2014/main" id="{7D22C8BD-2873-2DB3-D481-31F16D68A4EE}"/>
+                <a16:creationId xmlns:a16="http://schemas.microsoft.com/office/drawing/2014/main" id="{81A7FF84-CE77-8AC9-C8CD-2C687E78B5A0}"/>
               </a:ext>
             </a:extLst>
           </p:cNvPr>
@@ -4538,17 +5940,17 @@
                 <a:latin typeface="Arabic Typesetting" panose="03020402040406030203" pitchFamily="66" charset="-78"/>
                 <a:cs typeface="Arabic Typesetting" panose="03020402040406030203" pitchFamily="66" charset="-78"/>
               </a:rPr>
-              <a:t>Summary</a:t>
-            </a:r>
-          </a:p>
-        </p:txBody>
-      </p:sp>
-      <p:sp>
-        <p:nvSpPr>
-          <p:cNvPr id="4" name="Content Placeholder 2">
-            <a:extLst>
-              <a:ext uri="{FF2B5EF4-FFF2-40B4-BE49-F238E27FC236}">
-                <a16:creationId xmlns:a16="http://schemas.microsoft.com/office/drawing/2014/main" id="{44F00103-C88A-2DC5-E2DF-1751A895F975}"/>
+              <a:t>Data Before and After</a:t>
+            </a:r>
+          </a:p>
+        </p:txBody>
+      </p:sp>
+      <p:sp>
+        <p:nvSpPr>
+          <p:cNvPr id="3" name="Content Placeholder 2">
+            <a:extLst>
+              <a:ext uri="{FF2B5EF4-FFF2-40B4-BE49-F238E27FC236}">
+                <a16:creationId xmlns:a16="http://schemas.microsoft.com/office/drawing/2014/main" id="{01599FA2-F779-FD8C-45E0-7E5D38214B96}"/>
               </a:ext>
             </a:extLst>
           </p:cNvPr>
@@ -4561,13 +5963,13 @@
         </p:nvSpPr>
         <p:spPr>
           <a:xfrm>
-            <a:off x="838200" y="1404257"/>
-            <a:ext cx="10515600" cy="5246914"/>
+            <a:off x="685801" y="1404257"/>
+            <a:ext cx="10798628" cy="587829"/>
           </a:xfrm>
         </p:spPr>
         <p:txBody>
           <a:bodyPr>
-            <a:normAutofit fontScale="85000" lnSpcReduction="20000"/>
+            <a:normAutofit lnSpcReduction="10000"/>
           </a:bodyPr>
           <a:lstStyle/>
           <a:p>
@@ -4579,143 +5981,358 @@
                 <a:latin typeface="Arabic Typesetting" panose="03020402040406030203" pitchFamily="66" charset="-78"/>
                 <a:cs typeface="Arabic Typesetting" panose="03020402040406030203" pitchFamily="66" charset="-78"/>
               </a:rPr>
-              <a:t>The dataset is from </a:t>
-            </a:r>
+              <a:t>After dealing with data anomalies</a:t>
+            </a:r>
+          </a:p>
+        </p:txBody>
+      </p:sp>
+      <p:pic>
+        <p:nvPicPr>
+          <p:cNvPr id="6" name="Picture 5">
+            <a:extLst>
+              <a:ext uri="{FF2B5EF4-FFF2-40B4-BE49-F238E27FC236}">
+                <a16:creationId xmlns:a16="http://schemas.microsoft.com/office/drawing/2014/main" id="{E3F21E9F-ADAB-5E34-83A5-8AE2F63788D5}"/>
+              </a:ext>
+            </a:extLst>
+          </p:cNvPr>
+          <p:cNvPicPr>
+            <a:picLocks noChangeAspect="1"/>
+          </p:cNvPicPr>
+          <p:nvPr/>
+        </p:nvPicPr>
+        <p:blipFill>
+          <a:blip r:embed="rId2"/>
+          <a:stretch>
+            <a:fillRect/>
+          </a:stretch>
+        </p:blipFill>
+        <p:spPr>
+          <a:xfrm>
+            <a:off x="7912823" y="1992086"/>
+            <a:ext cx="4035973" cy="2786743"/>
+          </a:xfrm>
+          <a:prstGeom prst="rect">
+            <a:avLst/>
+          </a:prstGeom>
+          <a:effectLst>
+            <a:outerShdw blurRad="50800" dist="38100" dir="2700000" algn="tl" rotWithShape="0">
+              <a:prstClr val="black">
+                <a:alpha val="40000"/>
+              </a:prstClr>
+            </a:outerShdw>
+          </a:effectLst>
+        </p:spPr>
+      </p:pic>
+      <p:pic>
+        <p:nvPicPr>
+          <p:cNvPr id="9" name="Picture 8">
+            <a:extLst>
+              <a:ext uri="{FF2B5EF4-FFF2-40B4-BE49-F238E27FC236}">
+                <a16:creationId xmlns:a16="http://schemas.microsoft.com/office/drawing/2014/main" id="{703D4EBB-C10E-DEAF-1E07-27A497071D15}"/>
+              </a:ext>
+            </a:extLst>
+          </p:cNvPr>
+          <p:cNvPicPr>
+            <a:picLocks noChangeAspect="1"/>
+          </p:cNvPicPr>
+          <p:nvPr/>
+        </p:nvPicPr>
+        <p:blipFill>
+          <a:blip r:embed="rId3"/>
+          <a:stretch>
+            <a:fillRect/>
+          </a:stretch>
+        </p:blipFill>
+        <p:spPr>
+          <a:xfrm>
+            <a:off x="685801" y="1992086"/>
+            <a:ext cx="7008880" cy="2873829"/>
+          </a:xfrm>
+          <a:prstGeom prst="rect">
+            <a:avLst/>
+          </a:prstGeom>
+          <a:effectLst>
+            <a:outerShdw blurRad="50800" dist="38100" dir="2700000" algn="tl" rotWithShape="0">
+              <a:prstClr val="black">
+                <a:alpha val="40000"/>
+              </a:prstClr>
+            </a:outerShdw>
+          </a:effectLst>
+        </p:spPr>
+      </p:pic>
+      <p:sp>
+        <p:nvSpPr>
+          <p:cNvPr id="4" name="Content Placeholder 2">
+            <a:extLst>
+              <a:ext uri="{FF2B5EF4-FFF2-40B4-BE49-F238E27FC236}">
+                <a16:creationId xmlns:a16="http://schemas.microsoft.com/office/drawing/2014/main" id="{A71CB481-0E85-6F4E-11B4-8E056FB54C51}"/>
+              </a:ext>
+            </a:extLst>
+          </p:cNvPr>
+          <p:cNvSpPr txBox="1">
+            <a:spLocks/>
+          </p:cNvSpPr>
+          <p:nvPr/>
+        </p:nvSpPr>
+        <p:spPr>
+          <a:xfrm>
+            <a:off x="696686" y="5167313"/>
+            <a:ext cx="10798628" cy="1603601"/>
+          </a:xfrm>
+          <a:prstGeom prst="rect">
+            <a:avLst/>
+          </a:prstGeom>
+        </p:spPr>
+        <p:txBody>
+          <a:bodyPr vert="horz" lIns="91440" tIns="45720" rIns="91440" bIns="45720" rtlCol="0">
+            <a:normAutofit/>
+          </a:bodyPr>
+          <a:lstStyle>
+            <a:lvl1pPr marL="228600" indent="-228600" algn="l" defTabSz="914400" rtl="0" eaLnBrk="1" latinLnBrk="0" hangingPunct="1">
+              <a:lnSpc>
+                <a:spcPct val="90000"/>
+              </a:lnSpc>
+              <a:spcBef>
+                <a:spcPts val="1000"/>
+              </a:spcBef>
+              <a:buFont typeface="Arial" panose="020B0604020202020204" pitchFamily="34" charset="0"/>
+              <a:buChar char="•"/>
+              <a:defRPr sz="2800" kern="1200">
+                <a:solidFill>
+                  <a:schemeClr val="tx1"/>
+                </a:solidFill>
+                <a:latin typeface="+mn-lt"/>
+                <a:ea typeface="+mn-ea"/>
+                <a:cs typeface="+mn-cs"/>
+              </a:defRPr>
+            </a:lvl1pPr>
+            <a:lvl2pPr marL="685800" indent="-228600" algn="l" defTabSz="914400" rtl="0" eaLnBrk="1" latinLnBrk="0" hangingPunct="1">
+              <a:lnSpc>
+                <a:spcPct val="90000"/>
+              </a:lnSpc>
+              <a:spcBef>
+                <a:spcPts val="500"/>
+              </a:spcBef>
+              <a:buFont typeface="Arial" panose="020B0604020202020204" pitchFamily="34" charset="0"/>
+              <a:buChar char="•"/>
+              <a:defRPr sz="2400" kern="1200">
+                <a:solidFill>
+                  <a:schemeClr val="tx1"/>
+                </a:solidFill>
+                <a:latin typeface="+mn-lt"/>
+                <a:ea typeface="+mn-ea"/>
+                <a:cs typeface="+mn-cs"/>
+              </a:defRPr>
+            </a:lvl2pPr>
+            <a:lvl3pPr marL="1143000" indent="-228600" algn="l" defTabSz="914400" rtl="0" eaLnBrk="1" latinLnBrk="0" hangingPunct="1">
+              <a:lnSpc>
+                <a:spcPct val="90000"/>
+              </a:lnSpc>
+              <a:spcBef>
+                <a:spcPts val="500"/>
+              </a:spcBef>
+              <a:buFont typeface="Arial" panose="020B0604020202020204" pitchFamily="34" charset="0"/>
+              <a:buChar char="•"/>
+              <a:defRPr sz="2000" kern="1200">
+                <a:solidFill>
+                  <a:schemeClr val="tx1"/>
+                </a:solidFill>
+                <a:latin typeface="+mn-lt"/>
+                <a:ea typeface="+mn-ea"/>
+                <a:cs typeface="+mn-cs"/>
+              </a:defRPr>
+            </a:lvl3pPr>
+            <a:lvl4pPr marL="1600200" indent="-228600" algn="l" defTabSz="914400" rtl="0" eaLnBrk="1" latinLnBrk="0" hangingPunct="1">
+              <a:lnSpc>
+                <a:spcPct val="90000"/>
+              </a:lnSpc>
+              <a:spcBef>
+                <a:spcPts val="500"/>
+              </a:spcBef>
+              <a:buFont typeface="Arial" panose="020B0604020202020204" pitchFamily="34" charset="0"/>
+              <a:buChar char="•"/>
+              <a:defRPr sz="1800" kern="1200">
+                <a:solidFill>
+                  <a:schemeClr val="tx1"/>
+                </a:solidFill>
+                <a:latin typeface="+mn-lt"/>
+                <a:ea typeface="+mn-ea"/>
+                <a:cs typeface="+mn-cs"/>
+              </a:defRPr>
+            </a:lvl4pPr>
+            <a:lvl5pPr marL="2057400" indent="-228600" algn="l" defTabSz="914400" rtl="0" eaLnBrk="1" latinLnBrk="0" hangingPunct="1">
+              <a:lnSpc>
+                <a:spcPct val="90000"/>
+              </a:lnSpc>
+              <a:spcBef>
+                <a:spcPts val="500"/>
+              </a:spcBef>
+              <a:buFont typeface="Arial" panose="020B0604020202020204" pitchFamily="34" charset="0"/>
+              <a:buChar char="•"/>
+              <a:defRPr sz="1800" kern="1200">
+                <a:solidFill>
+                  <a:schemeClr val="tx1"/>
+                </a:solidFill>
+                <a:latin typeface="+mn-lt"/>
+                <a:ea typeface="+mn-ea"/>
+                <a:cs typeface="+mn-cs"/>
+              </a:defRPr>
+            </a:lvl5pPr>
+            <a:lvl6pPr marL="2514600" indent="-228600" algn="l" defTabSz="914400" rtl="0" eaLnBrk="1" latinLnBrk="0" hangingPunct="1">
+              <a:lnSpc>
+                <a:spcPct val="90000"/>
+              </a:lnSpc>
+              <a:spcBef>
+                <a:spcPts val="500"/>
+              </a:spcBef>
+              <a:buFont typeface="Arial" panose="020B0604020202020204" pitchFamily="34" charset="0"/>
+              <a:buChar char="•"/>
+              <a:defRPr sz="1800" kern="1200">
+                <a:solidFill>
+                  <a:schemeClr val="tx1"/>
+                </a:solidFill>
+                <a:latin typeface="+mn-lt"/>
+                <a:ea typeface="+mn-ea"/>
+                <a:cs typeface="+mn-cs"/>
+              </a:defRPr>
+            </a:lvl6pPr>
+            <a:lvl7pPr marL="2971800" indent="-228600" algn="l" defTabSz="914400" rtl="0" eaLnBrk="1" latinLnBrk="0" hangingPunct="1">
+              <a:lnSpc>
+                <a:spcPct val="90000"/>
+              </a:lnSpc>
+              <a:spcBef>
+                <a:spcPts val="500"/>
+              </a:spcBef>
+              <a:buFont typeface="Arial" panose="020B0604020202020204" pitchFamily="34" charset="0"/>
+              <a:buChar char="•"/>
+              <a:defRPr sz="1800" kern="1200">
+                <a:solidFill>
+                  <a:schemeClr val="tx1"/>
+                </a:solidFill>
+                <a:latin typeface="+mn-lt"/>
+                <a:ea typeface="+mn-ea"/>
+                <a:cs typeface="+mn-cs"/>
+              </a:defRPr>
+            </a:lvl7pPr>
+            <a:lvl8pPr marL="3429000" indent="-228600" algn="l" defTabSz="914400" rtl="0" eaLnBrk="1" latinLnBrk="0" hangingPunct="1">
+              <a:lnSpc>
+                <a:spcPct val="90000"/>
+              </a:lnSpc>
+              <a:spcBef>
+                <a:spcPts val="500"/>
+              </a:spcBef>
+              <a:buFont typeface="Arial" panose="020B0604020202020204" pitchFamily="34" charset="0"/>
+              <a:buChar char="•"/>
+              <a:defRPr sz="1800" kern="1200">
+                <a:solidFill>
+                  <a:schemeClr val="tx1"/>
+                </a:solidFill>
+                <a:latin typeface="+mn-lt"/>
+                <a:ea typeface="+mn-ea"/>
+                <a:cs typeface="+mn-cs"/>
+              </a:defRPr>
+            </a:lvl8pPr>
+            <a:lvl9pPr marL="3886200" indent="-228600" algn="l" defTabSz="914400" rtl="0" eaLnBrk="1" latinLnBrk="0" hangingPunct="1">
+              <a:lnSpc>
+                <a:spcPct val="90000"/>
+              </a:lnSpc>
+              <a:spcBef>
+                <a:spcPts val="500"/>
+              </a:spcBef>
+              <a:buFont typeface="Arial" panose="020B0604020202020204" pitchFamily="34" charset="0"/>
+              <a:buChar char="•"/>
+              <a:defRPr sz="1800" kern="1200">
+                <a:solidFill>
+                  <a:schemeClr val="tx1"/>
+                </a:solidFill>
+                <a:latin typeface="+mn-lt"/>
+                <a:ea typeface="+mn-ea"/>
+                <a:cs typeface="+mn-cs"/>
+              </a:defRPr>
+            </a:lvl9pPr>
+          </a:lstStyle>
+          <a:p>
+            <a:pPr>
+              <a:buClr>
+                <a:srgbClr val="BF092F"/>
+              </a:buClr>
+              <a:buSzPct val="100000"/>
+            </a:pPr>
             <a:r>
               <a:rPr lang="en-US" sz="3600" dirty="0">
                 <a:latin typeface="Arabic Typesetting" panose="03020402040406030203" pitchFamily="66" charset="-78"/>
                 <a:cs typeface="Arabic Typesetting" panose="03020402040406030203" pitchFamily="66" charset="-78"/>
-                <a:hlinkClick r:id="rId2"/>
-              </a:rPr>
-              <a:t>Kaggle.com</a:t>
+              </a:rPr>
+              <a:t> Change </a:t>
+            </a:r>
+            <a:r>
+              <a:rPr lang="en-US" sz="3600" b="1" dirty="0">
+                <a:solidFill>
+                  <a:srgbClr val="BF092F"/>
+                </a:solidFill>
+                <a:latin typeface="Arabic Typesetting" panose="03020402040406030203" pitchFamily="66" charset="-78"/>
+                <a:cs typeface="Arabic Typesetting" panose="03020402040406030203" pitchFamily="66" charset="-78"/>
+              </a:rPr>
+              <a:t>“Unnamed: 0” </a:t>
             </a:r>
             <a:r>
               <a:rPr lang="en-US" sz="3600" dirty="0">
                 <a:latin typeface="Arabic Typesetting" panose="03020402040406030203" pitchFamily="66" charset="-78"/>
                 <a:cs typeface="Arabic Typesetting" panose="03020402040406030203" pitchFamily="66" charset="-78"/>
               </a:rPr>
-              <a:t>.</a:t>
-            </a:r>
-          </a:p>
-          <a:p>
-            <a:pPr marL="0" indent="0">
-              <a:buNone/>
+              <a:t>to </a:t>
+            </a:r>
+            <a:r>
+              <a:rPr lang="en-US" sz="3600" b="1" dirty="0">
+                <a:solidFill>
+                  <a:srgbClr val="BF092F"/>
+                </a:solidFill>
+                <a:latin typeface="Arabic Typesetting" panose="03020402040406030203" pitchFamily="66" charset="-78"/>
+                <a:cs typeface="Arabic Typesetting" panose="03020402040406030203" pitchFamily="66" charset="-78"/>
+              </a:rPr>
+              <a:t>“Row Number”</a:t>
+            </a:r>
+          </a:p>
+          <a:p>
+            <a:pPr>
+              <a:buClr>
+                <a:srgbClr val="BF092F"/>
+              </a:buClr>
+              <a:buSzPct val="100000"/>
             </a:pPr>
             <a:r>
               <a:rPr lang="en-US" sz="3600" dirty="0">
                 <a:latin typeface="Arabic Typesetting" panose="03020402040406030203" pitchFamily="66" charset="-78"/>
                 <a:cs typeface="Arabic Typesetting" panose="03020402040406030203" pitchFamily="66" charset="-78"/>
               </a:rPr>
-              <a:t>There is a sales dataset table with 8 columns, there are:</a:t>
-            </a:r>
-          </a:p>
-          <a:p>
-            <a:pPr>
-              <a:buSzPct val="50000"/>
-            </a:pPr>
+              <a:t> Change date datatype from </a:t>
+            </a:r>
+            <a:r>
+              <a:rPr lang="en-US" sz="3600" b="1" dirty="0">
+                <a:solidFill>
+                  <a:srgbClr val="BF092F"/>
+                </a:solidFill>
+                <a:latin typeface="Arabic Typesetting" panose="03020402040406030203" pitchFamily="66" charset="-78"/>
+                <a:cs typeface="Arabic Typesetting" panose="03020402040406030203" pitchFamily="66" charset="-78"/>
+              </a:rPr>
+              <a:t>“Object” </a:t>
+            </a:r>
             <a:r>
               <a:rPr lang="en-US" sz="3600" dirty="0">
                 <a:latin typeface="Arabic Typesetting" panose="03020402040406030203" pitchFamily="66" charset="-78"/>
                 <a:cs typeface="Arabic Typesetting" panose="03020402040406030203" pitchFamily="66" charset="-78"/>
               </a:rPr>
-              <a:t> Unnamed: 0	= Auto index </a:t>
-            </a:r>
-          </a:p>
-          <a:p>
-            <a:pPr>
-              <a:buSzPct val="50000"/>
-            </a:pPr>
-            <a:r>
-              <a:rPr lang="en-US" sz="3600" dirty="0">
-                <a:latin typeface="Arabic Typesetting" panose="03020402040406030203" pitchFamily="66" charset="-78"/>
-                <a:cs typeface="Arabic Typesetting" panose="03020402040406030203" pitchFamily="66" charset="-78"/>
-              </a:rPr>
-              <a:t> Date		= The date the transaction occurred</a:t>
-            </a:r>
-          </a:p>
-          <a:p>
-            <a:pPr>
-              <a:buSzPct val="50000"/>
-            </a:pPr>
-            <a:r>
-              <a:rPr lang="en-US" sz="3600" dirty="0">
-                <a:latin typeface="Arabic Typesetting" panose="03020402040406030203" pitchFamily="66" charset="-78"/>
-                <a:cs typeface="Arabic Typesetting" panose="03020402040406030203" pitchFamily="66" charset="-78"/>
-              </a:rPr>
-              <a:t> Gender		= The gender of the customers</a:t>
-            </a:r>
-          </a:p>
-          <a:p>
-            <a:pPr>
-              <a:buSzPct val="50000"/>
-            </a:pPr>
-            <a:r>
-              <a:rPr lang="en-US" sz="3600" dirty="0">
-                <a:latin typeface="Arabic Typesetting" panose="03020402040406030203" pitchFamily="66" charset="-78"/>
-                <a:cs typeface="Arabic Typesetting" panose="03020402040406030203" pitchFamily="66" charset="-78"/>
-              </a:rPr>
-              <a:t> Age			= The age of the customers</a:t>
-            </a:r>
-          </a:p>
-          <a:p>
-            <a:pPr>
-              <a:buSzPct val="50000"/>
-            </a:pPr>
-            <a:r>
-              <a:rPr lang="en-US" sz="3600" dirty="0">
-                <a:latin typeface="Arabic Typesetting" panose="03020402040406030203" pitchFamily="66" charset="-78"/>
-                <a:cs typeface="Arabic Typesetting" panose="03020402040406030203" pitchFamily="66" charset="-78"/>
-              </a:rPr>
-              <a:t> Product Category	= The category of the products</a:t>
-            </a:r>
-          </a:p>
-          <a:p>
-            <a:pPr>
-              <a:buSzPct val="50000"/>
-            </a:pPr>
-            <a:r>
-              <a:rPr lang="en-US" sz="3600" dirty="0">
-                <a:latin typeface="Arabic Typesetting" panose="03020402040406030203" pitchFamily="66" charset="-78"/>
-                <a:cs typeface="Arabic Typesetting" panose="03020402040406030203" pitchFamily="66" charset="-78"/>
-              </a:rPr>
-              <a:t> Quantity		= The number of products purchased</a:t>
-            </a:r>
-          </a:p>
-          <a:p>
-            <a:pPr>
-              <a:buSzPct val="50000"/>
-            </a:pPr>
-            <a:r>
-              <a:rPr lang="en-US" sz="3600" dirty="0">
-                <a:latin typeface="Arabic Typesetting" panose="03020402040406030203" pitchFamily="66" charset="-78"/>
-                <a:cs typeface="Arabic Typesetting" panose="03020402040406030203" pitchFamily="66" charset="-78"/>
-              </a:rPr>
-              <a:t> Price per unit	= Price of the single products</a:t>
-            </a:r>
-          </a:p>
-          <a:p>
-            <a:pPr>
-              <a:buSzPct val="50000"/>
-            </a:pPr>
-            <a:r>
-              <a:rPr lang="en-US" sz="3600" dirty="0">
-                <a:latin typeface="Arabic Typesetting" panose="03020402040406030203" pitchFamily="66" charset="-78"/>
-                <a:cs typeface="Arabic Typesetting" panose="03020402040406030203" pitchFamily="66" charset="-78"/>
-              </a:rPr>
-              <a:t> Total Amount	= Total sales of the products (quantity x price per unit)</a:t>
-            </a:r>
-          </a:p>
-          <a:p>
-            <a:pPr marL="0" indent="0">
-              <a:buSzPct val="50000"/>
-              <a:buNone/>
-            </a:pPr>
-            <a:r>
-              <a:rPr lang="en-US" sz="3600" dirty="0">
-                <a:latin typeface="Arabic Typesetting" panose="03020402040406030203" pitchFamily="66" charset="-78"/>
-                <a:cs typeface="Arabic Typesetting" panose="03020402040406030203" pitchFamily="66" charset="-78"/>
-              </a:rPr>
-              <a:t>There are 1000 rows and 8 columns</a:t>
+              <a:t>to </a:t>
+            </a:r>
+            <a:r>
+              <a:rPr lang="en-US" sz="3600" b="1" dirty="0">
+                <a:solidFill>
+                  <a:srgbClr val="BF092F"/>
+                </a:solidFill>
+                <a:latin typeface="Arabic Typesetting" panose="03020402040406030203" pitchFamily="66" charset="-78"/>
+                <a:cs typeface="Arabic Typesetting" panose="03020402040406030203" pitchFamily="66" charset="-78"/>
+              </a:rPr>
+              <a:t>“Datetime”</a:t>
             </a:r>
           </a:p>
         </p:txBody>
@@ -4723,7 +6340,718 @@
     </p:spTree>
     <p:extLst>
       <p:ext uri="{BB962C8B-B14F-4D97-AF65-F5344CB8AC3E}">
-        <p14:creationId xmlns:p14="http://schemas.microsoft.com/office/powerpoint/2010/main" val="4217526943"/>
+        <p14:creationId xmlns:p14="http://schemas.microsoft.com/office/powerpoint/2010/main" val="4046782398"/>
+      </p:ext>
+    </p:extLst>
+  </p:cSld>
+  <p:clrMapOvr>
+    <a:masterClrMapping/>
+  </p:clrMapOvr>
+</p:sld>
+</file>
+
+<file path=ppt/slides/slide16.xml><?xml version="1.0" encoding="utf-8"?>
+<p:sld xmlns:a="http://schemas.openxmlformats.org/drawingml/2006/main" xmlns:r="http://schemas.openxmlformats.org/officeDocument/2006/relationships" xmlns:p="http://schemas.openxmlformats.org/presentationml/2006/main">
+  <p:cSld>
+    <p:spTree>
+      <p:nvGrpSpPr>
+        <p:cNvPr id="1" name="">
+          <a:extLst>
+            <a:ext uri="{FF2B5EF4-FFF2-40B4-BE49-F238E27FC236}">
+              <a16:creationId xmlns:a16="http://schemas.microsoft.com/office/drawing/2014/main" id="{942E1791-6BD5-3872-7279-4CC2B50C6CB9}"/>
+            </a:ext>
+          </a:extLst>
+        </p:cNvPr>
+        <p:cNvGrpSpPr/>
+        <p:nvPr/>
+      </p:nvGrpSpPr>
+      <p:grpSpPr>
+        <a:xfrm>
+          <a:off x="0" y="0"/>
+          <a:ext cx="0" cy="0"/>
+          <a:chOff x="0" y="0"/>
+          <a:chExt cx="0" cy="0"/>
+        </a:xfrm>
+      </p:grpSpPr>
+      <p:sp>
+        <p:nvSpPr>
+          <p:cNvPr id="2" name="Title 1">
+            <a:extLst>
+              <a:ext uri="{FF2B5EF4-FFF2-40B4-BE49-F238E27FC236}">
+                <a16:creationId xmlns:a16="http://schemas.microsoft.com/office/drawing/2014/main" id="{A47E9788-25C1-06E4-573B-276CADF071EF}"/>
+              </a:ext>
+            </a:extLst>
+          </p:cNvPr>
+          <p:cNvSpPr>
+            <a:spLocks noGrp="1"/>
+          </p:cNvSpPr>
+          <p:nvPr>
+            <p:ph type="title"/>
+          </p:nvPr>
+        </p:nvSpPr>
+        <p:spPr>
+          <a:xfrm>
+            <a:off x="838200" y="1140505"/>
+            <a:ext cx="10515600" cy="4576990"/>
+          </a:xfrm>
+        </p:spPr>
+        <p:txBody>
+          <a:bodyPr/>
+          <a:lstStyle/>
+          <a:p>
+            <a:pPr algn="ctr"/>
+            <a:r>
+              <a:rPr lang="en-US" b="1" dirty="0">
+                <a:solidFill>
+                  <a:srgbClr val="BF092F"/>
+                </a:solidFill>
+                <a:latin typeface="Arabic Typesetting" panose="03020402040406030203" pitchFamily="66" charset="-78"/>
+                <a:cs typeface="Arabic Typesetting" panose="03020402040406030203" pitchFamily="66" charset="-78"/>
+              </a:rPr>
+              <a:t>Data Exploration</a:t>
+            </a:r>
+            <a:br>
+              <a:rPr lang="en-US" b="1" dirty="0">
+                <a:solidFill>
+                  <a:srgbClr val="BF092F"/>
+                </a:solidFill>
+                <a:latin typeface="Arabic Typesetting" panose="03020402040406030203" pitchFamily="66" charset="-78"/>
+                <a:cs typeface="Arabic Typesetting" panose="03020402040406030203" pitchFamily="66" charset="-78"/>
+              </a:rPr>
+            </a:br>
+            <a:r>
+              <a:rPr lang="en-US" sz="6600" b="1" dirty="0">
+                <a:solidFill>
+                  <a:srgbClr val="BF092F"/>
+                </a:solidFill>
+                <a:latin typeface="Arabic Typesetting" panose="03020402040406030203" pitchFamily="66" charset="-78"/>
+                <a:cs typeface="Arabic Typesetting" panose="03020402040406030203" pitchFamily="66" charset="-78"/>
+              </a:rPr>
+              <a:t>Data Transformation</a:t>
+            </a:r>
+            <a:endParaRPr lang="en-US" b="1" dirty="0">
+              <a:solidFill>
+                <a:srgbClr val="BF092F"/>
+              </a:solidFill>
+              <a:latin typeface="Arabic Typesetting" panose="03020402040406030203" pitchFamily="66" charset="-78"/>
+              <a:cs typeface="Arabic Typesetting" panose="03020402040406030203" pitchFamily="66" charset="-78"/>
+            </a:endParaRPr>
+          </a:p>
+        </p:txBody>
+      </p:sp>
+    </p:spTree>
+    <p:extLst>
+      <p:ext uri="{BB962C8B-B14F-4D97-AF65-F5344CB8AC3E}">
+        <p14:creationId xmlns:p14="http://schemas.microsoft.com/office/powerpoint/2010/main" val="1680685116"/>
+      </p:ext>
+    </p:extLst>
+  </p:cSld>
+  <p:clrMapOvr>
+    <a:masterClrMapping/>
+  </p:clrMapOvr>
+</p:sld>
+</file>
+
+<file path=ppt/slides/slide17.xml><?xml version="1.0" encoding="utf-8"?>
+<p:sld xmlns:a="http://schemas.openxmlformats.org/drawingml/2006/main" xmlns:r="http://schemas.openxmlformats.org/officeDocument/2006/relationships" xmlns:p="http://schemas.openxmlformats.org/presentationml/2006/main">
+  <p:cSld>
+    <p:spTree>
+      <p:nvGrpSpPr>
+        <p:cNvPr id="1" name="">
+          <a:extLst>
+            <a:ext uri="{FF2B5EF4-FFF2-40B4-BE49-F238E27FC236}">
+              <a16:creationId xmlns:a16="http://schemas.microsoft.com/office/drawing/2014/main" id="{F38B055D-EBB4-0307-DDFE-E16944306574}"/>
+            </a:ext>
+          </a:extLst>
+        </p:cNvPr>
+        <p:cNvGrpSpPr/>
+        <p:nvPr/>
+      </p:nvGrpSpPr>
+      <p:grpSpPr>
+        <a:xfrm>
+          <a:off x="0" y="0"/>
+          <a:ext cx="0" cy="0"/>
+          <a:chOff x="0" y="0"/>
+          <a:chExt cx="0" cy="0"/>
+        </a:xfrm>
+      </p:grpSpPr>
+      <p:sp>
+        <p:nvSpPr>
+          <p:cNvPr id="2" name="Title 1">
+            <a:extLst>
+              <a:ext uri="{FF2B5EF4-FFF2-40B4-BE49-F238E27FC236}">
+                <a16:creationId xmlns:a16="http://schemas.microsoft.com/office/drawing/2014/main" id="{A54D6493-7865-6989-0672-7C2A5AA42960}"/>
+              </a:ext>
+            </a:extLst>
+          </p:cNvPr>
+          <p:cNvSpPr>
+            <a:spLocks noGrp="1"/>
+          </p:cNvSpPr>
+          <p:nvPr>
+            <p:ph type="title"/>
+          </p:nvPr>
+        </p:nvSpPr>
+        <p:spPr/>
+        <p:txBody>
+          <a:bodyPr>
+            <a:normAutofit/>
+          </a:bodyPr>
+          <a:lstStyle/>
+          <a:p>
+            <a:r>
+              <a:rPr lang="en-US" sz="6000" b="1" dirty="0">
+                <a:solidFill>
+                  <a:srgbClr val="BF092F"/>
+                </a:solidFill>
+                <a:latin typeface="Arabic Typesetting" panose="03020402040406030203" pitchFamily="66" charset="-78"/>
+                <a:cs typeface="Arabic Typesetting" panose="03020402040406030203" pitchFamily="66" charset="-78"/>
+              </a:rPr>
+              <a:t>Days Sales</a:t>
+            </a:r>
+          </a:p>
+        </p:txBody>
+      </p:sp>
+      <p:sp>
+        <p:nvSpPr>
+          <p:cNvPr id="4" name="Content Placeholder 2">
+            <a:extLst>
+              <a:ext uri="{FF2B5EF4-FFF2-40B4-BE49-F238E27FC236}">
+                <a16:creationId xmlns:a16="http://schemas.microsoft.com/office/drawing/2014/main" id="{FCEC123D-3615-8B45-DE4E-7459E2D499D9}"/>
+              </a:ext>
+            </a:extLst>
+          </p:cNvPr>
+          <p:cNvSpPr>
+            <a:spLocks noGrp="1"/>
+          </p:cNvSpPr>
+          <p:nvPr>
+            <p:ph idx="1"/>
+          </p:nvPr>
+        </p:nvSpPr>
+        <p:spPr>
+          <a:xfrm>
+            <a:off x="5148942" y="990600"/>
+            <a:ext cx="6204857" cy="5660571"/>
+          </a:xfrm>
+        </p:spPr>
+        <p:txBody>
+          <a:bodyPr anchor="ctr">
+            <a:normAutofit/>
+          </a:bodyPr>
+          <a:lstStyle/>
+          <a:p>
+            <a:pPr marL="0" indent="0" algn="just">
+              <a:buNone/>
+            </a:pPr>
+            <a:r>
+              <a:rPr lang="en-US" sz="3600" dirty="0">
+                <a:latin typeface="Arabic Typesetting" panose="03020402040406030203" pitchFamily="66" charset="-78"/>
+                <a:cs typeface="Arabic Typesetting" panose="03020402040406030203" pitchFamily="66" charset="-78"/>
+              </a:rPr>
+              <a:t>Monday and Tuesday are the biggest sales by quantity, contributing </a:t>
+            </a:r>
+            <a:r>
+              <a:rPr lang="en-US" sz="3600" b="1" dirty="0">
+                <a:solidFill>
+                  <a:srgbClr val="BF092F"/>
+                </a:solidFill>
+                <a:latin typeface="Arabic Typesetting" panose="03020402040406030203" pitchFamily="66" charset="-78"/>
+                <a:cs typeface="Arabic Typesetting" panose="03020402040406030203" pitchFamily="66" charset="-78"/>
+              </a:rPr>
+              <a:t>31%</a:t>
+            </a:r>
+            <a:r>
+              <a:rPr lang="en-US" sz="3600" dirty="0">
+                <a:latin typeface="Arabic Typesetting" panose="03020402040406030203" pitchFamily="66" charset="-78"/>
+                <a:cs typeface="Arabic Typesetting" panose="03020402040406030203" pitchFamily="66" charset="-78"/>
+              </a:rPr>
+              <a:t> of the total quantity.</a:t>
+            </a:r>
+          </a:p>
+          <a:p>
+            <a:pPr marL="0" indent="0" algn="just">
+              <a:buNone/>
+            </a:pPr>
+            <a:endParaRPr lang="en-US" sz="3600" dirty="0">
+              <a:latin typeface="Arabic Typesetting" panose="03020402040406030203" pitchFamily="66" charset="-78"/>
+              <a:cs typeface="Arabic Typesetting" panose="03020402040406030203" pitchFamily="66" charset="-78"/>
+            </a:endParaRPr>
+          </a:p>
+          <a:p>
+            <a:pPr marL="0" indent="0" algn="just">
+              <a:buNone/>
+            </a:pPr>
+            <a:r>
+              <a:rPr lang="en-US" sz="3600" dirty="0">
+                <a:latin typeface="Arabic Typesetting" panose="03020402040406030203" pitchFamily="66" charset="-78"/>
+                <a:cs typeface="Arabic Typesetting" panose="03020402040406030203" pitchFamily="66" charset="-78"/>
+              </a:rPr>
+              <a:t>It happened because there was an early product promotion, restock cycles, customers’ weekly needs reset, customers’ salary effect, and many more.</a:t>
+            </a:r>
+          </a:p>
+        </p:txBody>
+      </p:sp>
+      <p:pic>
+        <p:nvPicPr>
+          <p:cNvPr id="6" name="Picture 5">
+            <a:extLst>
+              <a:ext uri="{FF2B5EF4-FFF2-40B4-BE49-F238E27FC236}">
+                <a16:creationId xmlns:a16="http://schemas.microsoft.com/office/drawing/2014/main" id="{3BC86AA1-7801-7574-6BB7-3E2B615BC706}"/>
+              </a:ext>
+            </a:extLst>
+          </p:cNvPr>
+          <p:cNvPicPr>
+            <a:picLocks noChangeAspect="1"/>
+          </p:cNvPicPr>
+          <p:nvPr/>
+        </p:nvPicPr>
+        <p:blipFill>
+          <a:blip r:embed="rId2"/>
+          <a:stretch>
+            <a:fillRect/>
+          </a:stretch>
+        </p:blipFill>
+        <p:spPr>
+          <a:xfrm>
+            <a:off x="513921" y="1777957"/>
+            <a:ext cx="4199595" cy="4085856"/>
+          </a:xfrm>
+          <a:prstGeom prst="rect">
+            <a:avLst/>
+          </a:prstGeom>
+          <a:effectLst>
+            <a:outerShdw blurRad="50800" dist="38100" dir="2700000" algn="tl" rotWithShape="0">
+              <a:prstClr val="black">
+                <a:alpha val="40000"/>
+              </a:prstClr>
+            </a:outerShdw>
+          </a:effectLst>
+        </p:spPr>
+      </p:pic>
+    </p:spTree>
+    <p:extLst>
+      <p:ext uri="{BB962C8B-B14F-4D97-AF65-F5344CB8AC3E}">
+        <p14:creationId xmlns:p14="http://schemas.microsoft.com/office/powerpoint/2010/main" val="2042545260"/>
+      </p:ext>
+    </p:extLst>
+  </p:cSld>
+  <p:clrMapOvr>
+    <a:masterClrMapping/>
+  </p:clrMapOvr>
+</p:sld>
+</file>
+
+<file path=ppt/slides/slide18.xml><?xml version="1.0" encoding="utf-8"?>
+<p:sld xmlns:a="http://schemas.openxmlformats.org/drawingml/2006/main" xmlns:r="http://schemas.openxmlformats.org/officeDocument/2006/relationships" xmlns:p="http://schemas.openxmlformats.org/presentationml/2006/main">
+  <p:cSld>
+    <p:bg>
+      <p:bgPr>
+        <a:solidFill>
+          <a:schemeClr val="bg1">
+            <a:lumMod val="95000"/>
+          </a:schemeClr>
+        </a:solidFill>
+        <a:effectLst/>
+      </p:bgPr>
+    </p:bg>
+    <p:spTree>
+      <p:nvGrpSpPr>
+        <p:cNvPr id="1" name="">
+          <a:extLst>
+            <a:ext uri="{FF2B5EF4-FFF2-40B4-BE49-F238E27FC236}">
+              <a16:creationId xmlns:a16="http://schemas.microsoft.com/office/drawing/2014/main" id="{04C55ED6-20A9-95CD-94DD-9684D2035819}"/>
+            </a:ext>
+          </a:extLst>
+        </p:cNvPr>
+        <p:cNvGrpSpPr/>
+        <p:nvPr/>
+      </p:nvGrpSpPr>
+      <p:grpSpPr>
+        <a:xfrm>
+          <a:off x="0" y="0"/>
+          <a:ext cx="0" cy="0"/>
+          <a:chOff x="0" y="0"/>
+          <a:chExt cx="0" cy="0"/>
+        </a:xfrm>
+      </p:grpSpPr>
+      <p:sp>
+        <p:nvSpPr>
+          <p:cNvPr id="2" name="Title 1">
+            <a:extLst>
+              <a:ext uri="{FF2B5EF4-FFF2-40B4-BE49-F238E27FC236}">
+                <a16:creationId xmlns:a16="http://schemas.microsoft.com/office/drawing/2014/main" id="{C879317D-6A46-8891-25C7-B497EFEFC711}"/>
+              </a:ext>
+            </a:extLst>
+          </p:cNvPr>
+          <p:cNvSpPr>
+            <a:spLocks noGrp="1"/>
+          </p:cNvSpPr>
+          <p:nvPr>
+            <p:ph type="title"/>
+          </p:nvPr>
+        </p:nvSpPr>
+        <p:spPr/>
+        <p:txBody>
+          <a:bodyPr>
+            <a:normAutofit/>
+          </a:bodyPr>
+          <a:lstStyle/>
+          <a:p>
+            <a:r>
+              <a:rPr lang="en-US" sz="6000" b="1" dirty="0">
+                <a:solidFill>
+                  <a:srgbClr val="BF092F"/>
+                </a:solidFill>
+                <a:latin typeface="Arabic Typesetting" panose="03020402040406030203" pitchFamily="66" charset="-78"/>
+                <a:cs typeface="Arabic Typesetting" panose="03020402040406030203" pitchFamily="66" charset="-78"/>
+              </a:rPr>
+              <a:t>Gender Sales</a:t>
+            </a:r>
+          </a:p>
+        </p:txBody>
+      </p:sp>
+      <p:sp>
+        <p:nvSpPr>
+          <p:cNvPr id="4" name="Content Placeholder 2">
+            <a:extLst>
+              <a:ext uri="{FF2B5EF4-FFF2-40B4-BE49-F238E27FC236}">
+                <a16:creationId xmlns:a16="http://schemas.microsoft.com/office/drawing/2014/main" id="{E9749960-3B9D-C08E-2BBE-118404863BC9}"/>
+              </a:ext>
+            </a:extLst>
+          </p:cNvPr>
+          <p:cNvSpPr>
+            <a:spLocks noGrp="1"/>
+          </p:cNvSpPr>
+          <p:nvPr>
+            <p:ph idx="1"/>
+          </p:nvPr>
+        </p:nvSpPr>
+        <p:spPr>
+          <a:xfrm>
+            <a:off x="4713514" y="1690689"/>
+            <a:ext cx="6640286" cy="2206397"/>
+          </a:xfrm>
+        </p:spPr>
+        <p:txBody>
+          <a:bodyPr anchor="ctr">
+            <a:normAutofit/>
+          </a:bodyPr>
+          <a:lstStyle/>
+          <a:p>
+            <a:pPr marL="0" indent="0" algn="just">
+              <a:buNone/>
+            </a:pPr>
+            <a:r>
+              <a:rPr lang="en-US" sz="3600" dirty="0">
+                <a:latin typeface="Arabic Typesetting" panose="03020402040406030203" pitchFamily="66" charset="-78"/>
+                <a:cs typeface="Arabic Typesetting" panose="03020402040406030203" pitchFamily="66" charset="-78"/>
+              </a:rPr>
+              <a:t>Female customers contributed </a:t>
+            </a:r>
+            <a:r>
+              <a:rPr lang="en-US" sz="3600" b="1" dirty="0">
+                <a:solidFill>
+                  <a:srgbClr val="BF092F"/>
+                </a:solidFill>
+                <a:latin typeface="Arabic Typesetting" panose="03020402040406030203" pitchFamily="66" charset="-78"/>
+                <a:cs typeface="Arabic Typesetting" panose="03020402040406030203" pitchFamily="66" charset="-78"/>
+              </a:rPr>
+              <a:t>51% </a:t>
+            </a:r>
+            <a:r>
+              <a:rPr lang="en-US" sz="3600" dirty="0">
+                <a:latin typeface="Arabic Typesetting" panose="03020402040406030203" pitchFamily="66" charset="-78"/>
+                <a:cs typeface="Arabic Typesetting" panose="03020402040406030203" pitchFamily="66" charset="-78"/>
+              </a:rPr>
+              <a:t>of the total customers, while male customers contributed </a:t>
+            </a:r>
+            <a:r>
+              <a:rPr lang="en-US" sz="3600" b="1" dirty="0">
+                <a:solidFill>
+                  <a:srgbClr val="BF092F"/>
+                </a:solidFill>
+                <a:latin typeface="Arabic Typesetting" panose="03020402040406030203" pitchFamily="66" charset="-78"/>
+                <a:cs typeface="Arabic Typesetting" panose="03020402040406030203" pitchFamily="66" charset="-78"/>
+              </a:rPr>
+              <a:t>49% </a:t>
+            </a:r>
+            <a:r>
+              <a:rPr lang="en-US" sz="3600" dirty="0">
+                <a:latin typeface="Arabic Typesetting" panose="03020402040406030203" pitchFamily="66" charset="-78"/>
+                <a:cs typeface="Arabic Typesetting" panose="03020402040406030203" pitchFamily="66" charset="-78"/>
+              </a:rPr>
+              <a:t>of the total customers.</a:t>
+            </a:r>
+          </a:p>
+        </p:txBody>
+      </p:sp>
+      <p:pic>
+        <p:nvPicPr>
+          <p:cNvPr id="22" name="Picture 21">
+            <a:extLst>
+              <a:ext uri="{FF2B5EF4-FFF2-40B4-BE49-F238E27FC236}">
+                <a16:creationId xmlns:a16="http://schemas.microsoft.com/office/drawing/2014/main" id="{612AAB45-8F32-B57C-A552-5785A10625DA}"/>
+              </a:ext>
+            </a:extLst>
+          </p:cNvPr>
+          <p:cNvPicPr>
+            <a:picLocks noChangeAspect="1"/>
+          </p:cNvPicPr>
+          <p:nvPr/>
+        </p:nvPicPr>
+        <p:blipFill>
+          <a:blip r:embed="rId2"/>
+          <a:srcRect l="8384" t="2022" r="5625" b="4185"/>
+          <a:stretch>
+            <a:fillRect/>
+          </a:stretch>
+        </p:blipFill>
+        <p:spPr>
+          <a:xfrm>
+            <a:off x="359229" y="1589315"/>
+            <a:ext cx="4071257" cy="4038600"/>
+          </a:xfrm>
+          <a:prstGeom prst="rect">
+            <a:avLst/>
+          </a:prstGeom>
+        </p:spPr>
+      </p:pic>
+      <p:pic>
+        <p:nvPicPr>
+          <p:cNvPr id="5" name="Picture 4">
+            <a:extLst>
+              <a:ext uri="{FF2B5EF4-FFF2-40B4-BE49-F238E27FC236}">
+                <a16:creationId xmlns:a16="http://schemas.microsoft.com/office/drawing/2014/main" id="{3E0DC2B0-7EF9-D748-5EF4-8634AF77BB26}"/>
+              </a:ext>
+            </a:extLst>
+          </p:cNvPr>
+          <p:cNvPicPr>
+            <a:picLocks noChangeAspect="1"/>
+          </p:cNvPicPr>
+          <p:nvPr/>
+        </p:nvPicPr>
+        <p:blipFill>
+          <a:blip r:embed="rId3"/>
+          <a:stretch>
+            <a:fillRect/>
+          </a:stretch>
+        </p:blipFill>
+        <p:spPr>
+          <a:xfrm>
+            <a:off x="6096000" y="3849919"/>
+            <a:ext cx="3428623" cy="1886856"/>
+          </a:xfrm>
+          <a:prstGeom prst="rect">
+            <a:avLst/>
+          </a:prstGeom>
+          <a:effectLst>
+            <a:outerShdw blurRad="50800" dist="38100" dir="2700000" algn="tl" rotWithShape="0">
+              <a:prstClr val="black">
+                <a:alpha val="40000"/>
+              </a:prstClr>
+            </a:outerShdw>
+          </a:effectLst>
+        </p:spPr>
+      </p:pic>
+    </p:spTree>
+    <p:extLst>
+      <p:ext uri="{BB962C8B-B14F-4D97-AF65-F5344CB8AC3E}">
+        <p14:creationId xmlns:p14="http://schemas.microsoft.com/office/powerpoint/2010/main" val="1125340331"/>
+      </p:ext>
+    </p:extLst>
+  </p:cSld>
+  <p:clrMapOvr>
+    <a:masterClrMapping/>
+  </p:clrMapOvr>
+</p:sld>
+</file>
+
+<file path=ppt/slides/slide19.xml><?xml version="1.0" encoding="utf-8"?>
+<p:sld xmlns:a="http://schemas.openxmlformats.org/drawingml/2006/main" xmlns:r="http://schemas.openxmlformats.org/officeDocument/2006/relationships" xmlns:p="http://schemas.openxmlformats.org/presentationml/2006/main">
+  <p:cSld>
+    <p:spTree>
+      <p:nvGrpSpPr>
+        <p:cNvPr id="1" name="">
+          <a:extLst>
+            <a:ext uri="{FF2B5EF4-FFF2-40B4-BE49-F238E27FC236}">
+              <a16:creationId xmlns:a16="http://schemas.microsoft.com/office/drawing/2014/main" id="{631AECFA-866D-6A8E-D739-66B8A6A2523B}"/>
+            </a:ext>
+          </a:extLst>
+        </p:cNvPr>
+        <p:cNvGrpSpPr/>
+        <p:nvPr/>
+      </p:nvGrpSpPr>
+      <p:grpSpPr>
+        <a:xfrm>
+          <a:off x="0" y="0"/>
+          <a:ext cx="0" cy="0"/>
+          <a:chOff x="0" y="0"/>
+          <a:chExt cx="0" cy="0"/>
+        </a:xfrm>
+      </p:grpSpPr>
+      <p:sp>
+        <p:nvSpPr>
+          <p:cNvPr id="2" name="Title 1">
+            <a:extLst>
+              <a:ext uri="{FF2B5EF4-FFF2-40B4-BE49-F238E27FC236}">
+                <a16:creationId xmlns:a16="http://schemas.microsoft.com/office/drawing/2014/main" id="{0350C98B-23A5-EC2D-394F-7366B79CBB60}"/>
+              </a:ext>
+            </a:extLst>
+          </p:cNvPr>
+          <p:cNvSpPr>
+            <a:spLocks noGrp="1"/>
+          </p:cNvSpPr>
+          <p:nvPr>
+            <p:ph type="title"/>
+          </p:nvPr>
+        </p:nvSpPr>
+        <p:spPr/>
+        <p:txBody>
+          <a:bodyPr>
+            <a:normAutofit/>
+          </a:bodyPr>
+          <a:lstStyle/>
+          <a:p>
+            <a:r>
+              <a:rPr lang="en-US" sz="6000" b="1" dirty="0">
+                <a:solidFill>
+                  <a:srgbClr val="BF092F"/>
+                </a:solidFill>
+                <a:latin typeface="Arabic Typesetting" panose="03020402040406030203" pitchFamily="66" charset="-78"/>
+                <a:cs typeface="Arabic Typesetting" panose="03020402040406030203" pitchFamily="66" charset="-78"/>
+              </a:rPr>
+              <a:t>Quarter Sales</a:t>
+            </a:r>
+          </a:p>
+        </p:txBody>
+      </p:sp>
+      <p:sp>
+        <p:nvSpPr>
+          <p:cNvPr id="4" name="Content Placeholder 2">
+            <a:extLst>
+              <a:ext uri="{FF2B5EF4-FFF2-40B4-BE49-F238E27FC236}">
+                <a16:creationId xmlns:a16="http://schemas.microsoft.com/office/drawing/2014/main" id="{94A430E7-B3C3-3EC1-5588-677B6F74CC28}"/>
+              </a:ext>
+            </a:extLst>
+          </p:cNvPr>
+          <p:cNvSpPr>
+            <a:spLocks noGrp="1"/>
+          </p:cNvSpPr>
+          <p:nvPr>
+            <p:ph idx="1"/>
+          </p:nvPr>
+        </p:nvSpPr>
+        <p:spPr>
+          <a:xfrm>
+            <a:off x="228599" y="5007429"/>
+            <a:ext cx="11789229" cy="1850571"/>
+          </a:xfrm>
+        </p:spPr>
+        <p:txBody>
+          <a:bodyPr anchor="ctr">
+            <a:normAutofit/>
+          </a:bodyPr>
+          <a:lstStyle/>
+          <a:p>
+            <a:pPr marL="0" indent="0" algn="just">
+              <a:buNone/>
+            </a:pPr>
+            <a:r>
+              <a:rPr lang="en-US" sz="3600" dirty="0">
+                <a:latin typeface="Arabic Typesetting" panose="03020402040406030203" pitchFamily="66" charset="-78"/>
+                <a:cs typeface="Arabic Typesetting" panose="03020402040406030203" pitchFamily="66" charset="-78"/>
+              </a:rPr>
+              <a:t>Q4 is the highest sales period, contributing </a:t>
+            </a:r>
+            <a:r>
+              <a:rPr lang="en-US" sz="3600" b="1" dirty="0">
+                <a:solidFill>
+                  <a:srgbClr val="BF092F"/>
+                </a:solidFill>
+                <a:latin typeface="Arabic Typesetting" panose="03020402040406030203" pitchFamily="66" charset="-78"/>
+                <a:cs typeface="Arabic Typesetting" panose="03020402040406030203" pitchFamily="66" charset="-78"/>
+              </a:rPr>
+              <a:t>29% </a:t>
+            </a:r>
+            <a:r>
+              <a:rPr lang="en-US" sz="3600" dirty="0">
+                <a:latin typeface="Arabic Typesetting" panose="03020402040406030203" pitchFamily="66" charset="-78"/>
+                <a:cs typeface="Arabic Typesetting" panose="03020402040406030203" pitchFamily="66" charset="-78"/>
+              </a:rPr>
+              <a:t>of the total sales due to big holidays like Halloween, Thanksgiving, Black Friday, Christmas, and New Year’s Eve. </a:t>
+            </a:r>
+          </a:p>
+          <a:p>
+            <a:pPr marL="0" indent="0" algn="just">
+              <a:buNone/>
+            </a:pPr>
+            <a:r>
+              <a:rPr lang="en-US" sz="3600" dirty="0">
+                <a:latin typeface="Arabic Typesetting" panose="03020402040406030203" pitchFamily="66" charset="-78"/>
+                <a:cs typeface="Arabic Typesetting" panose="03020402040406030203" pitchFamily="66" charset="-78"/>
+              </a:rPr>
+              <a:t>Q2 contributed </a:t>
+            </a:r>
+            <a:r>
+              <a:rPr lang="en-US" sz="3600" b="1" dirty="0">
+                <a:solidFill>
+                  <a:srgbClr val="BF092F"/>
+                </a:solidFill>
+                <a:latin typeface="Arabic Typesetting" panose="03020402040406030203" pitchFamily="66" charset="-78"/>
+                <a:cs typeface="Arabic Typesetting" panose="03020402040406030203" pitchFamily="66" charset="-78"/>
+              </a:rPr>
+              <a:t>28%</a:t>
+            </a:r>
+            <a:r>
+              <a:rPr lang="en-US" sz="3600" dirty="0">
+                <a:latin typeface="Arabic Typesetting" panose="03020402040406030203" pitchFamily="66" charset="-78"/>
+                <a:cs typeface="Arabic Typesetting" panose="03020402040406030203" pitchFamily="66" charset="-78"/>
+              </a:rPr>
+              <a:t>, also due to big holidays like Easter, Mother’s Day, and Father’s Day</a:t>
+            </a:r>
+          </a:p>
+        </p:txBody>
+      </p:sp>
+      <p:pic>
+        <p:nvPicPr>
+          <p:cNvPr id="5" name="Picture 4">
+            <a:extLst>
+              <a:ext uri="{FF2B5EF4-FFF2-40B4-BE49-F238E27FC236}">
+                <a16:creationId xmlns:a16="http://schemas.microsoft.com/office/drawing/2014/main" id="{ECA7900D-1FAB-E9A7-CFB7-8D69FE1625B0}"/>
+              </a:ext>
+            </a:extLst>
+          </p:cNvPr>
+          <p:cNvPicPr>
+            <a:picLocks noChangeAspect="1"/>
+          </p:cNvPicPr>
+          <p:nvPr/>
+        </p:nvPicPr>
+        <p:blipFill>
+          <a:blip r:embed="rId2"/>
+          <a:stretch>
+            <a:fillRect/>
+          </a:stretch>
+        </p:blipFill>
+        <p:spPr>
+          <a:xfrm>
+            <a:off x="2752005" y="1309918"/>
+            <a:ext cx="6687990" cy="3595922"/>
+          </a:xfrm>
+          <a:prstGeom prst="rect">
+            <a:avLst/>
+          </a:prstGeom>
+          <a:effectLst>
+            <a:outerShdw blurRad="50800" dist="38100" dir="2700000" algn="tl" rotWithShape="0">
+              <a:prstClr val="black">
+                <a:alpha val="40000"/>
+              </a:prstClr>
+            </a:outerShdw>
+          </a:effectLst>
+        </p:spPr>
+      </p:pic>
+    </p:spTree>
+    <p:extLst>
+      <p:ext uri="{BB962C8B-B14F-4D97-AF65-F5344CB8AC3E}">
+        <p14:creationId xmlns:p14="http://schemas.microsoft.com/office/powerpoint/2010/main" val="3100845107"/>
       </p:ext>
     </p:extLst>
   </p:cSld>
@@ -4781,7 +7109,7 @@
                 <a:latin typeface="Arabic Typesetting" panose="03020402040406030203" pitchFamily="66" charset="-78"/>
                 <a:cs typeface="Arabic Typesetting" panose="03020402040406030203" pitchFamily="66" charset="-78"/>
               </a:rPr>
-              <a:t>Analysis Background</a:t>
+              <a:t>Analysis Background (1)</a:t>
             </a:r>
           </a:p>
         </p:txBody>
@@ -4810,7 +7138,7 @@
         </p:spPr>
         <p:txBody>
           <a:bodyPr>
-            <a:normAutofit fontScale="85000" lnSpcReduction="20000"/>
+            <a:normAutofit/>
           </a:bodyPr>
           <a:lstStyle/>
           <a:p>
@@ -4818,26 +7146,21 @@
               <a:buNone/>
             </a:pPr>
             <a:r>
+              <a:rPr lang="en-US" sz="3600" b="1" dirty="0">
+                <a:solidFill>
+                  <a:srgbClr val="BF092F"/>
+                </a:solidFill>
+                <a:latin typeface="Arabic Typesetting" panose="03020402040406030203" pitchFamily="66" charset="-78"/>
+                <a:cs typeface="Arabic Typesetting" panose="03020402040406030203" pitchFamily="66" charset="-78"/>
+              </a:rPr>
+              <a:t>Introduction </a:t>
+            </a:r>
+            <a:r>
               <a:rPr lang="en-US" sz="3600" dirty="0">
                 <a:latin typeface="Arabic Typesetting" panose="03020402040406030203" pitchFamily="66" charset="-78"/>
                 <a:cs typeface="Arabic Typesetting" panose="03020402040406030203" pitchFamily="66" charset="-78"/>
               </a:rPr>
-              <a:t>The dataset is from </a:t>
-            </a:r>
-            <a:r>
-              <a:rPr lang="en-US" sz="3600" dirty="0">
-                <a:latin typeface="Arabic Typesetting" panose="03020402040406030203" pitchFamily="66" charset="-78"/>
-                <a:cs typeface="Arabic Typesetting" panose="03020402040406030203" pitchFamily="66" charset="-78"/>
-                <a:hlinkClick r:id="rId2"/>
-              </a:rPr>
-              <a:t>Kaggle.com</a:t>
-            </a:r>
-            <a:r>
-              <a:rPr lang="en-US" sz="3600" dirty="0">
-                <a:latin typeface="Arabic Typesetting" panose="03020402040406030203" pitchFamily="66" charset="-78"/>
-                <a:cs typeface="Arabic Typesetting" panose="03020402040406030203" pitchFamily="66" charset="-78"/>
-              </a:rPr>
-              <a:t>.</a:t>
+              <a:t>Sales is an exchange process of goods or services for currency. This analyst explores the sales patterns and behavior of various customers.</a:t>
             </a:r>
           </a:p>
           <a:p>
@@ -4845,120 +7168,54 @@
               <a:buNone/>
             </a:pPr>
             <a:r>
+              <a:rPr lang="en-US" sz="3600" b="1" dirty="0">
+                <a:solidFill>
+                  <a:srgbClr val="BF092F"/>
+                </a:solidFill>
+                <a:latin typeface="Arabic Typesetting" panose="03020402040406030203" pitchFamily="66" charset="-78"/>
+                <a:cs typeface="Arabic Typesetting" panose="03020402040406030203" pitchFamily="66" charset="-78"/>
+              </a:rPr>
+              <a:t>Contextual Framework </a:t>
+            </a:r>
+            <a:r>
               <a:rPr lang="en-US" sz="3600" dirty="0">
                 <a:latin typeface="Arabic Typesetting" panose="03020402040406030203" pitchFamily="66" charset="-78"/>
                 <a:cs typeface="Arabic Typesetting" panose="03020402040406030203" pitchFamily="66" charset="-78"/>
               </a:rPr>
-              <a:t>There is a sales dataset table with 8 columns, there are:</a:t>
-            </a:r>
-          </a:p>
-          <a:p>
-            <a:pPr>
-              <a:buSzPct val="50000"/>
-            </a:pPr>
-            <a:r>
-              <a:rPr lang="en-US" sz="3600" dirty="0">
-                <a:latin typeface="Arabic Typesetting" panose="03020402040406030203" pitchFamily="66" charset="-78"/>
-                <a:cs typeface="Arabic Typesetting" panose="03020402040406030203" pitchFamily="66" charset="-78"/>
-              </a:rPr>
-              <a:t> Unnamed: 0	= Auto index </a:t>
-            </a:r>
-          </a:p>
-          <a:p>
-            <a:pPr>
-              <a:buSzPct val="50000"/>
-            </a:pPr>
-            <a:r>
-              <a:rPr lang="en-US" sz="3600" dirty="0">
-                <a:latin typeface="Arabic Typesetting" panose="03020402040406030203" pitchFamily="66" charset="-78"/>
-                <a:cs typeface="Arabic Typesetting" panose="03020402040406030203" pitchFamily="66" charset="-78"/>
-              </a:rPr>
-              <a:t> Date		= The date the transaction occurred</a:t>
-            </a:r>
-          </a:p>
-          <a:p>
-            <a:pPr>
-              <a:buSzPct val="50000"/>
-            </a:pPr>
-            <a:r>
-              <a:rPr lang="en-US" sz="3600" dirty="0">
-                <a:latin typeface="Arabic Typesetting" panose="03020402040406030203" pitchFamily="66" charset="-78"/>
-                <a:cs typeface="Arabic Typesetting" panose="03020402040406030203" pitchFamily="66" charset="-78"/>
-              </a:rPr>
-              <a:t> Gender		= The gender of the customers</a:t>
-            </a:r>
-          </a:p>
-          <a:p>
-            <a:pPr>
-              <a:buSzPct val="50000"/>
-            </a:pPr>
-            <a:r>
-              <a:rPr lang="en-US" sz="3600" dirty="0">
-                <a:latin typeface="Arabic Typesetting" panose="03020402040406030203" pitchFamily="66" charset="-78"/>
-                <a:cs typeface="Arabic Typesetting" panose="03020402040406030203" pitchFamily="66" charset="-78"/>
-              </a:rPr>
-              <a:t> Age			= The age of the customers</a:t>
-            </a:r>
-          </a:p>
-          <a:p>
-            <a:pPr>
-              <a:buSzPct val="50000"/>
-            </a:pPr>
-            <a:r>
-              <a:rPr lang="en-US" sz="3600" dirty="0">
-                <a:latin typeface="Arabic Typesetting" panose="03020402040406030203" pitchFamily="66" charset="-78"/>
-                <a:cs typeface="Arabic Typesetting" panose="03020402040406030203" pitchFamily="66" charset="-78"/>
-              </a:rPr>
-              <a:t> Product Category	= The category of the products</a:t>
-            </a:r>
-          </a:p>
-          <a:p>
-            <a:pPr>
-              <a:buSzPct val="50000"/>
-            </a:pPr>
-            <a:r>
-              <a:rPr lang="en-US" sz="3600" dirty="0">
-                <a:latin typeface="Arabic Typesetting" panose="03020402040406030203" pitchFamily="66" charset="-78"/>
-                <a:cs typeface="Arabic Typesetting" panose="03020402040406030203" pitchFamily="66" charset="-78"/>
-              </a:rPr>
-              <a:t> Quantity		= The number of products purchased</a:t>
-            </a:r>
-          </a:p>
-          <a:p>
-            <a:pPr>
-              <a:buSzPct val="50000"/>
-            </a:pPr>
-            <a:r>
-              <a:rPr lang="en-US" sz="3600" dirty="0">
-                <a:latin typeface="Arabic Typesetting" panose="03020402040406030203" pitchFamily="66" charset="-78"/>
-                <a:cs typeface="Arabic Typesetting" panose="03020402040406030203" pitchFamily="66" charset="-78"/>
-              </a:rPr>
-              <a:t> Price per unit	= Price of the single products</a:t>
-            </a:r>
-          </a:p>
-          <a:p>
-            <a:pPr>
-              <a:buSzPct val="50000"/>
-            </a:pPr>
-            <a:r>
-              <a:rPr lang="en-US" sz="3600" dirty="0">
-                <a:latin typeface="Arabic Typesetting" panose="03020402040406030203" pitchFamily="66" charset="-78"/>
-                <a:cs typeface="Arabic Typesetting" panose="03020402040406030203" pitchFamily="66" charset="-78"/>
-              </a:rPr>
-              <a:t> Total Amount	= Total sales of the products (quantity x price per unit)</a:t>
-            </a:r>
+              <a:t>Sales historically involved trading a thing for another thing, known as “bartering.” But nowadays we use money to get things or services.</a:t>
+            </a:r>
+            <a:endParaRPr lang="en-US" sz="3600" b="1" dirty="0">
+              <a:latin typeface="Arabic Typesetting" panose="03020402040406030203" pitchFamily="66" charset="-78"/>
+              <a:cs typeface="Arabic Typesetting" panose="03020402040406030203" pitchFamily="66" charset="-78"/>
+            </a:endParaRPr>
           </a:p>
           <a:p>
             <a:pPr marL="0" indent="0">
-              <a:buSzPct val="50000"/>
               <a:buNone/>
             </a:pPr>
             <a:r>
+              <a:rPr lang="en-US" sz="3600" b="1" dirty="0">
+                <a:solidFill>
+                  <a:srgbClr val="BF092F"/>
+                </a:solidFill>
+                <a:latin typeface="Arabic Typesetting" panose="03020402040406030203" pitchFamily="66" charset="-78"/>
+                <a:cs typeface="Arabic Typesetting" panose="03020402040406030203" pitchFamily="66" charset="-78"/>
+              </a:rPr>
+              <a:t>Rationale</a:t>
+            </a:r>
+            <a:r>
+              <a:rPr lang="en-US" sz="3600" b="1" dirty="0">
+                <a:latin typeface="Arabic Typesetting" panose="03020402040406030203" pitchFamily="66" charset="-78"/>
+                <a:cs typeface="Arabic Typesetting" panose="03020402040406030203" pitchFamily="66" charset="-78"/>
+              </a:rPr>
+              <a:t> </a:t>
+            </a:r>
+            <a:r>
               <a:rPr lang="en-US" sz="3600" dirty="0">
                 <a:latin typeface="Arabic Typesetting" panose="03020402040406030203" pitchFamily="66" charset="-78"/>
                 <a:cs typeface="Arabic Typesetting" panose="03020402040406030203" pitchFamily="66" charset="-78"/>
               </a:rPr>
-              <a:t>There are 1000 rows and 8 columns</a:t>
+              <a:t>This analyst aims to gain knowledge about the sales patterns and behaviors of the customers</a:t>
             </a:r>
           </a:p>
         </p:txBody>
@@ -4976,7 +7233,1941 @@
 </p:sld>
 </file>
 
+<file path=ppt/slides/slide20.xml><?xml version="1.0" encoding="utf-8"?>
+<p:sld xmlns:a="http://schemas.openxmlformats.org/drawingml/2006/main" xmlns:r="http://schemas.openxmlformats.org/officeDocument/2006/relationships" xmlns:p="http://schemas.openxmlformats.org/presentationml/2006/main">
+  <p:cSld>
+    <p:spTree>
+      <p:nvGrpSpPr>
+        <p:cNvPr id="1" name="">
+          <a:extLst>
+            <a:ext uri="{FF2B5EF4-FFF2-40B4-BE49-F238E27FC236}">
+              <a16:creationId xmlns:a16="http://schemas.microsoft.com/office/drawing/2014/main" id="{F3B4EDCC-F75B-09D8-93BB-953364DCD8FF}"/>
+            </a:ext>
+          </a:extLst>
+        </p:cNvPr>
+        <p:cNvGrpSpPr/>
+        <p:nvPr/>
+      </p:nvGrpSpPr>
+      <p:grpSpPr>
+        <a:xfrm>
+          <a:off x="0" y="0"/>
+          <a:ext cx="0" cy="0"/>
+          <a:chOff x="0" y="0"/>
+          <a:chExt cx="0" cy="0"/>
+        </a:xfrm>
+      </p:grpSpPr>
+      <p:sp>
+        <p:nvSpPr>
+          <p:cNvPr id="2" name="Title 1">
+            <a:extLst>
+              <a:ext uri="{FF2B5EF4-FFF2-40B4-BE49-F238E27FC236}">
+                <a16:creationId xmlns:a16="http://schemas.microsoft.com/office/drawing/2014/main" id="{53335C88-420F-99EF-574E-61DB190D10F9}"/>
+              </a:ext>
+            </a:extLst>
+          </p:cNvPr>
+          <p:cNvSpPr>
+            <a:spLocks noGrp="1"/>
+          </p:cNvSpPr>
+          <p:nvPr>
+            <p:ph type="title"/>
+          </p:nvPr>
+        </p:nvSpPr>
+        <p:spPr/>
+        <p:txBody>
+          <a:bodyPr>
+            <a:normAutofit/>
+          </a:bodyPr>
+          <a:lstStyle/>
+          <a:p>
+            <a:r>
+              <a:rPr lang="en-US" sz="6000" b="1" dirty="0">
+                <a:solidFill>
+                  <a:srgbClr val="BF092F"/>
+                </a:solidFill>
+                <a:latin typeface="Arabic Typesetting" panose="03020402040406030203" pitchFamily="66" charset="-78"/>
+                <a:cs typeface="Arabic Typesetting" panose="03020402040406030203" pitchFamily="66" charset="-78"/>
+              </a:rPr>
+              <a:t>Age Segment</a:t>
+            </a:r>
+          </a:p>
+        </p:txBody>
+      </p:sp>
+      <p:pic>
+        <p:nvPicPr>
+          <p:cNvPr id="5" name="Picture 4">
+            <a:extLst>
+              <a:ext uri="{FF2B5EF4-FFF2-40B4-BE49-F238E27FC236}">
+                <a16:creationId xmlns:a16="http://schemas.microsoft.com/office/drawing/2014/main" id="{FC5F7173-DCF1-2D53-6D57-8A4B036BFB38}"/>
+              </a:ext>
+            </a:extLst>
+          </p:cNvPr>
+          <p:cNvPicPr>
+            <a:picLocks noChangeAspect="1"/>
+          </p:cNvPicPr>
+          <p:nvPr/>
+        </p:nvPicPr>
+        <p:blipFill>
+          <a:blip r:embed="rId2"/>
+          <a:stretch>
+            <a:fillRect/>
+          </a:stretch>
+        </p:blipFill>
+        <p:spPr>
+          <a:xfrm>
+            <a:off x="0" y="1733375"/>
+            <a:ext cx="5350383" cy="4134025"/>
+          </a:xfrm>
+          <a:prstGeom prst="rect">
+            <a:avLst/>
+          </a:prstGeom>
+        </p:spPr>
+      </p:pic>
+      <p:sp>
+        <p:nvSpPr>
+          <p:cNvPr id="4" name="Content Placeholder 2">
+            <a:extLst>
+              <a:ext uri="{FF2B5EF4-FFF2-40B4-BE49-F238E27FC236}">
+                <a16:creationId xmlns:a16="http://schemas.microsoft.com/office/drawing/2014/main" id="{952093A3-754B-8257-939C-9A18C8DABD2D}"/>
+              </a:ext>
+            </a:extLst>
+          </p:cNvPr>
+          <p:cNvSpPr>
+            <a:spLocks noGrp="1"/>
+          </p:cNvSpPr>
+          <p:nvPr>
+            <p:ph idx="1"/>
+          </p:nvPr>
+        </p:nvSpPr>
+        <p:spPr>
+          <a:xfrm>
+            <a:off x="5148942" y="990600"/>
+            <a:ext cx="6204857" cy="5660571"/>
+          </a:xfrm>
+        </p:spPr>
+        <p:txBody>
+          <a:bodyPr anchor="ctr">
+            <a:normAutofit/>
+          </a:bodyPr>
+          <a:lstStyle/>
+          <a:p>
+            <a:pPr marL="0" indent="0" algn="just">
+              <a:buNone/>
+            </a:pPr>
+            <a:r>
+              <a:rPr lang="en-US" sz="3600" dirty="0">
+                <a:latin typeface="Arabic Typesetting" panose="03020402040406030203" pitchFamily="66" charset="-78"/>
+                <a:cs typeface="Arabic Typesetting" panose="03020402040406030203" pitchFamily="66" charset="-78"/>
+              </a:rPr>
+              <a:t>Adults are the highest spending age category, contributing </a:t>
+            </a:r>
+            <a:r>
+              <a:rPr lang="en-US" sz="3600" b="1" dirty="0">
+                <a:solidFill>
+                  <a:srgbClr val="BF092F"/>
+                </a:solidFill>
+                <a:latin typeface="Arabic Typesetting" panose="03020402040406030203" pitchFamily="66" charset="-78"/>
+                <a:cs typeface="Arabic Typesetting" panose="03020402040406030203" pitchFamily="66" charset="-78"/>
+              </a:rPr>
+              <a:t>42.56% </a:t>
+            </a:r>
+            <a:r>
+              <a:rPr lang="en-US" sz="3600" dirty="0">
+                <a:latin typeface="Arabic Typesetting" panose="03020402040406030203" pitchFamily="66" charset="-78"/>
+                <a:cs typeface="Arabic Typesetting" panose="03020402040406030203" pitchFamily="66" charset="-78"/>
+              </a:rPr>
+              <a:t>of the total sales.</a:t>
+            </a:r>
+          </a:p>
+          <a:p>
+            <a:pPr marL="0" indent="0" algn="just">
+              <a:buNone/>
+            </a:pPr>
+            <a:endParaRPr lang="en-US" sz="3600" dirty="0">
+              <a:latin typeface="Arabic Typesetting" panose="03020402040406030203" pitchFamily="66" charset="-78"/>
+              <a:cs typeface="Arabic Typesetting" panose="03020402040406030203" pitchFamily="66" charset="-78"/>
+            </a:endParaRPr>
+          </a:p>
+          <a:p>
+            <a:pPr marL="0" indent="0" algn="just">
+              <a:buNone/>
+            </a:pPr>
+            <a:r>
+              <a:rPr lang="en-US" sz="3600" dirty="0">
+                <a:latin typeface="Arabic Typesetting" panose="03020402040406030203" pitchFamily="66" charset="-78"/>
+                <a:cs typeface="Arabic Typesetting" panose="03020402040406030203" pitchFamily="66" charset="-78"/>
+              </a:rPr>
+              <a:t>Adults are spending more because due to more responsibilities, such as supporting the household, children’s lifestyle, children’s education, and their own lifestyle.</a:t>
+            </a:r>
+          </a:p>
+        </p:txBody>
+      </p:sp>
+    </p:spTree>
+    <p:extLst>
+      <p:ext uri="{BB962C8B-B14F-4D97-AF65-F5344CB8AC3E}">
+        <p14:creationId xmlns:p14="http://schemas.microsoft.com/office/powerpoint/2010/main" val="2313831331"/>
+      </p:ext>
+    </p:extLst>
+  </p:cSld>
+  <p:clrMapOvr>
+    <a:masterClrMapping/>
+  </p:clrMapOvr>
+</p:sld>
+</file>
+
+<file path=ppt/slides/slide21.xml><?xml version="1.0" encoding="utf-8"?>
+<p:sld xmlns:a="http://schemas.openxmlformats.org/drawingml/2006/main" xmlns:r="http://schemas.openxmlformats.org/officeDocument/2006/relationships" xmlns:p="http://schemas.openxmlformats.org/presentationml/2006/main">
+  <p:cSld>
+    <p:spTree>
+      <p:nvGrpSpPr>
+        <p:cNvPr id="1" name="">
+          <a:extLst>
+            <a:ext uri="{FF2B5EF4-FFF2-40B4-BE49-F238E27FC236}">
+              <a16:creationId xmlns:a16="http://schemas.microsoft.com/office/drawing/2014/main" id="{7B9E5D09-EE70-CA7F-15B9-4FAE85E3F639}"/>
+            </a:ext>
+          </a:extLst>
+        </p:cNvPr>
+        <p:cNvGrpSpPr/>
+        <p:nvPr/>
+      </p:nvGrpSpPr>
+      <p:grpSpPr>
+        <a:xfrm>
+          <a:off x="0" y="0"/>
+          <a:ext cx="0" cy="0"/>
+          <a:chOff x="0" y="0"/>
+          <a:chExt cx="0" cy="0"/>
+        </a:xfrm>
+      </p:grpSpPr>
+      <p:sp>
+        <p:nvSpPr>
+          <p:cNvPr id="2" name="Title 1">
+            <a:extLst>
+              <a:ext uri="{FF2B5EF4-FFF2-40B4-BE49-F238E27FC236}">
+                <a16:creationId xmlns:a16="http://schemas.microsoft.com/office/drawing/2014/main" id="{6DADF018-CC9B-B884-937D-A4E6B9B4C205}"/>
+              </a:ext>
+            </a:extLst>
+          </p:cNvPr>
+          <p:cNvSpPr>
+            <a:spLocks noGrp="1"/>
+          </p:cNvSpPr>
+          <p:nvPr>
+            <p:ph type="title"/>
+          </p:nvPr>
+        </p:nvSpPr>
+        <p:spPr/>
+        <p:txBody>
+          <a:bodyPr>
+            <a:normAutofit/>
+          </a:bodyPr>
+          <a:lstStyle/>
+          <a:p>
+            <a:r>
+              <a:rPr lang="en-US" sz="6000" b="1" dirty="0">
+                <a:solidFill>
+                  <a:srgbClr val="BF092F"/>
+                </a:solidFill>
+                <a:latin typeface="Arabic Typesetting" panose="03020402040406030203" pitchFamily="66" charset="-78"/>
+                <a:cs typeface="Arabic Typesetting" panose="03020402040406030203" pitchFamily="66" charset="-78"/>
+              </a:rPr>
+              <a:t>Product Category</a:t>
+            </a:r>
+          </a:p>
+        </p:txBody>
+      </p:sp>
+      <p:sp>
+        <p:nvSpPr>
+          <p:cNvPr id="4" name="Content Placeholder 2">
+            <a:extLst>
+              <a:ext uri="{FF2B5EF4-FFF2-40B4-BE49-F238E27FC236}">
+                <a16:creationId xmlns:a16="http://schemas.microsoft.com/office/drawing/2014/main" id="{15A8B05F-5C81-81E1-957D-5D84CD4F3CEF}"/>
+              </a:ext>
+            </a:extLst>
+          </p:cNvPr>
+          <p:cNvSpPr>
+            <a:spLocks noGrp="1"/>
+          </p:cNvSpPr>
+          <p:nvPr>
+            <p:ph idx="1"/>
+          </p:nvPr>
+        </p:nvSpPr>
+        <p:spPr>
+          <a:xfrm>
+            <a:off x="217715" y="5236030"/>
+            <a:ext cx="11832772" cy="1511752"/>
+          </a:xfrm>
+        </p:spPr>
+        <p:txBody>
+          <a:bodyPr anchor="ctr">
+            <a:normAutofit/>
+          </a:bodyPr>
+          <a:lstStyle/>
+          <a:p>
+            <a:pPr marL="0" indent="0" algn="just">
+              <a:buNone/>
+            </a:pPr>
+            <a:r>
+              <a:rPr lang="en-US" sz="3600" dirty="0">
+                <a:latin typeface="Arabic Typesetting" panose="03020402040406030203" pitchFamily="66" charset="-78"/>
+                <a:cs typeface="Arabic Typesetting" panose="03020402040406030203" pitchFamily="66" charset="-78"/>
+              </a:rPr>
+              <a:t>Electronics contributed </a:t>
+            </a:r>
+            <a:r>
+              <a:rPr lang="en-US" sz="3600" b="1" dirty="0">
+                <a:solidFill>
+                  <a:srgbClr val="BF092F"/>
+                </a:solidFill>
+                <a:latin typeface="Arabic Typesetting" panose="03020402040406030203" pitchFamily="66" charset="-78"/>
+                <a:cs typeface="Arabic Typesetting" panose="03020402040406030203" pitchFamily="66" charset="-78"/>
+              </a:rPr>
+              <a:t>34%</a:t>
+            </a:r>
+            <a:r>
+              <a:rPr lang="en-US" sz="3600" dirty="0">
+                <a:latin typeface="Arabic Typesetting" panose="03020402040406030203" pitchFamily="66" charset="-78"/>
+                <a:cs typeface="Arabic Typesetting" panose="03020402040406030203" pitchFamily="66" charset="-78"/>
+              </a:rPr>
+              <a:t> of the total sales, making it the highest product category sales. It happened because of household expenses. And consistent with adults’ spending.</a:t>
+            </a:r>
+          </a:p>
+        </p:txBody>
+      </p:sp>
+      <p:pic>
+        <p:nvPicPr>
+          <p:cNvPr id="8" name="Picture 7">
+            <a:extLst>
+              <a:ext uri="{FF2B5EF4-FFF2-40B4-BE49-F238E27FC236}">
+                <a16:creationId xmlns:a16="http://schemas.microsoft.com/office/drawing/2014/main" id="{7B8D88E8-70EC-B45E-F9F4-9006382D37E8}"/>
+              </a:ext>
+            </a:extLst>
+          </p:cNvPr>
+          <p:cNvPicPr>
+            <a:picLocks noChangeAspect="1"/>
+          </p:cNvPicPr>
+          <p:nvPr/>
+        </p:nvPicPr>
+        <p:blipFill>
+          <a:blip r:embed="rId2"/>
+          <a:srcRect t="2483"/>
+          <a:stretch>
+            <a:fillRect/>
+          </a:stretch>
+        </p:blipFill>
+        <p:spPr>
+          <a:xfrm>
+            <a:off x="2738359" y="1458686"/>
+            <a:ext cx="6715282" cy="3614942"/>
+          </a:xfrm>
+          <a:prstGeom prst="rect">
+            <a:avLst/>
+          </a:prstGeom>
+          <a:effectLst>
+            <a:outerShdw blurRad="50800" dist="38100" dir="2700000" algn="tl" rotWithShape="0">
+              <a:prstClr val="black">
+                <a:alpha val="40000"/>
+              </a:prstClr>
+            </a:outerShdw>
+          </a:effectLst>
+        </p:spPr>
+      </p:pic>
+    </p:spTree>
+    <p:extLst>
+      <p:ext uri="{BB962C8B-B14F-4D97-AF65-F5344CB8AC3E}">
+        <p14:creationId xmlns:p14="http://schemas.microsoft.com/office/powerpoint/2010/main" val="1675021548"/>
+      </p:ext>
+    </p:extLst>
+  </p:cSld>
+  <p:clrMapOvr>
+    <a:masterClrMapping/>
+  </p:clrMapOvr>
+</p:sld>
+</file>
+
+<file path=ppt/slides/slide22.xml><?xml version="1.0" encoding="utf-8"?>
+<p:sld xmlns:a="http://schemas.openxmlformats.org/drawingml/2006/main" xmlns:r="http://schemas.openxmlformats.org/officeDocument/2006/relationships" xmlns:p="http://schemas.openxmlformats.org/presentationml/2006/main">
+  <p:cSld>
+    <p:spTree>
+      <p:nvGrpSpPr>
+        <p:cNvPr id="1" name="">
+          <a:extLst>
+            <a:ext uri="{FF2B5EF4-FFF2-40B4-BE49-F238E27FC236}">
+              <a16:creationId xmlns:a16="http://schemas.microsoft.com/office/drawing/2014/main" id="{6166F87D-0444-41AA-7B8A-962280117DAC}"/>
+            </a:ext>
+          </a:extLst>
+        </p:cNvPr>
+        <p:cNvGrpSpPr/>
+        <p:nvPr/>
+      </p:nvGrpSpPr>
+      <p:grpSpPr>
+        <a:xfrm>
+          <a:off x="0" y="0"/>
+          <a:ext cx="0" cy="0"/>
+          <a:chOff x="0" y="0"/>
+          <a:chExt cx="0" cy="0"/>
+        </a:xfrm>
+      </p:grpSpPr>
+      <p:sp>
+        <p:nvSpPr>
+          <p:cNvPr id="2" name="Title 1">
+            <a:extLst>
+              <a:ext uri="{FF2B5EF4-FFF2-40B4-BE49-F238E27FC236}">
+                <a16:creationId xmlns:a16="http://schemas.microsoft.com/office/drawing/2014/main" id="{DD4D1496-7246-FD77-18EA-29CF0EACEE1C}"/>
+              </a:ext>
+            </a:extLst>
+          </p:cNvPr>
+          <p:cNvSpPr>
+            <a:spLocks noGrp="1"/>
+          </p:cNvSpPr>
+          <p:nvPr>
+            <p:ph type="title"/>
+          </p:nvPr>
+        </p:nvSpPr>
+        <p:spPr/>
+        <p:txBody>
+          <a:bodyPr>
+            <a:normAutofit/>
+          </a:bodyPr>
+          <a:lstStyle/>
+          <a:p>
+            <a:r>
+              <a:rPr lang="en-US" sz="6000" b="1" dirty="0">
+                <a:solidFill>
+                  <a:srgbClr val="BF092F"/>
+                </a:solidFill>
+                <a:latin typeface="Arabic Typesetting" panose="03020402040406030203" pitchFamily="66" charset="-78"/>
+                <a:cs typeface="Arabic Typesetting" panose="03020402040406030203" pitchFamily="66" charset="-78"/>
+              </a:rPr>
+              <a:t>Age Segment by Product Category</a:t>
+            </a:r>
+          </a:p>
+        </p:txBody>
+      </p:sp>
+      <p:sp>
+        <p:nvSpPr>
+          <p:cNvPr id="4" name="Content Placeholder 2">
+            <a:extLst>
+              <a:ext uri="{FF2B5EF4-FFF2-40B4-BE49-F238E27FC236}">
+                <a16:creationId xmlns:a16="http://schemas.microsoft.com/office/drawing/2014/main" id="{C41853CC-2E42-6273-37EB-ED3C434414E9}"/>
+              </a:ext>
+            </a:extLst>
+          </p:cNvPr>
+          <p:cNvSpPr>
+            <a:spLocks noGrp="1"/>
+          </p:cNvSpPr>
+          <p:nvPr>
+            <p:ph idx="1"/>
+          </p:nvPr>
+        </p:nvSpPr>
+        <p:spPr>
+          <a:xfrm>
+            <a:off x="7990114" y="1262743"/>
+            <a:ext cx="4060374" cy="5230132"/>
+          </a:xfrm>
+        </p:spPr>
+        <p:txBody>
+          <a:bodyPr anchor="ctr">
+            <a:normAutofit/>
+          </a:bodyPr>
+          <a:lstStyle/>
+          <a:p>
+            <a:pPr marL="0" indent="0" algn="just">
+              <a:buNone/>
+            </a:pPr>
+            <a:r>
+              <a:rPr lang="en-US" sz="3600" dirty="0">
+                <a:latin typeface="Arabic Typesetting" panose="03020402040406030203" pitchFamily="66" charset="-78"/>
+                <a:cs typeface="Arabic Typesetting" panose="03020402040406030203" pitchFamily="66" charset="-78"/>
+              </a:rPr>
+              <a:t>Adults tend to spend more on </a:t>
+            </a:r>
+            <a:r>
+              <a:rPr lang="en-US" sz="3600" b="1" dirty="0">
+                <a:solidFill>
+                  <a:srgbClr val="BF092F"/>
+                </a:solidFill>
+                <a:latin typeface="Arabic Typesetting" panose="03020402040406030203" pitchFamily="66" charset="-78"/>
+                <a:cs typeface="Arabic Typesetting" panose="03020402040406030203" pitchFamily="66" charset="-78"/>
+              </a:rPr>
+              <a:t>Electronics</a:t>
+            </a:r>
+            <a:r>
+              <a:rPr lang="en-US" sz="3600" dirty="0">
+                <a:latin typeface="Arabic Typesetting" panose="03020402040406030203" pitchFamily="66" charset="-78"/>
+                <a:cs typeface="Arabic Typesetting" panose="03020402040406030203" pitchFamily="66" charset="-78"/>
+              </a:rPr>
+              <a:t> due to household needs.</a:t>
+            </a:r>
+          </a:p>
+          <a:p>
+            <a:pPr marL="0" indent="0" algn="just">
+              <a:buNone/>
+            </a:pPr>
+            <a:r>
+              <a:rPr lang="en-US" sz="3600" dirty="0">
+                <a:latin typeface="Arabic Typesetting" panose="03020402040406030203" pitchFamily="66" charset="-78"/>
+                <a:cs typeface="Arabic Typesetting" panose="03020402040406030203" pitchFamily="66" charset="-78"/>
+              </a:rPr>
+              <a:t>Young adults tend to spend more on </a:t>
+            </a:r>
+            <a:r>
+              <a:rPr lang="en-US" sz="3600" b="1" dirty="0">
+                <a:solidFill>
+                  <a:srgbClr val="BF092F"/>
+                </a:solidFill>
+                <a:latin typeface="Arabic Typesetting" panose="03020402040406030203" pitchFamily="66" charset="-78"/>
+                <a:cs typeface="Arabic Typesetting" panose="03020402040406030203" pitchFamily="66" charset="-78"/>
+              </a:rPr>
+              <a:t>clothing </a:t>
+            </a:r>
+            <a:r>
+              <a:rPr lang="en-US" sz="3600" dirty="0">
+                <a:latin typeface="Arabic Typesetting" panose="03020402040406030203" pitchFamily="66" charset="-78"/>
+                <a:cs typeface="Arabic Typesetting" panose="03020402040406030203" pitchFamily="66" charset="-78"/>
+              </a:rPr>
+              <a:t>due to the influence of fashion trends.</a:t>
+            </a:r>
+          </a:p>
+          <a:p>
+            <a:pPr marL="0" indent="0" algn="just">
+              <a:buNone/>
+            </a:pPr>
+            <a:r>
+              <a:rPr lang="en-US" sz="3600" dirty="0">
+                <a:latin typeface="Arabic Typesetting" panose="03020402040406030203" pitchFamily="66" charset="-78"/>
+                <a:cs typeface="Arabic Typesetting" panose="03020402040406030203" pitchFamily="66" charset="-78"/>
+              </a:rPr>
+              <a:t>Seniors tend to spend more on </a:t>
+            </a:r>
+            <a:r>
+              <a:rPr lang="en-US" sz="3600" b="1" dirty="0">
+                <a:solidFill>
+                  <a:srgbClr val="BF092F"/>
+                </a:solidFill>
+                <a:latin typeface="Arabic Typesetting" panose="03020402040406030203" pitchFamily="66" charset="-78"/>
+                <a:cs typeface="Arabic Typesetting" panose="03020402040406030203" pitchFamily="66" charset="-78"/>
+              </a:rPr>
+              <a:t>electronics </a:t>
+            </a:r>
+            <a:r>
+              <a:rPr lang="en-US" sz="3600" dirty="0">
+                <a:latin typeface="Arabic Typesetting" panose="03020402040406030203" pitchFamily="66" charset="-78"/>
+                <a:cs typeface="Arabic Typesetting" panose="03020402040406030203" pitchFamily="66" charset="-78"/>
+              </a:rPr>
+              <a:t>for health tools and entertainment.</a:t>
+            </a:r>
+          </a:p>
+        </p:txBody>
+      </p:sp>
+      <p:pic>
+        <p:nvPicPr>
+          <p:cNvPr id="6" name="Picture 5">
+            <a:extLst>
+              <a:ext uri="{FF2B5EF4-FFF2-40B4-BE49-F238E27FC236}">
+                <a16:creationId xmlns:a16="http://schemas.microsoft.com/office/drawing/2014/main" id="{E6FF0BEF-C6BA-9C52-D0B2-04E93C6647BE}"/>
+              </a:ext>
+            </a:extLst>
+          </p:cNvPr>
+          <p:cNvPicPr>
+            <a:picLocks noChangeAspect="1"/>
+          </p:cNvPicPr>
+          <p:nvPr/>
+        </p:nvPicPr>
+        <p:blipFill>
+          <a:blip r:embed="rId3"/>
+          <a:stretch>
+            <a:fillRect/>
+          </a:stretch>
+        </p:blipFill>
+        <p:spPr>
+          <a:xfrm>
+            <a:off x="195940" y="1690687"/>
+            <a:ext cx="7794173" cy="4185415"/>
+          </a:xfrm>
+          <a:prstGeom prst="rect">
+            <a:avLst/>
+          </a:prstGeom>
+          <a:effectLst>
+            <a:outerShdw blurRad="50800" dist="38100" dir="2700000" algn="tl" rotWithShape="0">
+              <a:prstClr val="black">
+                <a:alpha val="40000"/>
+              </a:prstClr>
+            </a:outerShdw>
+          </a:effectLst>
+        </p:spPr>
+      </p:pic>
+    </p:spTree>
+    <p:extLst>
+      <p:ext uri="{BB962C8B-B14F-4D97-AF65-F5344CB8AC3E}">
+        <p14:creationId xmlns:p14="http://schemas.microsoft.com/office/powerpoint/2010/main" val="2462934611"/>
+      </p:ext>
+    </p:extLst>
+  </p:cSld>
+  <p:clrMapOvr>
+    <a:masterClrMapping/>
+  </p:clrMapOvr>
+</p:sld>
+</file>
+
+<file path=ppt/slides/slide23.xml><?xml version="1.0" encoding="utf-8"?>
+<p:sld xmlns:a="http://schemas.openxmlformats.org/drawingml/2006/main" xmlns:r="http://schemas.openxmlformats.org/officeDocument/2006/relationships" xmlns:p="http://schemas.openxmlformats.org/presentationml/2006/main">
+  <p:cSld>
+    <p:spTree>
+      <p:nvGrpSpPr>
+        <p:cNvPr id="1" name="">
+          <a:extLst>
+            <a:ext uri="{FF2B5EF4-FFF2-40B4-BE49-F238E27FC236}">
+              <a16:creationId xmlns:a16="http://schemas.microsoft.com/office/drawing/2014/main" id="{84572DF3-EF66-3A51-A707-B07EAD79BA4A}"/>
+            </a:ext>
+          </a:extLst>
+        </p:cNvPr>
+        <p:cNvGrpSpPr/>
+        <p:nvPr/>
+      </p:nvGrpSpPr>
+      <p:grpSpPr>
+        <a:xfrm>
+          <a:off x="0" y="0"/>
+          <a:ext cx="0" cy="0"/>
+          <a:chOff x="0" y="0"/>
+          <a:chExt cx="0" cy="0"/>
+        </a:xfrm>
+      </p:grpSpPr>
+      <p:sp>
+        <p:nvSpPr>
+          <p:cNvPr id="2" name="Title 1">
+            <a:extLst>
+              <a:ext uri="{FF2B5EF4-FFF2-40B4-BE49-F238E27FC236}">
+                <a16:creationId xmlns:a16="http://schemas.microsoft.com/office/drawing/2014/main" id="{98545ED1-2268-420B-B8FA-B607BE2235EF}"/>
+              </a:ext>
+            </a:extLst>
+          </p:cNvPr>
+          <p:cNvSpPr>
+            <a:spLocks noGrp="1"/>
+          </p:cNvSpPr>
+          <p:nvPr>
+            <p:ph type="title"/>
+          </p:nvPr>
+        </p:nvSpPr>
+        <p:spPr/>
+        <p:txBody>
+          <a:bodyPr>
+            <a:normAutofit/>
+          </a:bodyPr>
+          <a:lstStyle/>
+          <a:p>
+            <a:r>
+              <a:rPr lang="en-US" sz="6000" b="1" dirty="0">
+                <a:solidFill>
+                  <a:srgbClr val="BF092F"/>
+                </a:solidFill>
+                <a:latin typeface="Arabic Typesetting" panose="03020402040406030203" pitchFamily="66" charset="-78"/>
+                <a:cs typeface="Arabic Typesetting" panose="03020402040406030203" pitchFamily="66" charset="-78"/>
+              </a:rPr>
+              <a:t>Monthly Growth (1)</a:t>
+            </a:r>
+          </a:p>
+        </p:txBody>
+      </p:sp>
+      <p:sp>
+        <p:nvSpPr>
+          <p:cNvPr id="4" name="Content Placeholder 2">
+            <a:extLst>
+              <a:ext uri="{FF2B5EF4-FFF2-40B4-BE49-F238E27FC236}">
+                <a16:creationId xmlns:a16="http://schemas.microsoft.com/office/drawing/2014/main" id="{32E23AD9-D022-1FBE-61AA-26C173CD914A}"/>
+              </a:ext>
+            </a:extLst>
+          </p:cNvPr>
+          <p:cNvSpPr>
+            <a:spLocks noGrp="1"/>
+          </p:cNvSpPr>
+          <p:nvPr>
+            <p:ph idx="1"/>
+          </p:nvPr>
+        </p:nvSpPr>
+        <p:spPr>
+          <a:xfrm>
+            <a:off x="217714" y="1480457"/>
+            <a:ext cx="4876799" cy="4593771"/>
+          </a:xfrm>
+        </p:spPr>
+        <p:txBody>
+          <a:bodyPr anchor="ctr">
+            <a:normAutofit/>
+          </a:bodyPr>
+          <a:lstStyle/>
+          <a:p>
+            <a:pPr marL="0" indent="0" algn="just">
+              <a:buNone/>
+            </a:pPr>
+            <a:r>
+              <a:rPr lang="en-US" sz="3600" dirty="0">
+                <a:latin typeface="Arabic Typesetting" panose="03020402040406030203" pitchFamily="66" charset="-78"/>
+                <a:cs typeface="Arabic Typesetting" panose="03020402040406030203" pitchFamily="66" charset="-78"/>
+              </a:rPr>
+              <a:t>May 2023 contributed </a:t>
+            </a:r>
+            <a:r>
+              <a:rPr lang="en-US" sz="3600" b="1" dirty="0">
+                <a:solidFill>
+                  <a:srgbClr val="BF092F"/>
+                </a:solidFill>
+                <a:latin typeface="Arabic Typesetting" panose="03020402040406030203" pitchFamily="66" charset="-78"/>
+                <a:cs typeface="Arabic Typesetting" panose="03020402040406030203" pitchFamily="66" charset="-78"/>
+              </a:rPr>
+              <a:t>14.42%</a:t>
+            </a:r>
+            <a:r>
+              <a:rPr lang="en-US" sz="3600" dirty="0">
+                <a:latin typeface="Arabic Typesetting" panose="03020402040406030203" pitchFamily="66" charset="-78"/>
+                <a:cs typeface="Arabic Typesetting" panose="03020402040406030203" pitchFamily="66" charset="-78"/>
+              </a:rPr>
+              <a:t> of the yearly total sales. </a:t>
+            </a:r>
+          </a:p>
+          <a:p>
+            <a:pPr marL="0" indent="0" algn="just">
+              <a:buNone/>
+            </a:pPr>
+            <a:r>
+              <a:rPr lang="en-US" sz="3600" dirty="0">
+                <a:latin typeface="Arabic Typesetting" panose="03020402040406030203" pitchFamily="66" charset="-78"/>
+                <a:cs typeface="Arabic Typesetting" panose="03020402040406030203" pitchFamily="66" charset="-78"/>
+              </a:rPr>
+              <a:t>It happened because online sales increased to </a:t>
+            </a:r>
+            <a:r>
+              <a:rPr lang="en-US" sz="3600" b="1" dirty="0">
+                <a:solidFill>
+                  <a:srgbClr val="BF092F"/>
+                </a:solidFill>
+                <a:latin typeface="Arabic Typesetting" panose="03020402040406030203" pitchFamily="66" charset="-78"/>
+                <a:cs typeface="Arabic Typesetting" panose="03020402040406030203" pitchFamily="66" charset="-78"/>
+              </a:rPr>
+              <a:t>2.7%</a:t>
+            </a:r>
+            <a:r>
+              <a:rPr lang="en-US" sz="3600" dirty="0">
+                <a:latin typeface="Arabic Typesetting" panose="03020402040406030203" pitchFamily="66" charset="-78"/>
+                <a:cs typeface="Arabic Typesetting" panose="03020402040406030203" pitchFamily="66" charset="-78"/>
+              </a:rPr>
+              <a:t>, motor demand increased to </a:t>
+            </a:r>
+            <a:r>
+              <a:rPr lang="en-US" sz="3600" b="1" dirty="0">
+                <a:solidFill>
+                  <a:srgbClr val="BF092F"/>
+                </a:solidFill>
+                <a:latin typeface="Arabic Typesetting" panose="03020402040406030203" pitchFamily="66" charset="-78"/>
+                <a:cs typeface="Arabic Typesetting" panose="03020402040406030203" pitchFamily="66" charset="-78"/>
+              </a:rPr>
+              <a:t>1.4%</a:t>
+            </a:r>
+            <a:r>
+              <a:rPr lang="en-US" sz="3600" dirty="0">
+                <a:latin typeface="Arabic Typesetting" panose="03020402040406030203" pitchFamily="66" charset="-78"/>
+                <a:cs typeface="Arabic Typesetting" panose="03020402040406030203" pitchFamily="66" charset="-78"/>
+              </a:rPr>
+              <a:t>, and demand for summer clothes and outdoor goods increased due to the summer season.</a:t>
+            </a:r>
+          </a:p>
+        </p:txBody>
+      </p:sp>
+      <p:pic>
+        <p:nvPicPr>
+          <p:cNvPr id="7" name="Picture 6">
+            <a:extLst>
+              <a:ext uri="{FF2B5EF4-FFF2-40B4-BE49-F238E27FC236}">
+                <a16:creationId xmlns:a16="http://schemas.microsoft.com/office/drawing/2014/main" id="{AE931F74-9A1F-9B87-87A8-00C9AA0672C6}"/>
+              </a:ext>
+            </a:extLst>
+          </p:cNvPr>
+          <p:cNvPicPr>
+            <a:picLocks noChangeAspect="1"/>
+          </p:cNvPicPr>
+          <p:nvPr/>
+        </p:nvPicPr>
+        <p:blipFill>
+          <a:blip r:embed="rId3"/>
+          <a:stretch>
+            <a:fillRect/>
+          </a:stretch>
+        </p:blipFill>
+        <p:spPr>
+          <a:xfrm>
+            <a:off x="5278583" y="1690688"/>
+            <a:ext cx="6695702" cy="3577083"/>
+          </a:xfrm>
+          <a:prstGeom prst="rect">
+            <a:avLst/>
+          </a:prstGeom>
+          <a:effectLst>
+            <a:outerShdw blurRad="50800" dist="38100" dir="2700000" algn="tl" rotWithShape="0">
+              <a:prstClr val="black">
+                <a:alpha val="40000"/>
+              </a:prstClr>
+            </a:outerShdw>
+          </a:effectLst>
+        </p:spPr>
+      </p:pic>
+    </p:spTree>
+    <p:extLst>
+      <p:ext uri="{BB962C8B-B14F-4D97-AF65-F5344CB8AC3E}">
+        <p14:creationId xmlns:p14="http://schemas.microsoft.com/office/powerpoint/2010/main" val="424324931"/>
+      </p:ext>
+    </p:extLst>
+  </p:cSld>
+  <p:clrMapOvr>
+    <a:masterClrMapping/>
+  </p:clrMapOvr>
+</p:sld>
+</file>
+
+<file path=ppt/slides/slide24.xml><?xml version="1.0" encoding="utf-8"?>
+<p:sld xmlns:a="http://schemas.openxmlformats.org/drawingml/2006/main" xmlns:r="http://schemas.openxmlformats.org/officeDocument/2006/relationships" xmlns:p="http://schemas.openxmlformats.org/presentationml/2006/main">
+  <p:cSld>
+    <p:spTree>
+      <p:nvGrpSpPr>
+        <p:cNvPr id="1" name="">
+          <a:extLst>
+            <a:ext uri="{FF2B5EF4-FFF2-40B4-BE49-F238E27FC236}">
+              <a16:creationId xmlns:a16="http://schemas.microsoft.com/office/drawing/2014/main" id="{ED2F3DE9-F9C9-A5D1-9DBB-20528C9F4EE1}"/>
+            </a:ext>
+          </a:extLst>
+        </p:cNvPr>
+        <p:cNvGrpSpPr/>
+        <p:nvPr/>
+      </p:nvGrpSpPr>
+      <p:grpSpPr>
+        <a:xfrm>
+          <a:off x="0" y="0"/>
+          <a:ext cx="0" cy="0"/>
+          <a:chOff x="0" y="0"/>
+          <a:chExt cx="0" cy="0"/>
+        </a:xfrm>
+      </p:grpSpPr>
+      <p:sp>
+        <p:nvSpPr>
+          <p:cNvPr id="2" name="Title 1">
+            <a:extLst>
+              <a:ext uri="{FF2B5EF4-FFF2-40B4-BE49-F238E27FC236}">
+                <a16:creationId xmlns:a16="http://schemas.microsoft.com/office/drawing/2014/main" id="{911BCF71-2A9B-ECDD-3C96-EF4145BA506D}"/>
+              </a:ext>
+            </a:extLst>
+          </p:cNvPr>
+          <p:cNvSpPr>
+            <a:spLocks noGrp="1"/>
+          </p:cNvSpPr>
+          <p:nvPr>
+            <p:ph type="title"/>
+          </p:nvPr>
+        </p:nvSpPr>
+        <p:spPr/>
+        <p:txBody>
+          <a:bodyPr>
+            <a:normAutofit/>
+          </a:bodyPr>
+          <a:lstStyle/>
+          <a:p>
+            <a:r>
+              <a:rPr lang="en-US" sz="6000" b="1" dirty="0">
+                <a:solidFill>
+                  <a:srgbClr val="BF092F"/>
+                </a:solidFill>
+                <a:latin typeface="Arabic Typesetting" panose="03020402040406030203" pitchFamily="66" charset="-78"/>
+                <a:cs typeface="Arabic Typesetting" panose="03020402040406030203" pitchFamily="66" charset="-78"/>
+              </a:rPr>
+              <a:t>Monthly Growth (2)</a:t>
+            </a:r>
+          </a:p>
+        </p:txBody>
+      </p:sp>
+      <p:sp>
+        <p:nvSpPr>
+          <p:cNvPr id="4" name="Content Placeholder 2">
+            <a:extLst>
+              <a:ext uri="{FF2B5EF4-FFF2-40B4-BE49-F238E27FC236}">
+                <a16:creationId xmlns:a16="http://schemas.microsoft.com/office/drawing/2014/main" id="{37275642-19C7-C5F3-3ECC-191C49CE88DB}"/>
+              </a:ext>
+            </a:extLst>
+          </p:cNvPr>
+          <p:cNvSpPr>
+            <a:spLocks noGrp="1"/>
+          </p:cNvSpPr>
+          <p:nvPr>
+            <p:ph idx="1"/>
+          </p:nvPr>
+        </p:nvSpPr>
+        <p:spPr>
+          <a:xfrm>
+            <a:off x="217714" y="1480457"/>
+            <a:ext cx="4876799" cy="5094514"/>
+          </a:xfrm>
+        </p:spPr>
+        <p:txBody>
+          <a:bodyPr anchor="ctr">
+            <a:normAutofit lnSpcReduction="10000"/>
+          </a:bodyPr>
+          <a:lstStyle/>
+          <a:p>
+            <a:pPr marL="0" indent="0" algn="just">
+              <a:buNone/>
+            </a:pPr>
+            <a:r>
+              <a:rPr lang="en-US" sz="3600" dirty="0">
+                <a:latin typeface="Arabic Typesetting" panose="03020402040406030203" pitchFamily="66" charset="-78"/>
+                <a:cs typeface="Arabic Typesetting" panose="03020402040406030203" pitchFamily="66" charset="-78"/>
+              </a:rPr>
+              <a:t>In September 2023, sales dropped contributed only </a:t>
+            </a:r>
+            <a:r>
+              <a:rPr lang="en-US" sz="3600" b="1" dirty="0">
+                <a:solidFill>
+                  <a:srgbClr val="BF092F"/>
+                </a:solidFill>
+                <a:latin typeface="Arabic Typesetting" panose="03020402040406030203" pitchFamily="66" charset="-78"/>
+                <a:cs typeface="Arabic Typesetting" panose="03020402040406030203" pitchFamily="66" charset="-78"/>
+              </a:rPr>
+              <a:t>3%</a:t>
+            </a:r>
+            <a:r>
+              <a:rPr lang="en-US" sz="3600" dirty="0">
+                <a:latin typeface="Arabic Typesetting" panose="03020402040406030203" pitchFamily="66" charset="-78"/>
+                <a:cs typeface="Arabic Typesetting" panose="03020402040406030203" pitchFamily="66" charset="-78"/>
+              </a:rPr>
+              <a:t> for the yearly sales. </a:t>
+            </a:r>
+          </a:p>
+          <a:p>
+            <a:pPr marL="0" indent="0" algn="just">
+              <a:buNone/>
+            </a:pPr>
+            <a:r>
+              <a:rPr lang="en-US" sz="3600" dirty="0">
+                <a:latin typeface="Arabic Typesetting" panose="03020402040406030203" pitchFamily="66" charset="-78"/>
+                <a:cs typeface="Arabic Typesetting" panose="03020402040406030203" pitchFamily="66" charset="-78"/>
+              </a:rPr>
+              <a:t>There are a few categories were falling </a:t>
+            </a:r>
+            <a:r>
+              <a:rPr lang="en-US" sz="3600" b="1" dirty="0">
+                <a:solidFill>
+                  <a:srgbClr val="BF092F"/>
+                </a:solidFill>
+                <a:latin typeface="Arabic Typesetting" panose="03020402040406030203" pitchFamily="66" charset="-78"/>
+                <a:cs typeface="Arabic Typesetting" panose="03020402040406030203" pitchFamily="66" charset="-78"/>
+              </a:rPr>
+              <a:t>0.9%</a:t>
+            </a:r>
+            <a:r>
+              <a:rPr lang="en-US" sz="3600" dirty="0">
+                <a:latin typeface="Arabic Typesetting" panose="03020402040406030203" pitchFamily="66" charset="-78"/>
+                <a:cs typeface="Arabic Typesetting" panose="03020402040406030203" pitchFamily="66" charset="-78"/>
+              </a:rPr>
+              <a:t> falling retail sales, </a:t>
+            </a:r>
+            <a:r>
+              <a:rPr lang="en-US" sz="3600" b="1" dirty="0">
+                <a:solidFill>
+                  <a:srgbClr val="BF092F"/>
+                </a:solidFill>
+                <a:latin typeface="Arabic Typesetting" panose="03020402040406030203" pitchFamily="66" charset="-78"/>
+                <a:cs typeface="Arabic Typesetting" panose="03020402040406030203" pitchFamily="66" charset="-78"/>
+              </a:rPr>
+              <a:t>2.2%</a:t>
+            </a:r>
+            <a:r>
+              <a:rPr lang="en-US" sz="3600" dirty="0">
+                <a:latin typeface="Arabic Typesetting" panose="03020402040406030203" pitchFamily="66" charset="-78"/>
+                <a:cs typeface="Arabic Typesetting" panose="03020402040406030203" pitchFamily="66" charset="-78"/>
+              </a:rPr>
+              <a:t> online store falling, and </a:t>
+            </a:r>
+            <a:r>
+              <a:rPr lang="en-US" sz="3600" b="1" dirty="0">
+                <a:solidFill>
+                  <a:srgbClr val="BF092F"/>
+                </a:solidFill>
+                <a:latin typeface="Arabic Typesetting" panose="03020402040406030203" pitchFamily="66" charset="-78"/>
+                <a:cs typeface="Arabic Typesetting" panose="03020402040406030203" pitchFamily="66" charset="-78"/>
+              </a:rPr>
+              <a:t>1.9%</a:t>
+            </a:r>
+            <a:r>
+              <a:rPr lang="en-US" sz="3600" dirty="0">
+                <a:latin typeface="Arabic Typesetting" panose="03020402040406030203" pitchFamily="66" charset="-78"/>
+                <a:cs typeface="Arabic Typesetting" panose="03020402040406030203" pitchFamily="66" charset="-78"/>
+              </a:rPr>
+              <a:t> falling non-food sales. </a:t>
+            </a:r>
+          </a:p>
+          <a:p>
+            <a:pPr marL="0" indent="0" algn="just">
+              <a:buNone/>
+            </a:pPr>
+            <a:r>
+              <a:rPr lang="en-US" sz="3600" dirty="0">
+                <a:latin typeface="Arabic Typesetting" panose="03020402040406030203" pitchFamily="66" charset="-78"/>
+                <a:cs typeface="Arabic Typesetting" panose="03020402040406030203" pitchFamily="66" charset="-78"/>
+              </a:rPr>
+              <a:t>It happened due to the continuous cost-of-living pressure from autumn to winter.</a:t>
+            </a:r>
+          </a:p>
+        </p:txBody>
+      </p:sp>
+      <p:pic>
+        <p:nvPicPr>
+          <p:cNvPr id="7" name="Picture 6">
+            <a:extLst>
+              <a:ext uri="{FF2B5EF4-FFF2-40B4-BE49-F238E27FC236}">
+                <a16:creationId xmlns:a16="http://schemas.microsoft.com/office/drawing/2014/main" id="{E594B6BB-BE29-3497-4875-3C35E44668A8}"/>
+              </a:ext>
+            </a:extLst>
+          </p:cNvPr>
+          <p:cNvPicPr>
+            <a:picLocks noChangeAspect="1"/>
+          </p:cNvPicPr>
+          <p:nvPr/>
+        </p:nvPicPr>
+        <p:blipFill>
+          <a:blip r:embed="rId3"/>
+          <a:stretch>
+            <a:fillRect/>
+          </a:stretch>
+        </p:blipFill>
+        <p:spPr>
+          <a:xfrm>
+            <a:off x="5278583" y="1690688"/>
+            <a:ext cx="6695702" cy="3577083"/>
+          </a:xfrm>
+          <a:prstGeom prst="rect">
+            <a:avLst/>
+          </a:prstGeom>
+          <a:effectLst>
+            <a:outerShdw blurRad="50800" dist="38100" dir="2700000" algn="tl" rotWithShape="0">
+              <a:prstClr val="black">
+                <a:alpha val="40000"/>
+              </a:prstClr>
+            </a:outerShdw>
+          </a:effectLst>
+        </p:spPr>
+      </p:pic>
+    </p:spTree>
+    <p:extLst>
+      <p:ext uri="{BB962C8B-B14F-4D97-AF65-F5344CB8AC3E}">
+        <p14:creationId xmlns:p14="http://schemas.microsoft.com/office/powerpoint/2010/main" val="1390072674"/>
+      </p:ext>
+    </p:extLst>
+  </p:cSld>
+  <p:clrMapOvr>
+    <a:masterClrMapping/>
+  </p:clrMapOvr>
+</p:sld>
+</file>
+
+<file path=ppt/slides/slide25.xml><?xml version="1.0" encoding="utf-8"?>
+<p:sld xmlns:a="http://schemas.openxmlformats.org/drawingml/2006/main" xmlns:r="http://schemas.openxmlformats.org/officeDocument/2006/relationships" xmlns:p="http://schemas.openxmlformats.org/presentationml/2006/main">
+  <p:cSld>
+    <p:spTree>
+      <p:nvGrpSpPr>
+        <p:cNvPr id="1" name="">
+          <a:extLst>
+            <a:ext uri="{FF2B5EF4-FFF2-40B4-BE49-F238E27FC236}">
+              <a16:creationId xmlns:a16="http://schemas.microsoft.com/office/drawing/2014/main" id="{5255C7A3-F6D4-7272-04C6-8DA6DA5E2744}"/>
+            </a:ext>
+          </a:extLst>
+        </p:cNvPr>
+        <p:cNvGrpSpPr/>
+        <p:nvPr/>
+      </p:nvGrpSpPr>
+      <p:grpSpPr>
+        <a:xfrm>
+          <a:off x="0" y="0"/>
+          <a:ext cx="0" cy="0"/>
+          <a:chOff x="0" y="0"/>
+          <a:chExt cx="0" cy="0"/>
+        </a:xfrm>
+      </p:grpSpPr>
+      <p:sp>
+        <p:nvSpPr>
+          <p:cNvPr id="2" name="Title 1">
+            <a:extLst>
+              <a:ext uri="{FF2B5EF4-FFF2-40B4-BE49-F238E27FC236}">
+                <a16:creationId xmlns:a16="http://schemas.microsoft.com/office/drawing/2014/main" id="{B6847009-8D79-07E3-6C93-01686EDC0C87}"/>
+              </a:ext>
+            </a:extLst>
+          </p:cNvPr>
+          <p:cNvSpPr>
+            <a:spLocks noGrp="1"/>
+          </p:cNvSpPr>
+          <p:nvPr>
+            <p:ph type="title"/>
+          </p:nvPr>
+        </p:nvSpPr>
+        <p:spPr>
+          <a:xfrm>
+            <a:off x="838200" y="1140505"/>
+            <a:ext cx="10515600" cy="4576990"/>
+          </a:xfrm>
+        </p:spPr>
+        <p:txBody>
+          <a:bodyPr/>
+          <a:lstStyle/>
+          <a:p>
+            <a:pPr algn="ctr"/>
+            <a:r>
+              <a:rPr lang="en-US" b="1" dirty="0">
+                <a:solidFill>
+                  <a:srgbClr val="BF092F"/>
+                </a:solidFill>
+                <a:latin typeface="Arabic Typesetting" panose="03020402040406030203" pitchFamily="66" charset="-78"/>
+                <a:cs typeface="Arabic Typesetting" panose="03020402040406030203" pitchFamily="66" charset="-78"/>
+              </a:rPr>
+              <a:t>Data Exploration</a:t>
+            </a:r>
+            <a:br>
+              <a:rPr lang="en-US" b="1" dirty="0">
+                <a:solidFill>
+                  <a:srgbClr val="BF092F"/>
+                </a:solidFill>
+                <a:latin typeface="Arabic Typesetting" panose="03020402040406030203" pitchFamily="66" charset="-78"/>
+                <a:cs typeface="Arabic Typesetting" panose="03020402040406030203" pitchFamily="66" charset="-78"/>
+              </a:rPr>
+            </a:br>
+            <a:r>
+              <a:rPr lang="en-US" sz="6600" b="1" dirty="0">
+                <a:solidFill>
+                  <a:srgbClr val="BF092F"/>
+                </a:solidFill>
+                <a:latin typeface="Arabic Typesetting" panose="03020402040406030203" pitchFamily="66" charset="-78"/>
+                <a:cs typeface="Arabic Typesetting" panose="03020402040406030203" pitchFamily="66" charset="-78"/>
+              </a:rPr>
+              <a:t>Data Dashboard</a:t>
+            </a:r>
+            <a:endParaRPr lang="en-US" b="1" dirty="0">
+              <a:solidFill>
+                <a:srgbClr val="BF092F"/>
+              </a:solidFill>
+              <a:latin typeface="Arabic Typesetting" panose="03020402040406030203" pitchFamily="66" charset="-78"/>
+              <a:cs typeface="Arabic Typesetting" panose="03020402040406030203" pitchFamily="66" charset="-78"/>
+            </a:endParaRPr>
+          </a:p>
+        </p:txBody>
+      </p:sp>
+    </p:spTree>
+    <p:extLst>
+      <p:ext uri="{BB962C8B-B14F-4D97-AF65-F5344CB8AC3E}">
+        <p14:creationId xmlns:p14="http://schemas.microsoft.com/office/powerpoint/2010/main" val="2945812203"/>
+      </p:ext>
+    </p:extLst>
+  </p:cSld>
+  <p:clrMapOvr>
+    <a:masterClrMapping/>
+  </p:clrMapOvr>
+</p:sld>
+</file>
+
+<file path=ppt/slides/slide26.xml><?xml version="1.0" encoding="utf-8"?>
+<p:sld xmlns:a="http://schemas.openxmlformats.org/drawingml/2006/main" xmlns:r="http://schemas.openxmlformats.org/officeDocument/2006/relationships" xmlns:p="http://schemas.openxmlformats.org/presentationml/2006/main">
+  <p:cSld>
+    <p:spTree>
+      <p:nvGrpSpPr>
+        <p:cNvPr id="1" name="">
+          <a:extLst>
+            <a:ext uri="{FF2B5EF4-FFF2-40B4-BE49-F238E27FC236}">
+              <a16:creationId xmlns:a16="http://schemas.microsoft.com/office/drawing/2014/main" id="{93BEC0E5-E240-DFC5-CC03-327E77E5B2AA}"/>
+            </a:ext>
+          </a:extLst>
+        </p:cNvPr>
+        <p:cNvGrpSpPr/>
+        <p:nvPr/>
+      </p:nvGrpSpPr>
+      <p:grpSpPr>
+        <a:xfrm>
+          <a:off x="0" y="0"/>
+          <a:ext cx="0" cy="0"/>
+          <a:chOff x="0" y="0"/>
+          <a:chExt cx="0" cy="0"/>
+        </a:xfrm>
+      </p:grpSpPr>
+      <p:pic>
+        <p:nvPicPr>
+          <p:cNvPr id="3" name="Picture 2">
+            <a:extLst>
+              <a:ext uri="{FF2B5EF4-FFF2-40B4-BE49-F238E27FC236}">
+                <a16:creationId xmlns:a16="http://schemas.microsoft.com/office/drawing/2014/main" id="{2CA5F5D1-40E2-9A84-389B-B77B410DA922}"/>
+              </a:ext>
+            </a:extLst>
+          </p:cNvPr>
+          <p:cNvPicPr>
+            <a:picLocks noChangeAspect="1"/>
+          </p:cNvPicPr>
+          <p:nvPr/>
+        </p:nvPicPr>
+        <p:blipFill>
+          <a:blip r:embed="rId2"/>
+          <a:stretch>
+            <a:fillRect/>
+          </a:stretch>
+        </p:blipFill>
+        <p:spPr>
+          <a:xfrm>
+            <a:off x="523764" y="217741"/>
+            <a:ext cx="11144471" cy="6422517"/>
+          </a:xfrm>
+          <a:prstGeom prst="rect">
+            <a:avLst/>
+          </a:prstGeom>
+          <a:effectLst>
+            <a:outerShdw blurRad="50800" dist="38100" dir="2700000" algn="tl" rotWithShape="0">
+              <a:prstClr val="black">
+                <a:alpha val="40000"/>
+              </a:prstClr>
+            </a:outerShdw>
+          </a:effectLst>
+        </p:spPr>
+      </p:pic>
+    </p:spTree>
+    <p:extLst>
+      <p:ext uri="{BB962C8B-B14F-4D97-AF65-F5344CB8AC3E}">
+        <p14:creationId xmlns:p14="http://schemas.microsoft.com/office/powerpoint/2010/main" val="3837000375"/>
+      </p:ext>
+    </p:extLst>
+  </p:cSld>
+  <p:clrMapOvr>
+    <a:masterClrMapping/>
+  </p:clrMapOvr>
+</p:sld>
+</file>
+
+<file path=ppt/slides/slide27.xml><?xml version="1.0" encoding="utf-8"?>
+<p:sld xmlns:a="http://schemas.openxmlformats.org/drawingml/2006/main" xmlns:r="http://schemas.openxmlformats.org/officeDocument/2006/relationships" xmlns:p="http://schemas.openxmlformats.org/presentationml/2006/main">
+  <p:cSld>
+    <p:spTree>
+      <p:nvGrpSpPr>
+        <p:cNvPr id="1" name="">
+          <a:extLst>
+            <a:ext uri="{FF2B5EF4-FFF2-40B4-BE49-F238E27FC236}">
+              <a16:creationId xmlns:a16="http://schemas.microsoft.com/office/drawing/2014/main" id="{FE074B12-ED23-E77B-0F52-2D914056D561}"/>
+            </a:ext>
+          </a:extLst>
+        </p:cNvPr>
+        <p:cNvGrpSpPr/>
+        <p:nvPr/>
+      </p:nvGrpSpPr>
+      <p:grpSpPr>
+        <a:xfrm>
+          <a:off x="0" y="0"/>
+          <a:ext cx="0" cy="0"/>
+          <a:chOff x="0" y="0"/>
+          <a:chExt cx="0" cy="0"/>
+        </a:xfrm>
+      </p:grpSpPr>
+      <p:sp>
+        <p:nvSpPr>
+          <p:cNvPr id="2" name="Title 1">
+            <a:extLst>
+              <a:ext uri="{FF2B5EF4-FFF2-40B4-BE49-F238E27FC236}">
+                <a16:creationId xmlns:a16="http://schemas.microsoft.com/office/drawing/2014/main" id="{7D22C8BD-2873-2DB3-D481-31F16D68A4EE}"/>
+              </a:ext>
+            </a:extLst>
+          </p:cNvPr>
+          <p:cNvSpPr>
+            <a:spLocks noGrp="1"/>
+          </p:cNvSpPr>
+          <p:nvPr>
+            <p:ph type="title"/>
+          </p:nvPr>
+        </p:nvSpPr>
+        <p:spPr/>
+        <p:txBody>
+          <a:bodyPr>
+            <a:normAutofit/>
+          </a:bodyPr>
+          <a:lstStyle/>
+          <a:p>
+            <a:r>
+              <a:rPr lang="en-US" sz="6000" b="1" dirty="0">
+                <a:solidFill>
+                  <a:srgbClr val="BF092F"/>
+                </a:solidFill>
+                <a:latin typeface="Arabic Typesetting" panose="03020402040406030203" pitchFamily="66" charset="-78"/>
+                <a:cs typeface="Arabic Typesetting" panose="03020402040406030203" pitchFamily="66" charset="-78"/>
+              </a:rPr>
+              <a:t>Summary</a:t>
+            </a:r>
+          </a:p>
+        </p:txBody>
+      </p:sp>
+      <p:sp>
+        <p:nvSpPr>
+          <p:cNvPr id="4" name="Content Placeholder 2">
+            <a:extLst>
+              <a:ext uri="{FF2B5EF4-FFF2-40B4-BE49-F238E27FC236}">
+                <a16:creationId xmlns:a16="http://schemas.microsoft.com/office/drawing/2014/main" id="{44F00103-C88A-2DC5-E2DF-1751A895F975}"/>
+              </a:ext>
+            </a:extLst>
+          </p:cNvPr>
+          <p:cNvSpPr>
+            <a:spLocks noGrp="1"/>
+          </p:cNvSpPr>
+          <p:nvPr>
+            <p:ph idx="1"/>
+          </p:nvPr>
+        </p:nvSpPr>
+        <p:spPr>
+          <a:xfrm>
+            <a:off x="838200" y="1404257"/>
+            <a:ext cx="10515600" cy="5246914"/>
+          </a:xfrm>
+        </p:spPr>
+        <p:txBody>
+          <a:bodyPr>
+            <a:normAutofit/>
+          </a:bodyPr>
+          <a:lstStyle/>
+          <a:p>
+            <a:pPr algn="just">
+              <a:buClr>
+                <a:srgbClr val="BF092F"/>
+              </a:buClr>
+              <a:buSzPct val="70000"/>
+            </a:pPr>
+            <a:r>
+              <a:rPr lang="en-US" sz="3600" dirty="0">
+                <a:latin typeface="Arabic Typesetting" panose="03020402040406030203" pitchFamily="66" charset="-78"/>
+                <a:cs typeface="Arabic Typesetting" panose="03020402040406030203" pitchFamily="66" charset="-78"/>
+              </a:rPr>
+              <a:t> </a:t>
+            </a:r>
+            <a:r>
+              <a:rPr lang="en-US" sz="3600" b="1" dirty="0">
+                <a:solidFill>
+                  <a:srgbClr val="BF092F"/>
+                </a:solidFill>
+                <a:latin typeface="Arabic Typesetting" panose="03020402040406030203" pitchFamily="66" charset="-78"/>
+                <a:cs typeface="Arabic Typesetting" panose="03020402040406030203" pitchFamily="66" charset="-78"/>
+              </a:rPr>
+              <a:t>Monday and Tuesday </a:t>
+            </a:r>
+            <a:r>
+              <a:rPr lang="en-US" sz="3600" dirty="0">
+                <a:latin typeface="Arabic Typesetting" panose="03020402040406030203" pitchFamily="66" charset="-78"/>
+                <a:cs typeface="Arabic Typesetting" panose="03020402040406030203" pitchFamily="66" charset="-78"/>
+              </a:rPr>
+              <a:t>share the biggest sales of the week</a:t>
+            </a:r>
+          </a:p>
+          <a:p>
+            <a:pPr algn="just">
+              <a:buClr>
+                <a:srgbClr val="BF092F"/>
+              </a:buClr>
+              <a:buSzPct val="70000"/>
+            </a:pPr>
+            <a:r>
+              <a:rPr lang="en-US" sz="3600" dirty="0">
+                <a:latin typeface="Arabic Typesetting" panose="03020402040406030203" pitchFamily="66" charset="-78"/>
+                <a:cs typeface="Arabic Typesetting" panose="03020402040406030203" pitchFamily="66" charset="-78"/>
+              </a:rPr>
+              <a:t> </a:t>
+            </a:r>
+            <a:r>
+              <a:rPr lang="en-US" sz="3600" b="1" dirty="0">
+                <a:solidFill>
+                  <a:srgbClr val="BF092F"/>
+                </a:solidFill>
+                <a:latin typeface="Arabic Typesetting" panose="03020402040406030203" pitchFamily="66" charset="-78"/>
+                <a:cs typeface="Arabic Typesetting" panose="03020402040406030203" pitchFamily="66" charset="-78"/>
+              </a:rPr>
+              <a:t>Females </a:t>
+            </a:r>
+            <a:r>
+              <a:rPr lang="en-US" sz="3600" dirty="0">
+                <a:latin typeface="Arabic Typesetting" panose="03020402040406030203" pitchFamily="66" charset="-78"/>
+                <a:cs typeface="Arabic Typesetting" panose="03020402040406030203" pitchFamily="66" charset="-78"/>
+              </a:rPr>
+              <a:t>contributed most of the sales, even though there isn’t a big difference from males.</a:t>
+            </a:r>
+          </a:p>
+          <a:p>
+            <a:pPr algn="just">
+              <a:buClr>
+                <a:srgbClr val="BF092F"/>
+              </a:buClr>
+              <a:buSzPct val="70000"/>
+            </a:pPr>
+            <a:r>
+              <a:rPr lang="en-US" sz="3600" dirty="0">
+                <a:latin typeface="Arabic Typesetting" panose="03020402040406030203" pitchFamily="66" charset="-78"/>
+                <a:cs typeface="Arabic Typesetting" panose="03020402040406030203" pitchFamily="66" charset="-78"/>
+              </a:rPr>
+              <a:t> </a:t>
+            </a:r>
+            <a:r>
+              <a:rPr lang="en-US" sz="3600" b="1" dirty="0">
+                <a:solidFill>
+                  <a:srgbClr val="BF092F"/>
+                </a:solidFill>
+                <a:latin typeface="Arabic Typesetting" panose="03020402040406030203" pitchFamily="66" charset="-78"/>
+                <a:cs typeface="Arabic Typesetting" panose="03020402040406030203" pitchFamily="66" charset="-78"/>
+              </a:rPr>
+              <a:t>Q4</a:t>
+            </a:r>
+            <a:r>
+              <a:rPr lang="en-US" sz="3600" dirty="0">
+                <a:latin typeface="Arabic Typesetting" panose="03020402040406030203" pitchFamily="66" charset="-78"/>
+                <a:cs typeface="Arabic Typesetting" panose="03020402040406030203" pitchFamily="66" charset="-78"/>
+              </a:rPr>
+              <a:t> shares the biggest sales of the year</a:t>
+            </a:r>
+          </a:p>
+          <a:p>
+            <a:pPr algn="just">
+              <a:buClr>
+                <a:srgbClr val="BF092F"/>
+              </a:buClr>
+              <a:buSzPct val="70000"/>
+            </a:pPr>
+            <a:r>
+              <a:rPr lang="en-US" sz="3600" dirty="0">
+                <a:latin typeface="Arabic Typesetting" panose="03020402040406030203" pitchFamily="66" charset="-78"/>
+                <a:cs typeface="Arabic Typesetting" panose="03020402040406030203" pitchFamily="66" charset="-78"/>
+              </a:rPr>
+              <a:t> </a:t>
+            </a:r>
+            <a:r>
+              <a:rPr lang="en-US" sz="3600" b="1" dirty="0">
+                <a:solidFill>
+                  <a:srgbClr val="BF092F"/>
+                </a:solidFill>
+                <a:latin typeface="Arabic Typesetting" panose="03020402040406030203" pitchFamily="66" charset="-78"/>
+                <a:cs typeface="Arabic Typesetting" panose="03020402040406030203" pitchFamily="66" charset="-78"/>
+              </a:rPr>
+              <a:t>Adults (35 -54 years old) </a:t>
+            </a:r>
+            <a:r>
+              <a:rPr lang="en-US" sz="3600" dirty="0">
+                <a:latin typeface="Arabic Typesetting" panose="03020402040406030203" pitchFamily="66" charset="-78"/>
+                <a:cs typeface="Arabic Typesetting" panose="03020402040406030203" pitchFamily="66" charset="-78"/>
+              </a:rPr>
+              <a:t>share the biggest sales, and </a:t>
+            </a:r>
+            <a:r>
+              <a:rPr lang="en-US" sz="3600" b="1" dirty="0">
+                <a:solidFill>
+                  <a:srgbClr val="BF092F"/>
+                </a:solidFill>
+                <a:latin typeface="Arabic Typesetting" panose="03020402040406030203" pitchFamily="66" charset="-78"/>
+                <a:cs typeface="Arabic Typesetting" panose="03020402040406030203" pitchFamily="66" charset="-78"/>
+              </a:rPr>
+              <a:t>electronics </a:t>
+            </a:r>
+            <a:r>
+              <a:rPr lang="en-US" sz="3600" dirty="0">
+                <a:latin typeface="Arabic Typesetting" panose="03020402040406030203" pitchFamily="66" charset="-78"/>
+                <a:cs typeface="Arabic Typesetting" panose="03020402040406030203" pitchFamily="66" charset="-78"/>
+              </a:rPr>
+              <a:t>are the most popular for adults</a:t>
+            </a:r>
+          </a:p>
+          <a:p>
+            <a:pPr algn="just">
+              <a:buClr>
+                <a:srgbClr val="BF092F"/>
+              </a:buClr>
+              <a:buSzPct val="70000"/>
+            </a:pPr>
+            <a:r>
+              <a:rPr lang="en-US" sz="3600" dirty="0">
+                <a:latin typeface="Arabic Typesetting" panose="03020402040406030203" pitchFamily="66" charset="-78"/>
+                <a:cs typeface="Arabic Typesetting" panose="03020402040406030203" pitchFamily="66" charset="-78"/>
+              </a:rPr>
+              <a:t> </a:t>
+            </a:r>
+            <a:r>
+              <a:rPr lang="en-US" sz="3600" b="1" dirty="0">
+                <a:solidFill>
+                  <a:srgbClr val="BF092F"/>
+                </a:solidFill>
+                <a:latin typeface="Arabic Typesetting" panose="03020402040406030203" pitchFamily="66" charset="-78"/>
+                <a:cs typeface="Arabic Typesetting" panose="03020402040406030203" pitchFamily="66" charset="-78"/>
+              </a:rPr>
+              <a:t>Electronics</a:t>
+            </a:r>
+            <a:r>
+              <a:rPr lang="en-US" sz="3600" dirty="0">
+                <a:latin typeface="Arabic Typesetting" panose="03020402040406030203" pitchFamily="66" charset="-78"/>
+                <a:cs typeface="Arabic Typesetting" panose="03020402040406030203" pitchFamily="66" charset="-78"/>
+              </a:rPr>
+              <a:t> share the biggest sales</a:t>
+            </a:r>
+          </a:p>
+          <a:p>
+            <a:pPr algn="just">
+              <a:buClr>
+                <a:srgbClr val="BF092F"/>
+              </a:buClr>
+              <a:buSzPct val="70000"/>
+            </a:pPr>
+            <a:r>
+              <a:rPr lang="en-US" sz="3600" dirty="0">
+                <a:latin typeface="Arabic Typesetting" panose="03020402040406030203" pitchFamily="66" charset="-78"/>
+                <a:cs typeface="Arabic Typesetting" panose="03020402040406030203" pitchFamily="66" charset="-78"/>
+              </a:rPr>
+              <a:t> </a:t>
+            </a:r>
+            <a:r>
+              <a:rPr lang="en-US" sz="3600" b="1" dirty="0">
+                <a:solidFill>
+                  <a:srgbClr val="BF092F"/>
+                </a:solidFill>
+                <a:latin typeface="Arabic Typesetting" panose="03020402040406030203" pitchFamily="66" charset="-78"/>
+                <a:cs typeface="Arabic Typesetting" panose="03020402040406030203" pitchFamily="66" charset="-78"/>
+              </a:rPr>
+              <a:t>May 2023 </a:t>
+            </a:r>
+            <a:r>
+              <a:rPr lang="en-US" sz="3600" dirty="0">
+                <a:latin typeface="Arabic Typesetting" panose="03020402040406030203" pitchFamily="66" charset="-78"/>
+                <a:cs typeface="Arabic Typesetting" panose="03020402040406030203" pitchFamily="66" charset="-78"/>
+              </a:rPr>
+              <a:t>is the highest sales of the month, and </a:t>
+            </a:r>
+            <a:r>
+              <a:rPr lang="en-US" sz="3600" b="1" dirty="0">
+                <a:solidFill>
+                  <a:srgbClr val="BF092F"/>
+                </a:solidFill>
+                <a:latin typeface="Arabic Typesetting" panose="03020402040406030203" pitchFamily="66" charset="-78"/>
+                <a:cs typeface="Arabic Typesetting" panose="03020402040406030203" pitchFamily="66" charset="-78"/>
+              </a:rPr>
+              <a:t>September 2023 </a:t>
+            </a:r>
+            <a:r>
+              <a:rPr lang="en-US" sz="3600" dirty="0">
+                <a:latin typeface="Arabic Typesetting" panose="03020402040406030203" pitchFamily="66" charset="-78"/>
+                <a:cs typeface="Arabic Typesetting" panose="03020402040406030203" pitchFamily="66" charset="-78"/>
+              </a:rPr>
+              <a:t>is the lowest sales of the month</a:t>
+            </a:r>
+          </a:p>
+        </p:txBody>
+      </p:sp>
+    </p:spTree>
+    <p:extLst>
+      <p:ext uri="{BB962C8B-B14F-4D97-AF65-F5344CB8AC3E}">
+        <p14:creationId xmlns:p14="http://schemas.microsoft.com/office/powerpoint/2010/main" val="4217526943"/>
+      </p:ext>
+    </p:extLst>
+  </p:cSld>
+  <p:clrMapOvr>
+    <a:masterClrMapping/>
+  </p:clrMapOvr>
+</p:sld>
+</file>
+
+<file path=ppt/slides/slide28.xml><?xml version="1.0" encoding="utf-8"?>
+<p:sld xmlns:a="http://schemas.openxmlformats.org/drawingml/2006/main" xmlns:r="http://schemas.openxmlformats.org/officeDocument/2006/relationships" xmlns:p="http://schemas.openxmlformats.org/presentationml/2006/main">
+  <p:cSld>
+    <p:spTree>
+      <p:nvGrpSpPr>
+        <p:cNvPr id="1" name="">
+          <a:extLst>
+            <a:ext uri="{FF2B5EF4-FFF2-40B4-BE49-F238E27FC236}">
+              <a16:creationId xmlns:a16="http://schemas.microsoft.com/office/drawing/2014/main" id="{3DC1C0A3-9314-BB20-0330-35FD64156B8D}"/>
+            </a:ext>
+          </a:extLst>
+        </p:cNvPr>
+        <p:cNvGrpSpPr/>
+        <p:nvPr/>
+      </p:nvGrpSpPr>
+      <p:grpSpPr>
+        <a:xfrm>
+          <a:off x="0" y="0"/>
+          <a:ext cx="0" cy="0"/>
+          <a:chOff x="0" y="0"/>
+          <a:chExt cx="0" cy="0"/>
+        </a:xfrm>
+      </p:grpSpPr>
+      <p:sp>
+        <p:nvSpPr>
+          <p:cNvPr id="2" name="Title 1">
+            <a:extLst>
+              <a:ext uri="{FF2B5EF4-FFF2-40B4-BE49-F238E27FC236}">
+                <a16:creationId xmlns:a16="http://schemas.microsoft.com/office/drawing/2014/main" id="{0A21C7E4-D666-19BE-3201-3CB6BB8B15DA}"/>
+              </a:ext>
+            </a:extLst>
+          </p:cNvPr>
+          <p:cNvSpPr>
+            <a:spLocks noGrp="1"/>
+          </p:cNvSpPr>
+          <p:nvPr>
+            <p:ph type="ctrTitle"/>
+          </p:nvPr>
+        </p:nvSpPr>
+        <p:spPr>
+          <a:xfrm>
+            <a:off x="0" y="642258"/>
+            <a:ext cx="12192000" cy="6215742"/>
+          </a:xfrm>
+        </p:spPr>
+        <p:txBody>
+          <a:bodyPr anchor="ctr">
+            <a:noAutofit/>
+          </a:bodyPr>
+          <a:lstStyle/>
+          <a:p>
+            <a:r>
+              <a:rPr lang="en-US" sz="12400" b="1" dirty="0">
+                <a:solidFill>
+                  <a:srgbClr val="BF092F"/>
+                </a:solidFill>
+                <a:latin typeface="Arabic Typesetting" panose="03020402040406030203" pitchFamily="66" charset="-78"/>
+                <a:cs typeface="Arabic Typesetting" panose="03020402040406030203" pitchFamily="66" charset="-78"/>
+              </a:rPr>
+              <a:t>Thank You</a:t>
+            </a:r>
+          </a:p>
+        </p:txBody>
+      </p:sp>
+      <p:cxnSp>
+        <p:nvCxnSpPr>
+          <p:cNvPr id="42" name="Straight Connector 41">
+            <a:extLst>
+              <a:ext uri="{FF2B5EF4-FFF2-40B4-BE49-F238E27FC236}">
+                <a16:creationId xmlns:a16="http://schemas.microsoft.com/office/drawing/2014/main" id="{58E57A00-FDF0-9DEF-6363-873E94A65136}"/>
+              </a:ext>
+            </a:extLst>
+          </p:cNvPr>
+          <p:cNvCxnSpPr>
+            <a:cxnSpLocks/>
+          </p:cNvCxnSpPr>
+          <p:nvPr/>
+        </p:nvCxnSpPr>
+        <p:spPr>
+          <a:xfrm>
+            <a:off x="1785257" y="1774370"/>
+            <a:ext cx="8621486" cy="0"/>
+          </a:xfrm>
+          <a:prstGeom prst="line">
+            <a:avLst/>
+          </a:prstGeom>
+          <a:ln w="76200">
+            <a:solidFill>
+              <a:schemeClr val="tx1">
+                <a:lumMod val="50000"/>
+                <a:lumOff val="50000"/>
+              </a:schemeClr>
+            </a:solidFill>
+          </a:ln>
+        </p:spPr>
+        <p:style>
+          <a:lnRef idx="1">
+            <a:schemeClr val="accent1"/>
+          </a:lnRef>
+          <a:fillRef idx="0">
+            <a:schemeClr val="accent1"/>
+          </a:fillRef>
+          <a:effectRef idx="0">
+            <a:schemeClr val="accent1"/>
+          </a:effectRef>
+          <a:fontRef idx="minor">
+            <a:schemeClr val="tx1"/>
+          </a:fontRef>
+        </p:style>
+      </p:cxnSp>
+      <p:cxnSp>
+        <p:nvCxnSpPr>
+          <p:cNvPr id="51" name="Straight Connector 50">
+            <a:extLst>
+              <a:ext uri="{FF2B5EF4-FFF2-40B4-BE49-F238E27FC236}">
+                <a16:creationId xmlns:a16="http://schemas.microsoft.com/office/drawing/2014/main" id="{2B1C15A1-CCA4-9432-2672-63303DF14289}"/>
+              </a:ext>
+            </a:extLst>
+          </p:cNvPr>
+          <p:cNvCxnSpPr>
+            <a:cxnSpLocks/>
+          </p:cNvCxnSpPr>
+          <p:nvPr/>
+        </p:nvCxnSpPr>
+        <p:spPr>
+          <a:xfrm>
+            <a:off x="1785257" y="5214256"/>
+            <a:ext cx="8621486" cy="0"/>
+          </a:xfrm>
+          <a:prstGeom prst="line">
+            <a:avLst/>
+          </a:prstGeom>
+          <a:ln w="76200">
+            <a:solidFill>
+              <a:schemeClr val="tx1">
+                <a:lumMod val="50000"/>
+                <a:lumOff val="50000"/>
+              </a:schemeClr>
+            </a:solidFill>
+          </a:ln>
+        </p:spPr>
+        <p:style>
+          <a:lnRef idx="1">
+            <a:schemeClr val="accent1"/>
+          </a:lnRef>
+          <a:fillRef idx="0">
+            <a:schemeClr val="accent1"/>
+          </a:fillRef>
+          <a:effectRef idx="0">
+            <a:schemeClr val="accent1"/>
+          </a:effectRef>
+          <a:fontRef idx="minor">
+            <a:schemeClr val="tx1"/>
+          </a:fontRef>
+        </p:style>
+      </p:cxnSp>
+    </p:spTree>
+    <p:extLst>
+      <p:ext uri="{BB962C8B-B14F-4D97-AF65-F5344CB8AC3E}">
+        <p14:creationId xmlns:p14="http://schemas.microsoft.com/office/powerpoint/2010/main" val="1140468923"/>
+      </p:ext>
+    </p:extLst>
+  </p:cSld>
+  <p:clrMapOvr>
+    <a:masterClrMapping/>
+  </p:clrMapOvr>
+</p:sld>
+</file>
+
 <file path=ppt/slides/slide3.xml><?xml version="1.0" encoding="utf-8"?>
+<p:sld xmlns:a="http://schemas.openxmlformats.org/drawingml/2006/main" xmlns:r="http://schemas.openxmlformats.org/officeDocument/2006/relationships" xmlns:p="http://schemas.openxmlformats.org/presentationml/2006/main">
+  <p:cSld>
+    <p:spTree>
+      <p:nvGrpSpPr>
+        <p:cNvPr id="1" name="">
+          <a:extLst>
+            <a:ext uri="{FF2B5EF4-FFF2-40B4-BE49-F238E27FC236}">
+              <a16:creationId xmlns:a16="http://schemas.microsoft.com/office/drawing/2014/main" id="{91BBE064-3FF2-0C26-08C2-73D94381EE82}"/>
+            </a:ext>
+          </a:extLst>
+        </p:cNvPr>
+        <p:cNvGrpSpPr/>
+        <p:nvPr/>
+      </p:nvGrpSpPr>
+      <p:grpSpPr>
+        <a:xfrm>
+          <a:off x="0" y="0"/>
+          <a:ext cx="0" cy="0"/>
+          <a:chOff x="0" y="0"/>
+          <a:chExt cx="0" cy="0"/>
+        </a:xfrm>
+      </p:grpSpPr>
+      <p:sp>
+        <p:nvSpPr>
+          <p:cNvPr id="2" name="Title 1">
+            <a:extLst>
+              <a:ext uri="{FF2B5EF4-FFF2-40B4-BE49-F238E27FC236}">
+                <a16:creationId xmlns:a16="http://schemas.microsoft.com/office/drawing/2014/main" id="{355287A1-1801-0F97-22C4-211861093CFC}"/>
+              </a:ext>
+            </a:extLst>
+          </p:cNvPr>
+          <p:cNvSpPr>
+            <a:spLocks noGrp="1"/>
+          </p:cNvSpPr>
+          <p:nvPr>
+            <p:ph type="title"/>
+          </p:nvPr>
+        </p:nvSpPr>
+        <p:spPr/>
+        <p:txBody>
+          <a:bodyPr>
+            <a:normAutofit/>
+          </a:bodyPr>
+          <a:lstStyle/>
+          <a:p>
+            <a:r>
+              <a:rPr lang="en-US" sz="6000" b="1" dirty="0">
+                <a:solidFill>
+                  <a:srgbClr val="BF092F"/>
+                </a:solidFill>
+                <a:latin typeface="Arabic Typesetting" panose="03020402040406030203" pitchFamily="66" charset="-78"/>
+                <a:cs typeface="Arabic Typesetting" panose="03020402040406030203" pitchFamily="66" charset="-78"/>
+              </a:rPr>
+              <a:t>Analysis Background (2)</a:t>
+            </a:r>
+          </a:p>
+        </p:txBody>
+      </p:sp>
+      <p:sp>
+        <p:nvSpPr>
+          <p:cNvPr id="4" name="Content Placeholder 2">
+            <a:extLst>
+              <a:ext uri="{FF2B5EF4-FFF2-40B4-BE49-F238E27FC236}">
+                <a16:creationId xmlns:a16="http://schemas.microsoft.com/office/drawing/2014/main" id="{E8FB198B-13A9-3810-2891-23AD50879BBC}"/>
+              </a:ext>
+            </a:extLst>
+          </p:cNvPr>
+          <p:cNvSpPr>
+            <a:spLocks noGrp="1"/>
+          </p:cNvSpPr>
+          <p:nvPr>
+            <p:ph idx="1"/>
+          </p:nvPr>
+        </p:nvSpPr>
+        <p:spPr>
+          <a:xfrm>
+            <a:off x="838200" y="1404257"/>
+            <a:ext cx="10515600" cy="5246914"/>
+          </a:xfrm>
+        </p:spPr>
+        <p:txBody>
+          <a:bodyPr>
+            <a:normAutofit/>
+          </a:bodyPr>
+          <a:lstStyle/>
+          <a:p>
+            <a:pPr marL="0" indent="0">
+              <a:buNone/>
+            </a:pPr>
+            <a:r>
+              <a:rPr lang="en-US" sz="3600" b="1" dirty="0">
+                <a:solidFill>
+                  <a:srgbClr val="BF092F"/>
+                </a:solidFill>
+                <a:latin typeface="Arabic Typesetting" panose="03020402040406030203" pitchFamily="66" charset="-78"/>
+                <a:cs typeface="Arabic Typesetting" panose="03020402040406030203" pitchFamily="66" charset="-78"/>
+              </a:rPr>
+              <a:t>Object and Research Questions </a:t>
+            </a:r>
+          </a:p>
+          <a:p>
+            <a:pPr>
+              <a:buSzPct val="70000"/>
+            </a:pPr>
+            <a:r>
+              <a:rPr lang="en-US" sz="3600" b="1" dirty="0">
+                <a:solidFill>
+                  <a:srgbClr val="BF092F"/>
+                </a:solidFill>
+                <a:latin typeface="Arabic Typesetting" panose="03020402040406030203" pitchFamily="66" charset="-78"/>
+                <a:cs typeface="Arabic Typesetting" panose="03020402040406030203" pitchFamily="66" charset="-78"/>
+              </a:rPr>
+              <a:t> </a:t>
+            </a:r>
+            <a:r>
+              <a:rPr lang="en-US" sz="3600" dirty="0">
+                <a:latin typeface="Arabic Typesetting" panose="03020402040406030203" pitchFamily="66" charset="-78"/>
+                <a:cs typeface="Arabic Typesetting" panose="03020402040406030203" pitchFamily="66" charset="-78"/>
+              </a:rPr>
+              <a:t>How is the sales pattern based on the days?</a:t>
+            </a:r>
+          </a:p>
+          <a:p>
+            <a:pPr>
+              <a:buSzPct val="70000"/>
+            </a:pPr>
+            <a:r>
+              <a:rPr lang="en-US" sz="3600" b="1" dirty="0">
+                <a:solidFill>
+                  <a:srgbClr val="BF092F"/>
+                </a:solidFill>
+                <a:latin typeface="Arabic Typesetting" panose="03020402040406030203" pitchFamily="66" charset="-78"/>
+                <a:cs typeface="Arabic Typesetting" panose="03020402040406030203" pitchFamily="66" charset="-78"/>
+              </a:rPr>
+              <a:t> </a:t>
+            </a:r>
+            <a:r>
+              <a:rPr lang="en-US" sz="3600" dirty="0">
+                <a:latin typeface="Arabic Typesetting" panose="03020402040406030203" pitchFamily="66" charset="-78"/>
+                <a:cs typeface="Arabic Typesetting" panose="03020402040406030203" pitchFamily="66" charset="-78"/>
+              </a:rPr>
+              <a:t>Which gender has the biggest sales?</a:t>
+            </a:r>
+          </a:p>
+          <a:p>
+            <a:pPr>
+              <a:buSzPct val="70000"/>
+            </a:pPr>
+            <a:r>
+              <a:rPr lang="en-US" sz="3600" b="1" dirty="0">
+                <a:solidFill>
+                  <a:srgbClr val="BF092F"/>
+                </a:solidFill>
+                <a:latin typeface="Arabic Typesetting" panose="03020402040406030203" pitchFamily="66" charset="-78"/>
+                <a:cs typeface="Arabic Typesetting" panose="03020402040406030203" pitchFamily="66" charset="-78"/>
+              </a:rPr>
+              <a:t> </a:t>
+            </a:r>
+            <a:r>
+              <a:rPr lang="en-US" sz="3600" dirty="0">
+                <a:latin typeface="Arabic Typesetting" panose="03020402040406030203" pitchFamily="66" charset="-78"/>
+                <a:cs typeface="Arabic Typesetting" panose="03020402040406030203" pitchFamily="66" charset="-78"/>
+              </a:rPr>
+              <a:t>Which quarter has the biggest sales?</a:t>
+            </a:r>
+          </a:p>
+          <a:p>
+            <a:pPr>
+              <a:buSzPct val="70000"/>
+            </a:pPr>
+            <a:r>
+              <a:rPr lang="en-US" sz="3600" b="1" dirty="0">
+                <a:solidFill>
+                  <a:srgbClr val="BF092F"/>
+                </a:solidFill>
+                <a:latin typeface="Arabic Typesetting" panose="03020402040406030203" pitchFamily="66" charset="-78"/>
+                <a:cs typeface="Arabic Typesetting" panose="03020402040406030203" pitchFamily="66" charset="-78"/>
+              </a:rPr>
+              <a:t> </a:t>
+            </a:r>
+            <a:r>
+              <a:rPr lang="en-US" sz="3600" dirty="0">
+                <a:latin typeface="Arabic Typesetting" panose="03020402040406030203" pitchFamily="66" charset="-78"/>
+                <a:cs typeface="Arabic Typesetting" panose="03020402040406030203" pitchFamily="66" charset="-78"/>
+              </a:rPr>
+              <a:t>Which generation has the biggest sales, and what product categories do they spend the most on?</a:t>
+            </a:r>
+          </a:p>
+          <a:p>
+            <a:pPr>
+              <a:buClr>
+                <a:srgbClr val="BF092F"/>
+              </a:buClr>
+              <a:buSzPct val="70000"/>
+            </a:pPr>
+            <a:r>
+              <a:rPr lang="en-US" sz="3600" dirty="0">
+                <a:latin typeface="Arabic Typesetting" panose="03020402040406030203" pitchFamily="66" charset="-78"/>
+                <a:cs typeface="Arabic Typesetting" panose="03020402040406030203" pitchFamily="66" charset="-78"/>
+              </a:rPr>
+              <a:t> Which product category has the biggest sales?</a:t>
+            </a:r>
+          </a:p>
+          <a:p>
+            <a:pPr>
+              <a:buClr>
+                <a:srgbClr val="BF092F"/>
+              </a:buClr>
+              <a:buSzPct val="70000"/>
+            </a:pPr>
+            <a:r>
+              <a:rPr lang="en-US" sz="3600" dirty="0">
+                <a:latin typeface="Arabic Typesetting" panose="03020402040406030203" pitchFamily="66" charset="-78"/>
+                <a:cs typeface="Arabic Typesetting" panose="03020402040406030203" pitchFamily="66" charset="-78"/>
+              </a:rPr>
+              <a:t> How is the sales growth?</a:t>
+            </a:r>
+          </a:p>
+        </p:txBody>
+      </p:sp>
+    </p:spTree>
+    <p:extLst>
+      <p:ext uri="{BB962C8B-B14F-4D97-AF65-F5344CB8AC3E}">
+        <p14:creationId xmlns:p14="http://schemas.microsoft.com/office/powerpoint/2010/main" val="2524469813"/>
+      </p:ext>
+    </p:extLst>
+  </p:cSld>
+  <p:clrMapOvr>
+    <a:masterClrMapping/>
+  </p:clrMapOvr>
+</p:sld>
+</file>
+
+<file path=ppt/slides/slide4.xml><?xml version="1.0" encoding="utf-8"?>
 <p:sld xmlns:a="http://schemas.openxmlformats.org/drawingml/2006/main" xmlns:r="http://schemas.openxmlformats.org/officeDocument/2006/relationships" xmlns:p="http://schemas.openxmlformats.org/presentationml/2006/main">
   <p:cSld>
     <p:spTree>
@@ -5074,10 +9265,19 @@
               <a:t>The dataset is from </a:t>
             </a:r>
             <a:r>
-              <a:rPr lang="en-US" sz="3600" dirty="0">
-                <a:latin typeface="Arabic Typesetting" panose="03020402040406030203" pitchFamily="66" charset="-78"/>
-                <a:cs typeface="Arabic Typesetting" panose="03020402040406030203" pitchFamily="66" charset="-78"/>
-                <a:hlinkClick r:id="rId2"/>
+              <a:rPr lang="en-US" sz="3600" b="1" dirty="0">
+                <a:solidFill>
+                  <a:srgbClr val="BF092F"/>
+                </a:solidFill>
+                <a:latin typeface="Arabic Typesetting" panose="03020402040406030203" pitchFamily="66" charset="-78"/>
+                <a:cs typeface="Arabic Typesetting" panose="03020402040406030203" pitchFamily="66" charset="-78"/>
+                <a:hlinkClick r:id="rId2">
+                  <a:extLst>
+                    <a:ext uri="{A12FA001-AC4F-418D-AE19-62706E023703}">
+                      <ahyp:hlinkClr xmlns:ahyp="http://schemas.microsoft.com/office/drawing/2018/hyperlinkcolor" val="tx"/>
+                    </a:ext>
+                  </a:extLst>
+                </a:hlinkClick>
               </a:rPr>
               <a:t>Kaggle.com</a:t>
             </a:r>
@@ -5110,7 +9310,7 @@
                 <a:latin typeface="Arabic Typesetting" panose="03020402040406030203" pitchFamily="66" charset="-78"/>
                 <a:cs typeface="Arabic Typesetting" panose="03020402040406030203" pitchFamily="66" charset="-78"/>
               </a:rPr>
-              <a:t> Unnamed: 0	= Auto index </a:t>
+              <a:t> Unnamed: 0		= Auto index </a:t>
             </a:r>
           </a:p>
           <a:p>
@@ -5122,7 +9322,7 @@
                 <a:latin typeface="Arabic Typesetting" panose="03020402040406030203" pitchFamily="66" charset="-78"/>
                 <a:cs typeface="Arabic Typesetting" panose="03020402040406030203" pitchFamily="66" charset="-78"/>
               </a:rPr>
-              <a:t> Date		= The date the transaction occurred</a:t>
+              <a:t> Date			= The date the transaction occurred</a:t>
             </a:r>
           </a:p>
           <a:p>
@@ -5182,7 +9382,7 @@
                 <a:latin typeface="Arabic Typesetting" panose="03020402040406030203" pitchFamily="66" charset="-78"/>
                 <a:cs typeface="Arabic Typesetting" panose="03020402040406030203" pitchFamily="66" charset="-78"/>
               </a:rPr>
-              <a:t> Price per unit	= Price of the single products</a:t>
+              <a:t> Price per unit		= Price of the single products</a:t>
             </a:r>
           </a:p>
           <a:p>
@@ -5207,7 +9407,34 @@
                 <a:latin typeface="Arabic Typesetting" panose="03020402040406030203" pitchFamily="66" charset="-78"/>
                 <a:cs typeface="Arabic Typesetting" panose="03020402040406030203" pitchFamily="66" charset="-78"/>
               </a:rPr>
-              <a:t>There are 1000 rows and 8 columns</a:t>
+              <a:t>There are </a:t>
+            </a:r>
+            <a:r>
+              <a:rPr lang="en-US" sz="3600" b="1" dirty="0">
+                <a:solidFill>
+                  <a:srgbClr val="BF092F"/>
+                </a:solidFill>
+                <a:latin typeface="Arabic Typesetting" panose="03020402040406030203" pitchFamily="66" charset="-78"/>
+                <a:cs typeface="Arabic Typesetting" panose="03020402040406030203" pitchFamily="66" charset="-78"/>
+              </a:rPr>
+              <a:t>1000 rows </a:t>
+            </a:r>
+            <a:r>
+              <a:rPr lang="en-US" sz="3600" dirty="0">
+                <a:latin typeface="Arabic Typesetting" panose="03020402040406030203" pitchFamily="66" charset="-78"/>
+                <a:cs typeface="Arabic Typesetting" panose="03020402040406030203" pitchFamily="66" charset="-78"/>
+              </a:rPr>
+              <a:t>and </a:t>
+            </a:r>
+            <a:r>
+              <a:rPr lang="en-US" sz="3600" b="1" dirty="0">
+                <a:solidFill>
+                  <a:srgbClr val="BF092F"/>
+                </a:solidFill>
+                <a:latin typeface="Arabic Typesetting" panose="03020402040406030203" pitchFamily="66" charset="-78"/>
+                <a:cs typeface="Arabic Typesetting" panose="03020402040406030203" pitchFamily="66" charset="-78"/>
+              </a:rPr>
+              <a:t>8 columns</a:t>
             </a:r>
           </a:p>
         </p:txBody>
@@ -5225,7 +9452,7 @@
 </p:sld>
 </file>
 
-<file path=ppt/slides/slide4.xml><?xml version="1.0" encoding="utf-8"?>
+<file path=ppt/slides/slide5.xml><?xml version="1.0" encoding="utf-8"?>
 <p:sld xmlns:a="http://schemas.openxmlformats.org/drawingml/2006/main" xmlns:r="http://schemas.openxmlformats.org/officeDocument/2006/relationships" xmlns:p="http://schemas.openxmlformats.org/presentationml/2006/main">
   <p:cSld>
     <p:spTree>
@@ -5325,6 +9552,44 @@
           </a:p>
         </p:txBody>
       </p:sp>
+      <p:pic>
+        <p:nvPicPr>
+          <p:cNvPr id="5" name="Picture 4">
+            <a:extLst>
+              <a:ext uri="{FF2B5EF4-FFF2-40B4-BE49-F238E27FC236}">
+                <a16:creationId xmlns:a16="http://schemas.microsoft.com/office/drawing/2014/main" id="{C7DA635B-FE8C-861D-3A3C-2E880306508B}"/>
+              </a:ext>
+            </a:extLst>
+          </p:cNvPr>
+          <p:cNvPicPr>
+            <a:picLocks noChangeAspect="1"/>
+          </p:cNvPicPr>
+          <p:nvPr/>
+        </p:nvPicPr>
+        <p:blipFill>
+          <a:blip r:embed="rId2"/>
+          <a:srcRect b="33669"/>
+          <a:stretch>
+            <a:fillRect/>
+          </a:stretch>
+        </p:blipFill>
+        <p:spPr>
+          <a:xfrm>
+            <a:off x="838200" y="1956876"/>
+            <a:ext cx="10352520" cy="4525113"/>
+          </a:xfrm>
+          <a:prstGeom prst="rect">
+            <a:avLst/>
+          </a:prstGeom>
+          <a:effectLst>
+            <a:outerShdw blurRad="50800" dist="38100" dir="2700000" algn="tl" rotWithShape="0">
+              <a:prstClr val="black">
+                <a:alpha val="40000"/>
+              </a:prstClr>
+            </a:outerShdw>
+          </a:effectLst>
+        </p:spPr>
+      </p:pic>
     </p:spTree>
     <p:extLst>
       <p:ext uri="{BB962C8B-B14F-4D97-AF65-F5344CB8AC3E}">
@@ -5338,7 +9603,7 @@
 </p:sld>
 </file>
 
-<file path=ppt/slides/slide5.xml><?xml version="1.0" encoding="utf-8"?>
+<file path=ppt/slides/slide6.xml><?xml version="1.0" encoding="utf-8"?>
 <p:sld xmlns:a="http://schemas.openxmlformats.org/drawingml/2006/main" xmlns:r="http://schemas.openxmlformats.org/officeDocument/2006/relationships" xmlns:p="http://schemas.openxmlformats.org/presentationml/2006/main">
   <p:cSld>
     <p:spTree>
@@ -5392,43 +9657,282 @@
                 <a:latin typeface="Arabic Typesetting" panose="03020402040406030203" pitchFamily="66" charset="-78"/>
                 <a:cs typeface="Arabic Typesetting" panose="03020402040406030203" pitchFamily="66" charset="-78"/>
               </a:rPr>
-              <a:t>Tools</a:t>
-            </a:r>
-          </a:p>
-        </p:txBody>
-      </p:sp>
-      <p:sp>
-        <p:nvSpPr>
-          <p:cNvPr id="4" name="Content Placeholder 2">
-            <a:extLst>
-              <a:ext uri="{FF2B5EF4-FFF2-40B4-BE49-F238E27FC236}">
-                <a16:creationId xmlns:a16="http://schemas.microsoft.com/office/drawing/2014/main" id="{81A4EBAD-4A17-271F-ADB3-49F63D71190D}"/>
-              </a:ext>
-            </a:extLst>
-          </p:cNvPr>
-          <p:cNvSpPr>
-            <a:spLocks noGrp="1"/>
-          </p:cNvSpPr>
+              <a:t>Tools &amp; Libraries</a:t>
+            </a:r>
+          </a:p>
+        </p:txBody>
+      </p:sp>
+      <p:pic>
+        <p:nvPicPr>
+          <p:cNvPr id="5" name="Content Placeholder 4">
+            <a:extLst>
+              <a:ext uri="{FF2B5EF4-FFF2-40B4-BE49-F238E27FC236}">
+                <a16:creationId xmlns:a16="http://schemas.microsoft.com/office/drawing/2014/main" id="{E69AEF1A-7C8F-27C7-E7F9-4A80D1F48B3E}"/>
+              </a:ext>
+            </a:extLst>
+          </p:cNvPr>
+          <p:cNvPicPr>
+            <a:picLocks noGrp="1" noChangeAspect="1"/>
+          </p:cNvPicPr>
           <p:nvPr>
             <p:ph idx="1"/>
           </p:nvPr>
-        </p:nvSpPr>
+        </p:nvPicPr>
+        <p:blipFill>
+          <a:blip r:embed="rId2">
+            <a:extLst>
+              <a:ext uri="{28A0092B-C50C-407E-A947-70E740481C1C}">
+                <a14:useLocalDpi xmlns:a14="http://schemas.microsoft.com/office/drawing/2010/main" val="0"/>
+              </a:ext>
+            </a:extLst>
+          </a:blip>
+          <a:stretch>
+            <a:fillRect/>
+          </a:stretch>
+        </p:blipFill>
         <p:spPr>
           <a:xfrm>
-            <a:off x="838200" y="1404257"/>
-            <a:ext cx="10515600" cy="5246914"/>
+            <a:off x="7096401" y="2489116"/>
+            <a:ext cx="1384127" cy="1384127"/>
           </a:xfrm>
         </p:spPr>
-        <p:txBody>
-          <a:bodyPr>
-            <a:normAutofit/>
+      </p:pic>
+      <p:pic>
+        <p:nvPicPr>
+          <p:cNvPr id="7" name="Picture 6">
+            <a:extLst>
+              <a:ext uri="{FF2B5EF4-FFF2-40B4-BE49-F238E27FC236}">
+                <a16:creationId xmlns:a16="http://schemas.microsoft.com/office/drawing/2014/main" id="{BE9F4B62-A726-29E5-A54C-F2520D07C9AD}"/>
+              </a:ext>
+            </a:extLst>
+          </p:cNvPr>
+          <p:cNvPicPr>
+            <a:picLocks noChangeAspect="1"/>
+          </p:cNvPicPr>
+          <p:nvPr/>
+        </p:nvPicPr>
+        <p:blipFill>
+          <a:blip r:embed="rId3">
+            <a:extLst>
+              <a:ext uri="{28A0092B-C50C-407E-A947-70E740481C1C}">
+                <a14:useLocalDpi xmlns:a14="http://schemas.microsoft.com/office/drawing/2010/main" val="0"/>
+              </a:ext>
+            </a:extLst>
+          </a:blip>
+          <a:stretch>
+            <a:fillRect/>
+          </a:stretch>
+        </p:blipFill>
+        <p:spPr>
+          <a:xfrm>
+            <a:off x="6975766" y="4250430"/>
+            <a:ext cx="1625396" cy="1625396"/>
+          </a:xfrm>
+          <a:prstGeom prst="rect">
+            <a:avLst/>
+          </a:prstGeom>
+        </p:spPr>
+      </p:pic>
+      <p:pic>
+        <p:nvPicPr>
+          <p:cNvPr id="9" name="Picture 8">
+            <a:extLst>
+              <a:ext uri="{FF2B5EF4-FFF2-40B4-BE49-F238E27FC236}">
+                <a16:creationId xmlns:a16="http://schemas.microsoft.com/office/drawing/2014/main" id="{2E8F4F01-43BD-C507-E4AC-14C6FE110C0E}"/>
+              </a:ext>
+            </a:extLst>
+          </p:cNvPr>
+          <p:cNvPicPr>
+            <a:picLocks noChangeAspect="1"/>
+          </p:cNvPicPr>
+          <p:nvPr/>
+        </p:nvPicPr>
+        <p:blipFill>
+          <a:blip r:embed="rId4">
+            <a:extLst>
+              <a:ext uri="{28A0092B-C50C-407E-A947-70E740481C1C}">
+                <a14:useLocalDpi xmlns:a14="http://schemas.microsoft.com/office/drawing/2010/main" val="0"/>
+              </a:ext>
+            </a:extLst>
+          </a:blip>
+          <a:stretch>
+            <a:fillRect/>
+          </a:stretch>
+        </p:blipFill>
+        <p:spPr>
+          <a:xfrm>
+            <a:off x="3022311" y="4908745"/>
+            <a:ext cx="1185782" cy="1584130"/>
+          </a:xfrm>
+          <a:prstGeom prst="rect">
+            <a:avLst/>
+          </a:prstGeom>
+        </p:spPr>
+      </p:pic>
+      <p:pic>
+        <p:nvPicPr>
+          <p:cNvPr id="11" name="Picture 10">
+            <a:extLst>
+              <a:ext uri="{FF2B5EF4-FFF2-40B4-BE49-F238E27FC236}">
+                <a16:creationId xmlns:a16="http://schemas.microsoft.com/office/drawing/2014/main" id="{C9079E7D-830B-077E-F4D0-AC4852F51DBA}"/>
+              </a:ext>
+            </a:extLst>
+          </p:cNvPr>
+          <p:cNvPicPr>
+            <a:picLocks noChangeAspect="1"/>
+          </p:cNvPicPr>
+          <p:nvPr/>
+        </p:nvPicPr>
+        <p:blipFill>
+          <a:blip r:embed="rId5">
+            <a:extLst>
+              <a:ext uri="{28A0092B-C50C-407E-A947-70E740481C1C}">
+                <a14:useLocalDpi xmlns:a14="http://schemas.microsoft.com/office/drawing/2010/main" val="0"/>
+              </a:ext>
+            </a:extLst>
+          </a:blip>
+          <a:stretch>
+            <a:fillRect/>
+          </a:stretch>
+        </p:blipFill>
+        <p:spPr>
+          <a:xfrm>
+            <a:off x="3233060" y="3555730"/>
+            <a:ext cx="975033" cy="975033"/>
+          </a:xfrm>
+          <a:prstGeom prst="rect">
+            <a:avLst/>
+          </a:prstGeom>
+        </p:spPr>
+      </p:pic>
+      <p:pic>
+        <p:nvPicPr>
+          <p:cNvPr id="13" name="Picture 12">
+            <a:extLst>
+              <a:ext uri="{FF2B5EF4-FFF2-40B4-BE49-F238E27FC236}">
+                <a16:creationId xmlns:a16="http://schemas.microsoft.com/office/drawing/2014/main" id="{87103738-D31E-758F-A1CD-99AFE32F6B5A}"/>
+              </a:ext>
+            </a:extLst>
+          </p:cNvPr>
+          <p:cNvPicPr>
+            <a:picLocks noChangeAspect="1"/>
+          </p:cNvPicPr>
+          <p:nvPr/>
+        </p:nvPicPr>
+        <p:blipFill>
+          <a:blip r:embed="rId6">
+            <a:extLst>
+              <a:ext uri="{28A0092B-C50C-407E-A947-70E740481C1C}">
+                <a14:useLocalDpi xmlns:a14="http://schemas.microsoft.com/office/drawing/2010/main" val="0"/>
+              </a:ext>
+            </a:extLst>
+          </a:blip>
+          <a:stretch>
+            <a:fillRect/>
+          </a:stretch>
+        </p:blipFill>
+        <p:spPr>
+          <a:xfrm>
+            <a:off x="3233060" y="2240662"/>
+            <a:ext cx="940518" cy="940518"/>
+          </a:xfrm>
+          <a:prstGeom prst="rect">
+            <a:avLst/>
+          </a:prstGeom>
+        </p:spPr>
+      </p:pic>
+      <p:sp>
+        <p:nvSpPr>
+          <p:cNvPr id="12" name="TextBox 11">
+            <a:extLst>
+              <a:ext uri="{FF2B5EF4-FFF2-40B4-BE49-F238E27FC236}">
+                <a16:creationId xmlns:a16="http://schemas.microsoft.com/office/drawing/2014/main" id="{3CC4325A-10F1-3EDE-79B6-6BE830F9E188}"/>
+              </a:ext>
+            </a:extLst>
+          </p:cNvPr>
+          <p:cNvSpPr txBox="1"/>
+          <p:nvPr/>
+        </p:nvSpPr>
+        <p:spPr>
+          <a:xfrm>
+            <a:off x="3015343" y="1581126"/>
+            <a:ext cx="1384128" cy="646331"/>
+          </a:xfrm>
+          <a:prstGeom prst="rect">
+            <a:avLst/>
+          </a:prstGeom>
+          <a:noFill/>
+        </p:spPr>
+        <p:txBody>
+          <a:bodyPr wrap="square" rtlCol="0">
+            <a:spAutoFit/>
           </a:bodyPr>
           <a:lstStyle/>
           <a:p>
-            <a:pPr marL="0" indent="0">
-              <a:buNone/>
-            </a:pPr>
-            <a:endParaRPr lang="en-US" sz="3600" dirty="0">
+            <a:pPr algn="ctr"/>
+            <a:r>
+              <a:rPr lang="en-US" sz="3600" b="1" dirty="0">
+                <a:solidFill>
+                  <a:srgbClr val="BF092F"/>
+                </a:solidFill>
+                <a:latin typeface="Arabic Typesetting" panose="03020402040406030203" pitchFamily="66" charset="-78"/>
+                <a:cs typeface="Arabic Typesetting" panose="03020402040406030203" pitchFamily="66" charset="-78"/>
+              </a:rPr>
+              <a:t>Tools</a:t>
+            </a:r>
+            <a:endParaRPr lang="en-US" sz="4400" b="1" dirty="0">
+              <a:solidFill>
+                <a:srgbClr val="BF092F"/>
+              </a:solidFill>
+              <a:latin typeface="Arabic Typesetting" panose="03020402040406030203" pitchFamily="66" charset="-78"/>
+              <a:cs typeface="Arabic Typesetting" panose="03020402040406030203" pitchFamily="66" charset="-78"/>
+            </a:endParaRPr>
+          </a:p>
+        </p:txBody>
+      </p:sp>
+      <p:sp>
+        <p:nvSpPr>
+          <p:cNvPr id="14" name="TextBox 13">
+            <a:extLst>
+              <a:ext uri="{FF2B5EF4-FFF2-40B4-BE49-F238E27FC236}">
+                <a16:creationId xmlns:a16="http://schemas.microsoft.com/office/drawing/2014/main" id="{57560743-EB3B-D056-EFC7-7A986468D04D}"/>
+              </a:ext>
+            </a:extLst>
+          </p:cNvPr>
+          <p:cNvSpPr txBox="1"/>
+          <p:nvPr/>
+        </p:nvSpPr>
+        <p:spPr>
+          <a:xfrm>
+            <a:off x="7096401" y="1690688"/>
+            <a:ext cx="1384128" cy="646331"/>
+          </a:xfrm>
+          <a:prstGeom prst="rect">
+            <a:avLst/>
+          </a:prstGeom>
+          <a:noFill/>
+        </p:spPr>
+        <p:txBody>
+          <a:bodyPr wrap="square" rtlCol="0">
+            <a:spAutoFit/>
+          </a:bodyPr>
+          <a:lstStyle/>
+          <a:p>
+            <a:pPr algn="ctr"/>
+            <a:r>
+              <a:rPr lang="en-US" sz="3600" b="1" dirty="0">
+                <a:solidFill>
+                  <a:srgbClr val="BF092F"/>
+                </a:solidFill>
+                <a:latin typeface="Arabic Typesetting" panose="03020402040406030203" pitchFamily="66" charset="-78"/>
+                <a:cs typeface="Arabic Typesetting" panose="03020402040406030203" pitchFamily="66" charset="-78"/>
+              </a:rPr>
+              <a:t>Libraries</a:t>
+            </a:r>
+            <a:endParaRPr lang="en-US" sz="4400" b="1" dirty="0">
+              <a:solidFill>
+                <a:srgbClr val="BF092F"/>
+              </a:solidFill>
               <a:latin typeface="Arabic Typesetting" panose="03020402040406030203" pitchFamily="66" charset="-78"/>
               <a:cs typeface="Arabic Typesetting" panose="03020402040406030203" pitchFamily="66" charset="-78"/>
             </a:endParaRPr>
@@ -5448,7 +9952,7 @@
 </p:sld>
 </file>
 
-<file path=ppt/slides/slide6.xml><?xml version="1.0" encoding="utf-8"?>
+<file path=ppt/slides/slide7.xml><?xml version="1.0" encoding="utf-8"?>
 <p:sld xmlns:a="http://schemas.openxmlformats.org/drawingml/2006/main" xmlns:r="http://schemas.openxmlformats.org/officeDocument/2006/relationships" xmlns:p="http://schemas.openxmlformats.org/presentationml/2006/main">
   <p:cSld>
     <p:spTree>
@@ -5544,7 +10048,7 @@
 </p:sld>
 </file>
 
-<file path=ppt/slides/slide7.xml><?xml version="1.0" encoding="utf-8"?>
+<file path=ppt/slides/slide8.xml><?xml version="1.0" encoding="utf-8"?>
 <p:sld xmlns:a="http://schemas.openxmlformats.org/drawingml/2006/main" xmlns:r="http://schemas.openxmlformats.org/officeDocument/2006/relationships" xmlns:p="http://schemas.openxmlformats.org/presentationml/2006/main">
   <p:cSld>
     <p:spTree>
@@ -5954,7 +10458,7 @@
 </p:sld>
 </file>
 
-<file path=ppt/slides/slide8.xml><?xml version="1.0" encoding="utf-8"?>
+<file path=ppt/slides/slide9.xml><?xml version="1.0" encoding="utf-8"?>
 <p:sld xmlns:a="http://schemas.openxmlformats.org/drawingml/2006/main" xmlns:r="http://schemas.openxmlformats.org/officeDocument/2006/relationships" xmlns:p="http://schemas.openxmlformats.org/presentationml/2006/main">
   <p:cSld>
     <p:spTree>
@@ -6392,417 +10896,6 @@
     <p:extLst>
       <p:ext uri="{BB962C8B-B14F-4D97-AF65-F5344CB8AC3E}">
         <p14:creationId xmlns:p14="http://schemas.microsoft.com/office/powerpoint/2010/main" val="2267828946"/>
-      </p:ext>
-    </p:extLst>
-  </p:cSld>
-  <p:clrMapOvr>
-    <a:masterClrMapping/>
-  </p:clrMapOvr>
-</p:sld>
-</file>
-
-<file path=ppt/slides/slide9.xml><?xml version="1.0" encoding="utf-8"?>
-<p:sld xmlns:a="http://schemas.openxmlformats.org/drawingml/2006/main" xmlns:r="http://schemas.openxmlformats.org/officeDocument/2006/relationships" xmlns:p="http://schemas.openxmlformats.org/presentationml/2006/main">
-  <p:cSld>
-    <p:spTree>
-      <p:nvGrpSpPr>
-        <p:cNvPr id="1" name="">
-          <a:extLst>
-            <a:ext uri="{FF2B5EF4-FFF2-40B4-BE49-F238E27FC236}">
-              <a16:creationId xmlns:a16="http://schemas.microsoft.com/office/drawing/2014/main" id="{67C53B55-788F-E8C2-71F8-CDB0412A558F}"/>
-            </a:ext>
-          </a:extLst>
-        </p:cNvPr>
-        <p:cNvGrpSpPr/>
-        <p:nvPr/>
-      </p:nvGrpSpPr>
-      <p:grpSpPr>
-        <a:xfrm>
-          <a:off x="0" y="0"/>
-          <a:ext cx="0" cy="0"/>
-          <a:chOff x="0" y="0"/>
-          <a:chExt cx="0" cy="0"/>
-        </a:xfrm>
-      </p:grpSpPr>
-      <p:sp>
-        <p:nvSpPr>
-          <p:cNvPr id="2" name="Title 1">
-            <a:extLst>
-              <a:ext uri="{FF2B5EF4-FFF2-40B4-BE49-F238E27FC236}">
-                <a16:creationId xmlns:a16="http://schemas.microsoft.com/office/drawing/2014/main" id="{032D11BF-DD5A-0FAC-CD59-8B9B6E6DC1D7}"/>
-              </a:ext>
-            </a:extLst>
-          </p:cNvPr>
-          <p:cNvSpPr>
-            <a:spLocks noGrp="1"/>
-          </p:cNvSpPr>
-          <p:nvPr>
-            <p:ph type="title"/>
-          </p:nvPr>
-        </p:nvSpPr>
-        <p:spPr/>
-        <p:txBody>
-          <a:bodyPr>
-            <a:normAutofit/>
-          </a:bodyPr>
-          <a:lstStyle/>
-          <a:p>
-            <a:r>
-              <a:rPr lang="en-US" sz="6000" b="1" dirty="0">
-                <a:solidFill>
-                  <a:srgbClr val="BF092F"/>
-                </a:solidFill>
-                <a:latin typeface="Arabic Typesetting" panose="03020402040406030203" pitchFamily="66" charset="-78"/>
-                <a:cs typeface="Arabic Typesetting" panose="03020402040406030203" pitchFamily="66" charset="-78"/>
-              </a:rPr>
-              <a:t>Column Values</a:t>
-            </a:r>
-          </a:p>
-        </p:txBody>
-      </p:sp>
-      <p:sp>
-        <p:nvSpPr>
-          <p:cNvPr id="3" name="Content Placeholder 2">
-            <a:extLst>
-              <a:ext uri="{FF2B5EF4-FFF2-40B4-BE49-F238E27FC236}">
-                <a16:creationId xmlns:a16="http://schemas.microsoft.com/office/drawing/2014/main" id="{7CF3EF5A-D7F1-C4A2-C484-5F2A7DFAEA15}"/>
-              </a:ext>
-            </a:extLst>
-          </p:cNvPr>
-          <p:cNvSpPr>
-            <a:spLocks noGrp="1"/>
-          </p:cNvSpPr>
-          <p:nvPr>
-            <p:ph idx="1"/>
-          </p:nvPr>
-        </p:nvSpPr>
-        <p:spPr>
-          <a:xfrm>
-            <a:off x="685801" y="1404257"/>
-            <a:ext cx="10798628" cy="1325563"/>
-          </a:xfrm>
-        </p:spPr>
-        <p:txBody>
-          <a:bodyPr>
-            <a:normAutofit/>
-          </a:bodyPr>
-          <a:lstStyle/>
-          <a:p>
-            <a:pPr marL="0" indent="0">
-              <a:buNone/>
-            </a:pPr>
-            <a:r>
-              <a:rPr lang="en-US" sz="3600" dirty="0">
-                <a:latin typeface="Arabic Typesetting" panose="03020402040406030203" pitchFamily="66" charset="-78"/>
-                <a:cs typeface="Arabic Typesetting" panose="03020402040406030203" pitchFamily="66" charset="-78"/>
-              </a:rPr>
-              <a:t>The </a:t>
-            </a:r>
-            <a:r>
-              <a:rPr lang="en-US" sz="3600" b="1" dirty="0">
-                <a:solidFill>
-                  <a:srgbClr val="BF092F"/>
-                </a:solidFill>
-                <a:latin typeface="Arabic Typesetting" panose="03020402040406030203" pitchFamily="66" charset="-78"/>
-                <a:cs typeface="Arabic Typesetting" panose="03020402040406030203" pitchFamily="66" charset="-78"/>
-              </a:rPr>
-              <a:t>Row Number </a:t>
-            </a:r>
-            <a:r>
-              <a:rPr lang="en-US" sz="3600" dirty="0">
-                <a:latin typeface="Arabic Typesetting" panose="03020402040406030203" pitchFamily="66" charset="-78"/>
-                <a:cs typeface="Arabic Typesetting" panose="03020402040406030203" pitchFamily="66" charset="-78"/>
-              </a:rPr>
-              <a:t>column values start with 0. Because there are 1000 rows, the last row number will be 999.</a:t>
-            </a:r>
-          </a:p>
-        </p:txBody>
-      </p:sp>
-      <p:sp>
-        <p:nvSpPr>
-          <p:cNvPr id="6" name="Content Placeholder 2">
-            <a:extLst>
-              <a:ext uri="{FF2B5EF4-FFF2-40B4-BE49-F238E27FC236}">
-                <a16:creationId xmlns:a16="http://schemas.microsoft.com/office/drawing/2014/main" id="{F753916D-3C50-6169-F7AD-D83F978010D8}"/>
-              </a:ext>
-            </a:extLst>
-          </p:cNvPr>
-          <p:cNvSpPr txBox="1">
-            <a:spLocks/>
-          </p:cNvSpPr>
-          <p:nvPr/>
-        </p:nvSpPr>
-        <p:spPr>
-          <a:xfrm>
-            <a:off x="685801" y="4539260"/>
-            <a:ext cx="10515600" cy="1098565"/>
-          </a:xfrm>
-          <a:prstGeom prst="rect">
-            <a:avLst/>
-          </a:prstGeom>
-        </p:spPr>
-        <p:txBody>
-          <a:bodyPr vert="horz" lIns="91440" tIns="45720" rIns="91440" bIns="45720" rtlCol="0">
-            <a:normAutofit/>
-          </a:bodyPr>
-          <a:lstStyle>
-            <a:lvl1pPr marL="228600" indent="-228600" algn="l" defTabSz="914400" rtl="0" eaLnBrk="1" latinLnBrk="0" hangingPunct="1">
-              <a:lnSpc>
-                <a:spcPct val="90000"/>
-              </a:lnSpc>
-              <a:spcBef>
-                <a:spcPts val="1000"/>
-              </a:spcBef>
-              <a:buFont typeface="Arial" panose="020B0604020202020204" pitchFamily="34" charset="0"/>
-              <a:buChar char="•"/>
-              <a:defRPr sz="2800" kern="1200">
-                <a:solidFill>
-                  <a:schemeClr val="tx1"/>
-                </a:solidFill>
-                <a:latin typeface="+mn-lt"/>
-                <a:ea typeface="+mn-ea"/>
-                <a:cs typeface="+mn-cs"/>
-              </a:defRPr>
-            </a:lvl1pPr>
-            <a:lvl2pPr marL="685800" indent="-228600" algn="l" defTabSz="914400" rtl="0" eaLnBrk="1" latinLnBrk="0" hangingPunct="1">
-              <a:lnSpc>
-                <a:spcPct val="90000"/>
-              </a:lnSpc>
-              <a:spcBef>
-                <a:spcPts val="500"/>
-              </a:spcBef>
-              <a:buFont typeface="Arial" panose="020B0604020202020204" pitchFamily="34" charset="0"/>
-              <a:buChar char="•"/>
-              <a:defRPr sz="2400" kern="1200">
-                <a:solidFill>
-                  <a:schemeClr val="tx1"/>
-                </a:solidFill>
-                <a:latin typeface="+mn-lt"/>
-                <a:ea typeface="+mn-ea"/>
-                <a:cs typeface="+mn-cs"/>
-              </a:defRPr>
-            </a:lvl2pPr>
-            <a:lvl3pPr marL="1143000" indent="-228600" algn="l" defTabSz="914400" rtl="0" eaLnBrk="1" latinLnBrk="0" hangingPunct="1">
-              <a:lnSpc>
-                <a:spcPct val="90000"/>
-              </a:lnSpc>
-              <a:spcBef>
-                <a:spcPts val="500"/>
-              </a:spcBef>
-              <a:buFont typeface="Arial" panose="020B0604020202020204" pitchFamily="34" charset="0"/>
-              <a:buChar char="•"/>
-              <a:defRPr sz="2000" kern="1200">
-                <a:solidFill>
-                  <a:schemeClr val="tx1"/>
-                </a:solidFill>
-                <a:latin typeface="+mn-lt"/>
-                <a:ea typeface="+mn-ea"/>
-                <a:cs typeface="+mn-cs"/>
-              </a:defRPr>
-            </a:lvl3pPr>
-            <a:lvl4pPr marL="1600200" indent="-228600" algn="l" defTabSz="914400" rtl="0" eaLnBrk="1" latinLnBrk="0" hangingPunct="1">
-              <a:lnSpc>
-                <a:spcPct val="90000"/>
-              </a:lnSpc>
-              <a:spcBef>
-                <a:spcPts val="500"/>
-              </a:spcBef>
-              <a:buFont typeface="Arial" panose="020B0604020202020204" pitchFamily="34" charset="0"/>
-              <a:buChar char="•"/>
-              <a:defRPr sz="1800" kern="1200">
-                <a:solidFill>
-                  <a:schemeClr val="tx1"/>
-                </a:solidFill>
-                <a:latin typeface="+mn-lt"/>
-                <a:ea typeface="+mn-ea"/>
-                <a:cs typeface="+mn-cs"/>
-              </a:defRPr>
-            </a:lvl4pPr>
-            <a:lvl5pPr marL="2057400" indent="-228600" algn="l" defTabSz="914400" rtl="0" eaLnBrk="1" latinLnBrk="0" hangingPunct="1">
-              <a:lnSpc>
-                <a:spcPct val="90000"/>
-              </a:lnSpc>
-              <a:spcBef>
-                <a:spcPts val="500"/>
-              </a:spcBef>
-              <a:buFont typeface="Arial" panose="020B0604020202020204" pitchFamily="34" charset="0"/>
-              <a:buChar char="•"/>
-              <a:defRPr sz="1800" kern="1200">
-                <a:solidFill>
-                  <a:schemeClr val="tx1"/>
-                </a:solidFill>
-                <a:latin typeface="+mn-lt"/>
-                <a:ea typeface="+mn-ea"/>
-                <a:cs typeface="+mn-cs"/>
-              </a:defRPr>
-            </a:lvl5pPr>
-            <a:lvl6pPr marL="2514600" indent="-228600" algn="l" defTabSz="914400" rtl="0" eaLnBrk="1" latinLnBrk="0" hangingPunct="1">
-              <a:lnSpc>
-                <a:spcPct val="90000"/>
-              </a:lnSpc>
-              <a:spcBef>
-                <a:spcPts val="500"/>
-              </a:spcBef>
-              <a:buFont typeface="Arial" panose="020B0604020202020204" pitchFamily="34" charset="0"/>
-              <a:buChar char="•"/>
-              <a:defRPr sz="1800" kern="1200">
-                <a:solidFill>
-                  <a:schemeClr val="tx1"/>
-                </a:solidFill>
-                <a:latin typeface="+mn-lt"/>
-                <a:ea typeface="+mn-ea"/>
-                <a:cs typeface="+mn-cs"/>
-              </a:defRPr>
-            </a:lvl6pPr>
-            <a:lvl7pPr marL="2971800" indent="-228600" algn="l" defTabSz="914400" rtl="0" eaLnBrk="1" latinLnBrk="0" hangingPunct="1">
-              <a:lnSpc>
-                <a:spcPct val="90000"/>
-              </a:lnSpc>
-              <a:spcBef>
-                <a:spcPts val="500"/>
-              </a:spcBef>
-              <a:buFont typeface="Arial" panose="020B0604020202020204" pitchFamily="34" charset="0"/>
-              <a:buChar char="•"/>
-              <a:defRPr sz="1800" kern="1200">
-                <a:solidFill>
-                  <a:schemeClr val="tx1"/>
-                </a:solidFill>
-                <a:latin typeface="+mn-lt"/>
-                <a:ea typeface="+mn-ea"/>
-                <a:cs typeface="+mn-cs"/>
-              </a:defRPr>
-            </a:lvl7pPr>
-            <a:lvl8pPr marL="3429000" indent="-228600" algn="l" defTabSz="914400" rtl="0" eaLnBrk="1" latinLnBrk="0" hangingPunct="1">
-              <a:lnSpc>
-                <a:spcPct val="90000"/>
-              </a:lnSpc>
-              <a:spcBef>
-                <a:spcPts val="500"/>
-              </a:spcBef>
-              <a:buFont typeface="Arial" panose="020B0604020202020204" pitchFamily="34" charset="0"/>
-              <a:buChar char="•"/>
-              <a:defRPr sz="1800" kern="1200">
-                <a:solidFill>
-                  <a:schemeClr val="tx1"/>
-                </a:solidFill>
-                <a:latin typeface="+mn-lt"/>
-                <a:ea typeface="+mn-ea"/>
-                <a:cs typeface="+mn-cs"/>
-              </a:defRPr>
-            </a:lvl8pPr>
-            <a:lvl9pPr marL="3886200" indent="-228600" algn="l" defTabSz="914400" rtl="0" eaLnBrk="1" latinLnBrk="0" hangingPunct="1">
-              <a:lnSpc>
-                <a:spcPct val="90000"/>
-              </a:lnSpc>
-              <a:spcBef>
-                <a:spcPts val="500"/>
-              </a:spcBef>
-              <a:buFont typeface="Arial" panose="020B0604020202020204" pitchFamily="34" charset="0"/>
-              <a:buChar char="•"/>
-              <a:defRPr sz="1800" kern="1200">
-                <a:solidFill>
-                  <a:schemeClr val="tx1"/>
-                </a:solidFill>
-                <a:latin typeface="+mn-lt"/>
-                <a:ea typeface="+mn-ea"/>
-                <a:cs typeface="+mn-cs"/>
-              </a:defRPr>
-            </a:lvl9pPr>
-          </a:lstStyle>
-          <a:p>
-            <a:pPr marL="0" indent="0">
-              <a:buFont typeface="Arial" panose="020B0604020202020204" pitchFamily="34" charset="0"/>
-              <a:buNone/>
-            </a:pPr>
-            <a:r>
-              <a:rPr lang="en-US" sz="3600" dirty="0">
-                <a:latin typeface="Arabic Typesetting" panose="03020402040406030203" pitchFamily="66" charset="-78"/>
-                <a:cs typeface="Arabic Typesetting" panose="03020402040406030203" pitchFamily="66" charset="-78"/>
-              </a:rPr>
-              <a:t>Instead of starting with 0 and ending with 999. It will be better if the row number starts with 1 and ends with 1000</a:t>
-            </a:r>
-          </a:p>
-        </p:txBody>
-      </p:sp>
-      <p:pic>
-        <p:nvPicPr>
-          <p:cNvPr id="9" name="Picture 8">
-            <a:extLst>
-              <a:ext uri="{FF2B5EF4-FFF2-40B4-BE49-F238E27FC236}">
-                <a16:creationId xmlns:a16="http://schemas.microsoft.com/office/drawing/2014/main" id="{9FEF24B9-2C6B-885A-24FF-40C07F60FB0B}"/>
-              </a:ext>
-            </a:extLst>
-          </p:cNvPr>
-          <p:cNvPicPr>
-            <a:picLocks noChangeAspect="1"/>
-          </p:cNvPicPr>
-          <p:nvPr/>
-        </p:nvPicPr>
-        <p:blipFill>
-          <a:blip r:embed="rId2"/>
-          <a:stretch>
-            <a:fillRect/>
-          </a:stretch>
-        </p:blipFill>
-        <p:spPr>
-          <a:xfrm>
-            <a:off x="707571" y="5453742"/>
-            <a:ext cx="7273678" cy="1201893"/>
-          </a:xfrm>
-          <a:prstGeom prst="rect">
-            <a:avLst/>
-          </a:prstGeom>
-          <a:effectLst>
-            <a:outerShdw blurRad="50800" dist="38100" dir="2700000" algn="tl" rotWithShape="0">
-              <a:prstClr val="black">
-                <a:alpha val="40000"/>
-              </a:prstClr>
-            </a:outerShdw>
-          </a:effectLst>
-        </p:spPr>
-      </p:pic>
-      <p:pic>
-        <p:nvPicPr>
-          <p:cNvPr id="12" name="Picture 11">
-            <a:extLst>
-              <a:ext uri="{FF2B5EF4-FFF2-40B4-BE49-F238E27FC236}">
-                <a16:creationId xmlns:a16="http://schemas.microsoft.com/office/drawing/2014/main" id="{2F19C5C2-35B7-8078-4C05-5E7B1333443D}"/>
-              </a:ext>
-            </a:extLst>
-          </p:cNvPr>
-          <p:cNvPicPr>
-            <a:picLocks noChangeAspect="1"/>
-          </p:cNvPicPr>
-          <p:nvPr/>
-        </p:nvPicPr>
-        <p:blipFill>
-          <a:blip r:embed="rId3"/>
-          <a:srcRect t="26242"/>
-          <a:stretch>
-            <a:fillRect/>
-          </a:stretch>
-        </p:blipFill>
-        <p:spPr>
-          <a:xfrm>
-            <a:off x="707571" y="2342960"/>
-            <a:ext cx="9080208" cy="2130986"/>
-          </a:xfrm>
-          <a:prstGeom prst="rect">
-            <a:avLst/>
-          </a:prstGeom>
-          <a:effectLst>
-            <a:outerShdw blurRad="50800" dist="38100" dir="2700000" algn="tl" rotWithShape="0">
-              <a:prstClr val="black">
-                <a:alpha val="40000"/>
-              </a:prstClr>
-            </a:outerShdw>
-          </a:effectLst>
-        </p:spPr>
-      </p:pic>
-    </p:spTree>
-    <p:extLst>
-      <p:ext uri="{BB962C8B-B14F-4D97-AF65-F5344CB8AC3E}">
-        <p14:creationId xmlns:p14="http://schemas.microsoft.com/office/powerpoint/2010/main" val="2541929972"/>
       </p:ext>
     </p:extLst>
   </p:cSld>
@@ -7105,4 +11198,299 @@
     </a:ext>
   </a:extLst>
 </a:theme>
+</file>
+
+<file path=ppt/theme/theme2.xml><?xml version="1.0" encoding="utf-8"?>
+<a:theme xmlns:a="http://schemas.openxmlformats.org/drawingml/2006/main" name="Office Theme">
+  <a:themeElements>
+    <a:clrScheme name="Office">
+      <a:dk1>
+        <a:sysClr val="windowText" lastClr="000000"/>
+      </a:dk1>
+      <a:lt1>
+        <a:sysClr val="window" lastClr="FFFFFF"/>
+      </a:lt1>
+      <a:dk2>
+        <a:srgbClr val="44546A"/>
+      </a:dk2>
+      <a:lt2>
+        <a:srgbClr val="E7E6E6"/>
+      </a:lt2>
+      <a:accent1>
+        <a:srgbClr val="4472C4"/>
+      </a:accent1>
+      <a:accent2>
+        <a:srgbClr val="ED7D31"/>
+      </a:accent2>
+      <a:accent3>
+        <a:srgbClr val="A5A5A5"/>
+      </a:accent3>
+      <a:accent4>
+        <a:srgbClr val="FFC000"/>
+      </a:accent4>
+      <a:accent5>
+        <a:srgbClr val="5B9BD5"/>
+      </a:accent5>
+      <a:accent6>
+        <a:srgbClr val="70AD47"/>
+      </a:accent6>
+      <a:hlink>
+        <a:srgbClr val="0563C1"/>
+      </a:hlink>
+      <a:folHlink>
+        <a:srgbClr val="954F72"/>
+      </a:folHlink>
+    </a:clrScheme>
+    <a:fontScheme name="Office">
+      <a:majorFont>
+        <a:latin typeface="Calibri Light" panose="020F0302020204030204"/>
+        <a:ea typeface=""/>
+        <a:cs typeface=""/>
+        <a:font script="Jpan" typeface="游ゴシック Light"/>
+        <a:font script="Hang" typeface="맑은 고딕"/>
+        <a:font script="Hans" typeface="等线 Light"/>
+        <a:font script="Hant" typeface="新細明體"/>
+        <a:font script="Arab" typeface="Times New Roman"/>
+        <a:font script="Hebr" typeface="Times New Roman"/>
+        <a:font script="Thai" typeface="Angsana New"/>
+        <a:font script="Ethi" typeface="Nyala"/>
+        <a:font script="Beng" typeface="Vrinda"/>
+        <a:font script="Gujr" typeface="Shruti"/>
+        <a:font script="Khmr" typeface="MoolBoran"/>
+        <a:font script="Knda" typeface="Tunga"/>
+        <a:font script="Guru" typeface="Raavi"/>
+        <a:font script="Cans" typeface="Euphemia"/>
+        <a:font script="Cher" typeface="Plantagenet Cherokee"/>
+        <a:font script="Yiii" typeface="Microsoft Yi Baiti"/>
+        <a:font script="Tibt" typeface="Microsoft Himalaya"/>
+        <a:font script="Thaa" typeface="MV Boli"/>
+        <a:font script="Deva" typeface="Mangal"/>
+        <a:font script="Telu" typeface="Gautami"/>
+        <a:font script="Taml" typeface="Latha"/>
+        <a:font script="Syrc" typeface="Estrangelo Edessa"/>
+        <a:font script="Orya" typeface="Kalinga"/>
+        <a:font script="Mlym" typeface="Kartika"/>
+        <a:font script="Laoo" typeface="DokChampa"/>
+        <a:font script="Sinh" typeface="Iskoola Pota"/>
+        <a:font script="Mong" typeface="Mongolian Baiti"/>
+        <a:font script="Viet" typeface="Times New Roman"/>
+        <a:font script="Uigh" typeface="Microsoft Uighur"/>
+        <a:font script="Geor" typeface="Sylfaen"/>
+        <a:font script="Armn" typeface="Arial"/>
+        <a:font script="Bugi" typeface="Leelawadee UI"/>
+        <a:font script="Bopo" typeface="Microsoft JhengHei"/>
+        <a:font script="Java" typeface="Javanese Text"/>
+        <a:font script="Lisu" typeface="Segoe UI"/>
+        <a:font script="Mymr" typeface="Myanmar Text"/>
+        <a:font script="Nkoo" typeface="Ebrima"/>
+        <a:font script="Olck" typeface="Nirmala UI"/>
+        <a:font script="Osma" typeface="Ebrima"/>
+        <a:font script="Phag" typeface="Phagspa"/>
+        <a:font script="Syrn" typeface="Estrangelo Edessa"/>
+        <a:font script="Syrj" typeface="Estrangelo Edessa"/>
+        <a:font script="Syre" typeface="Estrangelo Edessa"/>
+        <a:font script="Sora" typeface="Nirmala UI"/>
+        <a:font script="Tale" typeface="Microsoft Tai Le"/>
+        <a:font script="Talu" typeface="Microsoft New Tai Lue"/>
+        <a:font script="Tfng" typeface="Ebrima"/>
+      </a:majorFont>
+      <a:minorFont>
+        <a:latin typeface="Calibri" panose="020F0502020204030204"/>
+        <a:ea typeface=""/>
+        <a:cs typeface=""/>
+        <a:font script="Jpan" typeface="游ゴシック"/>
+        <a:font script="Hang" typeface="맑은 고딕"/>
+        <a:font script="Hans" typeface="等线"/>
+        <a:font script="Hant" typeface="新細明體"/>
+        <a:font script="Arab" typeface="Arial"/>
+        <a:font script="Hebr" typeface="Arial"/>
+        <a:font script="Thai" typeface="Cordia New"/>
+        <a:font script="Ethi" typeface="Nyala"/>
+        <a:font script="Beng" typeface="Vrinda"/>
+        <a:font script="Gujr" typeface="Shruti"/>
+        <a:font script="Khmr" typeface="DaunPenh"/>
+        <a:font script="Knda" typeface="Tunga"/>
+        <a:font script="Guru" typeface="Raavi"/>
+        <a:font script="Cans" typeface="Euphemia"/>
+        <a:font script="Cher" typeface="Plantagenet Cherokee"/>
+        <a:font script="Yiii" typeface="Microsoft Yi Baiti"/>
+        <a:font script="Tibt" typeface="Microsoft Himalaya"/>
+        <a:font script="Thaa" typeface="MV Boli"/>
+        <a:font script="Deva" typeface="Mangal"/>
+        <a:font script="Telu" typeface="Gautami"/>
+        <a:font script="Taml" typeface="Latha"/>
+        <a:font script="Syrc" typeface="Estrangelo Edessa"/>
+        <a:font script="Orya" typeface="Kalinga"/>
+        <a:font script="Mlym" typeface="Kartika"/>
+        <a:font script="Laoo" typeface="DokChampa"/>
+        <a:font script="Sinh" typeface="Iskoola Pota"/>
+        <a:font script="Mong" typeface="Mongolian Baiti"/>
+        <a:font script="Viet" typeface="Arial"/>
+        <a:font script="Uigh" typeface="Microsoft Uighur"/>
+        <a:font script="Geor" typeface="Sylfaen"/>
+        <a:font script="Armn" typeface="Arial"/>
+        <a:font script="Bugi" typeface="Leelawadee UI"/>
+        <a:font script="Bopo" typeface="Microsoft JhengHei"/>
+        <a:font script="Java" typeface="Javanese Text"/>
+        <a:font script="Lisu" typeface="Segoe UI"/>
+        <a:font script="Mymr" typeface="Myanmar Text"/>
+        <a:font script="Nkoo" typeface="Ebrima"/>
+        <a:font script="Olck" typeface="Nirmala UI"/>
+        <a:font script="Osma" typeface="Ebrima"/>
+        <a:font script="Phag" typeface="Phagspa"/>
+        <a:font script="Syrn" typeface="Estrangelo Edessa"/>
+        <a:font script="Syrj" typeface="Estrangelo Edessa"/>
+        <a:font script="Syre" typeface="Estrangelo Edessa"/>
+        <a:font script="Sora" typeface="Nirmala UI"/>
+        <a:font script="Tale" typeface="Microsoft Tai Le"/>
+        <a:font script="Talu" typeface="Microsoft New Tai Lue"/>
+        <a:font script="Tfng" typeface="Ebrima"/>
+      </a:minorFont>
+    </a:fontScheme>
+    <a:fmtScheme name="Office">
+      <a:fillStyleLst>
+        <a:solidFill>
+          <a:schemeClr val="phClr"/>
+        </a:solidFill>
+        <a:gradFill rotWithShape="1">
+          <a:gsLst>
+            <a:gs pos="0">
+              <a:schemeClr val="phClr">
+                <a:lumMod val="110000"/>
+                <a:satMod val="105000"/>
+                <a:tint val="67000"/>
+              </a:schemeClr>
+            </a:gs>
+            <a:gs pos="50000">
+              <a:schemeClr val="phClr">
+                <a:lumMod val="105000"/>
+                <a:satMod val="103000"/>
+                <a:tint val="73000"/>
+              </a:schemeClr>
+            </a:gs>
+            <a:gs pos="100000">
+              <a:schemeClr val="phClr">
+                <a:lumMod val="105000"/>
+                <a:satMod val="109000"/>
+                <a:tint val="81000"/>
+              </a:schemeClr>
+            </a:gs>
+          </a:gsLst>
+          <a:lin ang="5400000" scaled="0"/>
+        </a:gradFill>
+        <a:gradFill rotWithShape="1">
+          <a:gsLst>
+            <a:gs pos="0">
+              <a:schemeClr val="phClr">
+                <a:satMod val="103000"/>
+                <a:lumMod val="102000"/>
+                <a:tint val="94000"/>
+              </a:schemeClr>
+            </a:gs>
+            <a:gs pos="50000">
+              <a:schemeClr val="phClr">
+                <a:satMod val="110000"/>
+                <a:lumMod val="100000"/>
+                <a:shade val="100000"/>
+              </a:schemeClr>
+            </a:gs>
+            <a:gs pos="100000">
+              <a:schemeClr val="phClr">
+                <a:lumMod val="99000"/>
+                <a:satMod val="120000"/>
+                <a:shade val="78000"/>
+              </a:schemeClr>
+            </a:gs>
+          </a:gsLst>
+          <a:lin ang="5400000" scaled="0"/>
+        </a:gradFill>
+      </a:fillStyleLst>
+      <a:lnStyleLst>
+        <a:ln w="6350" cap="flat" cmpd="sng" algn="ctr">
+          <a:solidFill>
+            <a:schemeClr val="phClr"/>
+          </a:solidFill>
+          <a:prstDash val="solid"/>
+          <a:miter lim="800000"/>
+        </a:ln>
+        <a:ln w="12700" cap="flat" cmpd="sng" algn="ctr">
+          <a:solidFill>
+            <a:schemeClr val="phClr"/>
+          </a:solidFill>
+          <a:prstDash val="solid"/>
+          <a:miter lim="800000"/>
+        </a:ln>
+        <a:ln w="19050" cap="flat" cmpd="sng" algn="ctr">
+          <a:solidFill>
+            <a:schemeClr val="phClr"/>
+          </a:solidFill>
+          <a:prstDash val="solid"/>
+          <a:miter lim="800000"/>
+        </a:ln>
+      </a:lnStyleLst>
+      <a:effectStyleLst>
+        <a:effectStyle>
+          <a:effectLst/>
+        </a:effectStyle>
+        <a:effectStyle>
+          <a:effectLst/>
+        </a:effectStyle>
+        <a:effectStyle>
+          <a:effectLst>
+            <a:outerShdw blurRad="57150" dist="19050" dir="5400000" algn="ctr" rotWithShape="0">
+              <a:srgbClr val="000000">
+                <a:alpha val="63000"/>
+              </a:srgbClr>
+            </a:outerShdw>
+          </a:effectLst>
+        </a:effectStyle>
+      </a:effectStyleLst>
+      <a:bgFillStyleLst>
+        <a:solidFill>
+          <a:schemeClr val="phClr"/>
+        </a:solidFill>
+        <a:solidFill>
+          <a:schemeClr val="phClr">
+            <a:tint val="95000"/>
+            <a:satMod val="170000"/>
+          </a:schemeClr>
+        </a:solidFill>
+        <a:gradFill rotWithShape="1">
+          <a:gsLst>
+            <a:gs pos="0">
+              <a:schemeClr val="phClr">
+                <a:tint val="93000"/>
+                <a:satMod val="150000"/>
+                <a:shade val="98000"/>
+                <a:lumMod val="102000"/>
+              </a:schemeClr>
+            </a:gs>
+            <a:gs pos="50000">
+              <a:schemeClr val="phClr">
+                <a:tint val="98000"/>
+                <a:satMod val="130000"/>
+                <a:shade val="90000"/>
+                <a:lumMod val="103000"/>
+              </a:schemeClr>
+            </a:gs>
+            <a:gs pos="100000">
+              <a:schemeClr val="phClr">
+                <a:shade val="63000"/>
+                <a:satMod val="120000"/>
+              </a:schemeClr>
+            </a:gs>
+          </a:gsLst>
+          <a:lin ang="5400000" scaled="0"/>
+        </a:gradFill>
+      </a:bgFillStyleLst>
+    </a:fmtScheme>
+  </a:themeElements>
+  <a:objectDefaults/>
+  <a:extraClrSchemeLst/>
+  <a:extLst>
+    <a:ext uri="{05A4C25C-085E-4340-85A3-A5531E510DB2}">
+      <thm15:themeFamily xmlns:thm15="http://schemas.microsoft.com/office/thememl/2012/main" name="Office Theme" id="{62F939B6-93AF-4DB8-9C6B-D6C7DFDC589F}" vid="{4A3C46E8-61CC-4603-A589-7422A47A8E4A}"/>
+    </a:ext>
+  </a:extLst>
+</a:theme>
 </file>